--- a/発表資料/Pythonではじめる教師なし学習/Pythonではじめる教師なし学習第11章.pptx
+++ b/発表資料/Pythonではじめる教師なし学習/Pythonではじめる教師なし学習第11章.pptx
@@ -8,13 +8,17 @@
     <p:sldId id="256" r:id="rId2"/>
     <p:sldId id="259" r:id="rId3"/>
     <p:sldId id="269" r:id="rId4"/>
-    <p:sldId id="268" r:id="rId5"/>
-    <p:sldId id="260" r:id="rId6"/>
-    <p:sldId id="262" r:id="rId7"/>
-    <p:sldId id="263" r:id="rId8"/>
-    <p:sldId id="270" r:id="rId9"/>
-    <p:sldId id="271" r:id="rId10"/>
-    <p:sldId id="267" r:id="rId11"/>
+    <p:sldId id="274" r:id="rId5"/>
+    <p:sldId id="275" r:id="rId6"/>
+    <p:sldId id="268" r:id="rId7"/>
+    <p:sldId id="260" r:id="rId8"/>
+    <p:sldId id="262" r:id="rId9"/>
+    <p:sldId id="263" r:id="rId10"/>
+    <p:sldId id="276" r:id="rId11"/>
+    <p:sldId id="270" r:id="rId12"/>
+    <p:sldId id="277" r:id="rId13"/>
+    <p:sldId id="271" r:id="rId14"/>
+    <p:sldId id="267" r:id="rId15"/>
   </p:sldIdLst>
   <p:sldSz cx="12192000" cy="6858000"/>
   <p:notesSz cx="6858000" cy="9144000"/>
@@ -136,7 +140,7 @@
 <file path=ppt/revisionInfo.xml><?xml version="1.0" encoding="utf-8"?>
 <p1510:revInfo xmlns:a="http://schemas.openxmlformats.org/drawingml/2006/main" xmlns:r="http://schemas.openxmlformats.org/officeDocument/2006/relationships" xmlns:p1510="http://schemas.microsoft.com/office/powerpoint/2015/10/main">
   <p1510:revLst>
-    <p1510:client id="{68EF9989-4EC9-4DCD-A70A-BC2B07C763F2}" v="45" dt="2020-08-20T17:12:02.059"/>
+    <p1510:client id="{68EF9989-4EC9-4DCD-A70A-BC2B07C763F2}" v="103" dt="2020-08-21T08:28:56.489"/>
   </p1510:revLst>
 </p1510:revInfo>
 </file>
@@ -3025,8 +3029,8 @@
   </pc:docChgLst>
   <pc:docChgLst>
     <pc:chgData name="Masaya Yamaguchi" userId="8869a66585b793a1" providerId="LiveId" clId="{68EF9989-4EC9-4DCD-A70A-BC2B07C763F2}"/>
-    <pc:docChg chg="undo redo custSel addSld delSld modSld">
-      <pc:chgData name="Masaya Yamaguchi" userId="8869a66585b793a1" providerId="LiveId" clId="{68EF9989-4EC9-4DCD-A70A-BC2B07C763F2}" dt="2020-08-20T17:13:42.781" v="2790" actId="20577"/>
+    <pc:docChg chg="undo redo custSel addSld delSld modSld sldOrd">
+      <pc:chgData name="Masaya Yamaguchi" userId="8869a66585b793a1" providerId="LiveId" clId="{68EF9989-4EC9-4DCD-A70A-BC2B07C763F2}" dt="2020-08-21T08:31:20.696" v="4248" actId="313"/>
       <pc:docMkLst>
         <pc:docMk/>
       </pc:docMkLst>
@@ -3068,8 +3072,8 @@
           </ac:spMkLst>
         </pc:spChg>
       </pc:sldChg>
-      <pc:sldChg chg="addSp modSp">
-        <pc:chgData name="Masaya Yamaguchi" userId="8869a66585b793a1" providerId="LiveId" clId="{68EF9989-4EC9-4DCD-A70A-BC2B07C763F2}" dt="2020-08-20T16:01:23.139" v="1129" actId="20577"/>
+      <pc:sldChg chg="addSp modSp ord">
+        <pc:chgData name="Masaya Yamaguchi" userId="8869a66585b793a1" providerId="LiveId" clId="{68EF9989-4EC9-4DCD-A70A-BC2B07C763F2}" dt="2020-08-21T08:16:16.723" v="3701" actId="20577"/>
         <pc:sldMkLst>
           <pc:docMk/>
           <pc:sldMk cId="2636089329" sldId="260"/>
@@ -3107,7 +3111,7 @@
           </ac:spMkLst>
         </pc:spChg>
         <pc:spChg chg="add mod">
-          <ac:chgData name="Masaya Yamaguchi" userId="8869a66585b793a1" providerId="LiveId" clId="{68EF9989-4EC9-4DCD-A70A-BC2B07C763F2}" dt="2020-08-20T16:01:23.139" v="1129" actId="20577"/>
+          <ac:chgData name="Masaya Yamaguchi" userId="8869a66585b793a1" providerId="LiveId" clId="{68EF9989-4EC9-4DCD-A70A-BC2B07C763F2}" dt="2020-08-21T08:16:16.723" v="3701" actId="20577"/>
           <ac:spMkLst>
             <pc:docMk/>
             <pc:sldMk cId="2636089329" sldId="260"/>
@@ -3123,13 +3127,13 @@
         </pc:sldMkLst>
       </pc:sldChg>
       <pc:sldChg chg="addSp delSp modSp add del">
-        <pc:chgData name="Masaya Yamaguchi" userId="8869a66585b793a1" providerId="LiveId" clId="{68EF9989-4EC9-4DCD-A70A-BC2B07C763F2}" dt="2020-08-20T17:08:28.153" v="2439" actId="20577"/>
+        <pc:chgData name="Masaya Yamaguchi" userId="8869a66585b793a1" providerId="LiveId" clId="{68EF9989-4EC9-4DCD-A70A-BC2B07C763F2}" dt="2020-08-21T08:10:50.459" v="3491" actId="20577"/>
         <pc:sldMkLst>
           <pc:docMk/>
           <pc:sldMk cId="3284990432" sldId="262"/>
         </pc:sldMkLst>
         <pc:spChg chg="mod">
-          <ac:chgData name="Masaya Yamaguchi" userId="8869a66585b793a1" providerId="LiveId" clId="{68EF9989-4EC9-4DCD-A70A-BC2B07C763F2}" dt="2020-08-20T17:08:28.153" v="2439" actId="20577"/>
+          <ac:chgData name="Masaya Yamaguchi" userId="8869a66585b793a1" providerId="LiveId" clId="{68EF9989-4EC9-4DCD-A70A-BC2B07C763F2}" dt="2020-08-21T08:10:50.459" v="3491" actId="20577"/>
           <ac:spMkLst>
             <pc:docMk/>
             <pc:sldMk cId="3284990432" sldId="262"/>
@@ -3337,7 +3341,7 @@
           </ac:picMkLst>
         </pc:picChg>
         <pc:cxnChg chg="mod">
-          <ac:chgData name="Masaya Yamaguchi" userId="8869a66585b793a1" providerId="LiveId" clId="{68EF9989-4EC9-4DCD-A70A-BC2B07C763F2}" dt="2020-08-20T16:22:29.024" v="1196" actId="1076"/>
+          <ac:chgData name="Masaya Yamaguchi" userId="8869a66585b793a1" providerId="LiveId" clId="{68EF9989-4EC9-4DCD-A70A-BC2B07C763F2}" dt="2020-08-21T08:01:54.867" v="3261" actId="692"/>
           <ac:cxnSpMkLst>
             <pc:docMk/>
             <pc:sldMk cId="3284990432" sldId="262"/>
@@ -3345,7 +3349,7 @@
           </ac:cxnSpMkLst>
         </pc:cxnChg>
         <pc:cxnChg chg="mod">
-          <ac:chgData name="Masaya Yamaguchi" userId="8869a66585b793a1" providerId="LiveId" clId="{68EF9989-4EC9-4DCD-A70A-BC2B07C763F2}" dt="2020-08-20T16:22:29.024" v="1196" actId="1076"/>
+          <ac:chgData name="Masaya Yamaguchi" userId="8869a66585b793a1" providerId="LiveId" clId="{68EF9989-4EC9-4DCD-A70A-BC2B07C763F2}" dt="2020-08-21T08:01:40.622" v="3257" actId="692"/>
           <ac:cxnSpMkLst>
             <pc:docMk/>
             <pc:sldMk cId="3284990432" sldId="262"/>
@@ -3353,7 +3357,7 @@
           </ac:cxnSpMkLst>
         </pc:cxnChg>
         <pc:cxnChg chg="mod">
-          <ac:chgData name="Masaya Yamaguchi" userId="8869a66585b793a1" providerId="LiveId" clId="{68EF9989-4EC9-4DCD-A70A-BC2B07C763F2}" dt="2020-08-20T16:22:29.024" v="1196" actId="1076"/>
+          <ac:chgData name="Masaya Yamaguchi" userId="8869a66585b793a1" providerId="LiveId" clId="{68EF9989-4EC9-4DCD-A70A-BC2B07C763F2}" dt="2020-08-21T08:01:51.545" v="3260" actId="692"/>
           <ac:cxnSpMkLst>
             <pc:docMk/>
             <pc:sldMk cId="3284990432" sldId="262"/>
@@ -3361,7 +3365,7 @@
           </ac:cxnSpMkLst>
         </pc:cxnChg>
         <pc:cxnChg chg="mod">
-          <ac:chgData name="Masaya Yamaguchi" userId="8869a66585b793a1" providerId="LiveId" clId="{68EF9989-4EC9-4DCD-A70A-BC2B07C763F2}" dt="2020-08-20T16:21:26.328" v="1187" actId="1076"/>
+          <ac:chgData name="Masaya Yamaguchi" userId="8869a66585b793a1" providerId="LiveId" clId="{68EF9989-4EC9-4DCD-A70A-BC2B07C763F2}" dt="2020-08-21T08:02:35.984" v="3271" actId="692"/>
           <ac:cxnSpMkLst>
             <pc:docMk/>
             <pc:sldMk cId="3284990432" sldId="262"/>
@@ -3369,7 +3373,7 @@
           </ac:cxnSpMkLst>
         </pc:cxnChg>
         <pc:cxnChg chg="mod">
-          <ac:chgData name="Masaya Yamaguchi" userId="8869a66585b793a1" providerId="LiveId" clId="{68EF9989-4EC9-4DCD-A70A-BC2B07C763F2}" dt="2020-08-20T16:21:26.328" v="1187" actId="1076"/>
+          <ac:chgData name="Masaya Yamaguchi" userId="8869a66585b793a1" providerId="LiveId" clId="{68EF9989-4EC9-4DCD-A70A-BC2B07C763F2}" dt="2020-08-21T08:01:35.326" v="3256" actId="692"/>
           <ac:cxnSpMkLst>
             <pc:docMk/>
             <pc:sldMk cId="3284990432" sldId="262"/>
@@ -3377,7 +3381,7 @@
           </ac:cxnSpMkLst>
         </pc:cxnChg>
         <pc:cxnChg chg="mod">
-          <ac:chgData name="Masaya Yamaguchi" userId="8869a66585b793a1" providerId="LiveId" clId="{68EF9989-4EC9-4DCD-A70A-BC2B07C763F2}" dt="2020-08-20T16:21:47.388" v="1188" actId="1076"/>
+          <ac:chgData name="Masaya Yamaguchi" userId="8869a66585b793a1" providerId="LiveId" clId="{68EF9989-4EC9-4DCD-A70A-BC2B07C763F2}" dt="2020-08-21T08:01:45.337" v="3258" actId="692"/>
           <ac:cxnSpMkLst>
             <pc:docMk/>
             <pc:sldMk cId="3284990432" sldId="262"/>
@@ -3385,7 +3389,7 @@
           </ac:cxnSpMkLst>
         </pc:cxnChg>
         <pc:cxnChg chg="mod">
-          <ac:chgData name="Masaya Yamaguchi" userId="8869a66585b793a1" providerId="LiveId" clId="{68EF9989-4EC9-4DCD-A70A-BC2B07C763F2}" dt="2020-08-20T16:21:47.388" v="1188" actId="1076"/>
+          <ac:chgData name="Masaya Yamaguchi" userId="8869a66585b793a1" providerId="LiveId" clId="{68EF9989-4EC9-4DCD-A70A-BC2B07C763F2}" dt="2020-08-21T08:02:55.003" v="3276" actId="692"/>
           <ac:cxnSpMkLst>
             <pc:docMk/>
             <pc:sldMk cId="3284990432" sldId="262"/>
@@ -3393,7 +3397,7 @@
           </ac:cxnSpMkLst>
         </pc:cxnChg>
         <pc:cxnChg chg="mod">
-          <ac:chgData name="Masaya Yamaguchi" userId="8869a66585b793a1" providerId="LiveId" clId="{68EF9989-4EC9-4DCD-A70A-BC2B07C763F2}" dt="2020-08-20T16:22:00.094" v="1189" actId="1076"/>
+          <ac:chgData name="Masaya Yamaguchi" userId="8869a66585b793a1" providerId="LiveId" clId="{68EF9989-4EC9-4DCD-A70A-BC2B07C763F2}" dt="2020-08-21T08:02:42.845" v="3273" actId="692"/>
           <ac:cxnSpMkLst>
             <pc:docMk/>
             <pc:sldMk cId="3284990432" sldId="262"/>
@@ -3401,7 +3405,7 @@
           </ac:cxnSpMkLst>
         </pc:cxnChg>
         <pc:cxnChg chg="mod">
-          <ac:chgData name="Masaya Yamaguchi" userId="8869a66585b793a1" providerId="LiveId" clId="{68EF9989-4EC9-4DCD-A70A-BC2B07C763F2}" dt="2020-08-20T16:22:00.094" v="1189" actId="1076"/>
+          <ac:chgData name="Masaya Yamaguchi" userId="8869a66585b793a1" providerId="LiveId" clId="{68EF9989-4EC9-4DCD-A70A-BC2B07C763F2}" dt="2020-08-21T08:03:04.599" v="3279" actId="692"/>
           <ac:cxnSpMkLst>
             <pc:docMk/>
             <pc:sldMk cId="3284990432" sldId="262"/>
@@ -3409,7 +3413,7 @@
           </ac:cxnSpMkLst>
         </pc:cxnChg>
         <pc:cxnChg chg="mod">
-          <ac:chgData name="Masaya Yamaguchi" userId="8869a66585b793a1" providerId="LiveId" clId="{68EF9989-4EC9-4DCD-A70A-BC2B07C763F2}" dt="2020-08-20T16:20:19.326" v="1160" actId="1076"/>
+          <ac:chgData name="Masaya Yamaguchi" userId="8869a66585b793a1" providerId="LiveId" clId="{68EF9989-4EC9-4DCD-A70A-BC2B07C763F2}" dt="2020-08-21T07:59:37.715" v="3230" actId="692"/>
           <ac:cxnSpMkLst>
             <pc:docMk/>
             <pc:sldMk cId="3284990432" sldId="262"/>
@@ -3417,7 +3421,7 @@
           </ac:cxnSpMkLst>
         </pc:cxnChg>
         <pc:cxnChg chg="mod">
-          <ac:chgData name="Masaya Yamaguchi" userId="8869a66585b793a1" providerId="LiveId" clId="{68EF9989-4EC9-4DCD-A70A-BC2B07C763F2}" dt="2020-08-20T16:21:20.184" v="1186" actId="1076"/>
+          <ac:chgData name="Masaya Yamaguchi" userId="8869a66585b793a1" providerId="LiveId" clId="{68EF9989-4EC9-4DCD-A70A-BC2B07C763F2}" dt="2020-08-21T07:59:44.405" v="3232" actId="692"/>
           <ac:cxnSpMkLst>
             <pc:docMk/>
             <pc:sldMk cId="3284990432" sldId="262"/>
@@ -3425,7 +3429,7 @@
           </ac:cxnSpMkLst>
         </pc:cxnChg>
         <pc:cxnChg chg="mod">
-          <ac:chgData name="Masaya Yamaguchi" userId="8869a66585b793a1" providerId="LiveId" clId="{68EF9989-4EC9-4DCD-A70A-BC2B07C763F2}" dt="2020-08-20T16:22:00.094" v="1189" actId="1076"/>
+          <ac:chgData name="Masaya Yamaguchi" userId="8869a66585b793a1" providerId="LiveId" clId="{68EF9989-4EC9-4DCD-A70A-BC2B07C763F2}" dt="2020-08-21T08:00:17.981" v="3240" actId="692"/>
           <ac:cxnSpMkLst>
             <pc:docMk/>
             <pc:sldMk cId="3284990432" sldId="262"/>
@@ -3433,7 +3437,7 @@
           </ac:cxnSpMkLst>
         </pc:cxnChg>
         <pc:cxnChg chg="mod">
-          <ac:chgData name="Masaya Yamaguchi" userId="8869a66585b793a1" providerId="LiveId" clId="{68EF9989-4EC9-4DCD-A70A-BC2B07C763F2}" dt="2020-08-20T16:19:58.234" v="1156" actId="1076"/>
+          <ac:chgData name="Masaya Yamaguchi" userId="8869a66585b793a1" providerId="LiveId" clId="{68EF9989-4EC9-4DCD-A70A-BC2B07C763F2}" dt="2020-08-21T07:59:17.989" v="3223" actId="692"/>
           <ac:cxnSpMkLst>
             <pc:docMk/>
             <pc:sldMk cId="3284990432" sldId="262"/>
@@ -3441,7 +3445,7 @@
           </ac:cxnSpMkLst>
         </pc:cxnChg>
         <pc:cxnChg chg="mod">
-          <ac:chgData name="Masaya Yamaguchi" userId="8869a66585b793a1" providerId="LiveId" clId="{68EF9989-4EC9-4DCD-A70A-BC2B07C763F2}" dt="2020-08-20T16:20:19.326" v="1160" actId="1076"/>
+          <ac:chgData name="Masaya Yamaguchi" userId="8869a66585b793a1" providerId="LiveId" clId="{68EF9989-4EC9-4DCD-A70A-BC2B07C763F2}" dt="2020-08-21T07:59:28.671" v="3228" actId="692"/>
           <ac:cxnSpMkLst>
             <pc:docMk/>
             <pc:sldMk cId="3284990432" sldId="262"/>
@@ -3449,7 +3453,7 @@
           </ac:cxnSpMkLst>
         </pc:cxnChg>
         <pc:cxnChg chg="mod">
-          <ac:chgData name="Masaya Yamaguchi" userId="8869a66585b793a1" providerId="LiveId" clId="{68EF9989-4EC9-4DCD-A70A-BC2B07C763F2}" dt="2020-08-20T16:19:58.234" v="1156" actId="1076"/>
+          <ac:chgData name="Masaya Yamaguchi" userId="8869a66585b793a1" providerId="LiveId" clId="{68EF9989-4EC9-4DCD-A70A-BC2B07C763F2}" dt="2020-08-21T07:59:24.117" v="3226" actId="692"/>
           <ac:cxnSpMkLst>
             <pc:docMk/>
             <pc:sldMk cId="3284990432" sldId="262"/>
@@ -3457,7 +3461,7 @@
           </ac:cxnSpMkLst>
         </pc:cxnChg>
         <pc:cxnChg chg="mod">
-          <ac:chgData name="Masaya Yamaguchi" userId="8869a66585b793a1" providerId="LiveId" clId="{68EF9989-4EC9-4DCD-A70A-BC2B07C763F2}" dt="2020-08-20T16:21:20.184" v="1186" actId="1076"/>
+          <ac:chgData name="Masaya Yamaguchi" userId="8869a66585b793a1" providerId="LiveId" clId="{68EF9989-4EC9-4DCD-A70A-BC2B07C763F2}" dt="2020-08-21T08:00:02.865" v="3238" actId="692"/>
           <ac:cxnSpMkLst>
             <pc:docMk/>
             <pc:sldMk cId="3284990432" sldId="262"/>
@@ -3465,7 +3469,7 @@
           </ac:cxnSpMkLst>
         </pc:cxnChg>
         <pc:cxnChg chg="mod">
-          <ac:chgData name="Masaya Yamaguchi" userId="8869a66585b793a1" providerId="LiveId" clId="{68EF9989-4EC9-4DCD-A70A-BC2B07C763F2}" dt="2020-08-20T16:21:15.253" v="1185" actId="1076"/>
+          <ac:chgData name="Masaya Yamaguchi" userId="8869a66585b793a1" providerId="LiveId" clId="{68EF9989-4EC9-4DCD-A70A-BC2B07C763F2}" dt="2020-08-21T07:59:58.723" v="3236" actId="692"/>
           <ac:cxnSpMkLst>
             <pc:docMk/>
             <pc:sldMk cId="3284990432" sldId="262"/>
@@ -3473,7 +3477,7 @@
           </ac:cxnSpMkLst>
         </pc:cxnChg>
         <pc:cxnChg chg="mod">
-          <ac:chgData name="Masaya Yamaguchi" userId="8869a66585b793a1" providerId="LiveId" clId="{68EF9989-4EC9-4DCD-A70A-BC2B07C763F2}" dt="2020-08-20T16:21:20.184" v="1186" actId="1076"/>
+          <ac:chgData name="Masaya Yamaguchi" userId="8869a66585b793a1" providerId="LiveId" clId="{68EF9989-4EC9-4DCD-A70A-BC2B07C763F2}" dt="2020-08-21T07:59:52.987" v="3234" actId="692"/>
           <ac:cxnSpMkLst>
             <pc:docMk/>
             <pc:sldMk cId="3284990432" sldId="262"/>
@@ -3481,7 +3485,7 @@
           </ac:cxnSpMkLst>
         </pc:cxnChg>
         <pc:cxnChg chg="mod">
-          <ac:chgData name="Masaya Yamaguchi" userId="8869a66585b793a1" providerId="LiveId" clId="{68EF9989-4EC9-4DCD-A70A-BC2B07C763F2}" dt="2020-08-20T16:21:26.328" v="1187" actId="1076"/>
+          <ac:chgData name="Masaya Yamaguchi" userId="8869a66585b793a1" providerId="LiveId" clId="{68EF9989-4EC9-4DCD-A70A-BC2B07C763F2}" dt="2020-08-21T08:00:17.981" v="3240" actId="692"/>
           <ac:cxnSpMkLst>
             <pc:docMk/>
             <pc:sldMk cId="3284990432" sldId="262"/>
@@ -3489,7 +3493,7 @@
           </ac:cxnSpMkLst>
         </pc:cxnChg>
         <pc:cxnChg chg="mod">
-          <ac:chgData name="Masaya Yamaguchi" userId="8869a66585b793a1" providerId="LiveId" clId="{68EF9989-4EC9-4DCD-A70A-BC2B07C763F2}" dt="2020-08-20T16:21:47.388" v="1188" actId="1076"/>
+          <ac:chgData name="Masaya Yamaguchi" userId="8869a66585b793a1" providerId="LiveId" clId="{68EF9989-4EC9-4DCD-A70A-BC2B07C763F2}" dt="2020-08-21T08:01:18.954" v="3252" actId="692"/>
           <ac:cxnSpMkLst>
             <pc:docMk/>
             <pc:sldMk cId="3284990432" sldId="262"/>
@@ -3497,7 +3501,7 @@
           </ac:cxnSpMkLst>
         </pc:cxnChg>
         <pc:cxnChg chg="mod">
-          <ac:chgData name="Masaya Yamaguchi" userId="8869a66585b793a1" providerId="LiveId" clId="{68EF9989-4EC9-4DCD-A70A-BC2B07C763F2}" dt="2020-08-20T16:21:47.388" v="1188" actId="1076"/>
+          <ac:chgData name="Masaya Yamaguchi" userId="8869a66585b793a1" providerId="LiveId" clId="{68EF9989-4EC9-4DCD-A70A-BC2B07C763F2}" dt="2020-08-21T08:00:17.981" v="3240" actId="692"/>
           <ac:cxnSpMkLst>
             <pc:docMk/>
             <pc:sldMk cId="3284990432" sldId="262"/>
@@ -3505,7 +3509,7 @@
           </ac:cxnSpMkLst>
         </pc:cxnChg>
         <pc:cxnChg chg="mod">
-          <ac:chgData name="Masaya Yamaguchi" userId="8869a66585b793a1" providerId="LiveId" clId="{68EF9989-4EC9-4DCD-A70A-BC2B07C763F2}" dt="2020-08-20T16:22:00.094" v="1189" actId="1076"/>
+          <ac:chgData name="Masaya Yamaguchi" userId="8869a66585b793a1" providerId="LiveId" clId="{68EF9989-4EC9-4DCD-A70A-BC2B07C763F2}" dt="2020-08-21T08:00:17.981" v="3240" actId="692"/>
           <ac:cxnSpMkLst>
             <pc:docMk/>
             <pc:sldMk cId="3284990432" sldId="262"/>
@@ -3513,7 +3517,7 @@
           </ac:cxnSpMkLst>
         </pc:cxnChg>
         <pc:cxnChg chg="mod">
-          <ac:chgData name="Masaya Yamaguchi" userId="8869a66585b793a1" providerId="LiveId" clId="{68EF9989-4EC9-4DCD-A70A-BC2B07C763F2}" dt="2020-08-20T16:21:26.328" v="1187" actId="1076"/>
+          <ac:chgData name="Masaya Yamaguchi" userId="8869a66585b793a1" providerId="LiveId" clId="{68EF9989-4EC9-4DCD-A70A-BC2B07C763F2}" dt="2020-08-21T08:00:17.981" v="3240" actId="692"/>
           <ac:cxnSpMkLst>
             <pc:docMk/>
             <pc:sldMk cId="3284990432" sldId="262"/>
@@ -3521,7 +3525,7 @@
           </ac:cxnSpMkLst>
         </pc:cxnChg>
         <pc:cxnChg chg="mod">
-          <ac:chgData name="Masaya Yamaguchi" userId="8869a66585b793a1" providerId="LiveId" clId="{68EF9989-4EC9-4DCD-A70A-BC2B07C763F2}" dt="2020-08-20T16:21:26.328" v="1187" actId="1076"/>
+          <ac:chgData name="Masaya Yamaguchi" userId="8869a66585b793a1" providerId="LiveId" clId="{68EF9989-4EC9-4DCD-A70A-BC2B07C763F2}" dt="2020-08-21T08:00:17.981" v="3240" actId="692"/>
           <ac:cxnSpMkLst>
             <pc:docMk/>
             <pc:sldMk cId="3284990432" sldId="262"/>
@@ -3529,7 +3533,7 @@
           </ac:cxnSpMkLst>
         </pc:cxnChg>
         <pc:cxnChg chg="mod">
-          <ac:chgData name="Masaya Yamaguchi" userId="8869a66585b793a1" providerId="LiveId" clId="{68EF9989-4EC9-4DCD-A70A-BC2B07C763F2}" dt="2020-08-20T16:22:00.094" v="1189" actId="1076"/>
+          <ac:chgData name="Masaya Yamaguchi" userId="8869a66585b793a1" providerId="LiveId" clId="{68EF9989-4EC9-4DCD-A70A-BC2B07C763F2}" dt="2020-08-21T08:00:34.689" v="3242" actId="692"/>
           <ac:cxnSpMkLst>
             <pc:docMk/>
             <pc:sldMk cId="3284990432" sldId="262"/>
@@ -3537,7 +3541,7 @@
           </ac:cxnSpMkLst>
         </pc:cxnChg>
         <pc:cxnChg chg="mod">
-          <ac:chgData name="Masaya Yamaguchi" userId="8869a66585b793a1" providerId="LiveId" clId="{68EF9989-4EC9-4DCD-A70A-BC2B07C763F2}" dt="2020-08-20T16:21:47.388" v="1188" actId="1076"/>
+          <ac:chgData name="Masaya Yamaguchi" userId="8869a66585b793a1" providerId="LiveId" clId="{68EF9989-4EC9-4DCD-A70A-BC2B07C763F2}" dt="2020-08-21T08:00:17.981" v="3240" actId="692"/>
           <ac:cxnSpMkLst>
             <pc:docMk/>
             <pc:sldMk cId="3284990432" sldId="262"/>
@@ -3546,7 +3550,7 @@
         </pc:cxnChg>
       </pc:sldChg>
       <pc:sldChg chg="addSp delSp modSp">
-        <pc:chgData name="Masaya Yamaguchi" userId="8869a66585b793a1" providerId="LiveId" clId="{68EF9989-4EC9-4DCD-A70A-BC2B07C763F2}" dt="2020-08-20T16:42:05.688" v="1986" actId="1076"/>
+        <pc:chgData name="Masaya Yamaguchi" userId="8869a66585b793a1" providerId="LiveId" clId="{68EF9989-4EC9-4DCD-A70A-BC2B07C763F2}" dt="2020-08-21T08:25:33.224" v="4090" actId="20577"/>
         <pc:sldMkLst>
           <pc:docMk/>
           <pc:sldMk cId="2334521627" sldId="263"/>
@@ -3576,7 +3580,7 @@
           </ac:spMkLst>
         </pc:spChg>
         <pc:spChg chg="add mod">
-          <ac:chgData name="Masaya Yamaguchi" userId="8869a66585b793a1" providerId="LiveId" clId="{68EF9989-4EC9-4DCD-A70A-BC2B07C763F2}" dt="2020-08-20T16:40:28.378" v="1956" actId="1076"/>
+          <ac:chgData name="Masaya Yamaguchi" userId="8869a66585b793a1" providerId="LiveId" clId="{68EF9989-4EC9-4DCD-A70A-BC2B07C763F2}" dt="2020-08-21T08:25:27.142" v="4084" actId="20577"/>
           <ac:spMkLst>
             <pc:docMk/>
             <pc:sldMk cId="2334521627" sldId="263"/>
@@ -3584,7 +3588,7 @@
           </ac:spMkLst>
         </pc:spChg>
         <pc:spChg chg="add mod">
-          <ac:chgData name="Masaya Yamaguchi" userId="8869a66585b793a1" providerId="LiveId" clId="{68EF9989-4EC9-4DCD-A70A-BC2B07C763F2}" dt="2020-08-20T16:40:23.748" v="1955" actId="1076"/>
+          <ac:chgData name="Masaya Yamaguchi" userId="8869a66585b793a1" providerId="LiveId" clId="{68EF9989-4EC9-4DCD-A70A-BC2B07C763F2}" dt="2020-08-21T08:25:29.250" v="4086" actId="20577"/>
           <ac:spMkLst>
             <pc:docMk/>
             <pc:sldMk cId="2334521627" sldId="263"/>
@@ -3592,7 +3596,7 @@
           </ac:spMkLst>
         </pc:spChg>
         <pc:spChg chg="add mod">
-          <ac:chgData name="Masaya Yamaguchi" userId="8869a66585b793a1" providerId="LiveId" clId="{68EF9989-4EC9-4DCD-A70A-BC2B07C763F2}" dt="2020-08-20T16:40:23.748" v="1955" actId="1076"/>
+          <ac:chgData name="Masaya Yamaguchi" userId="8869a66585b793a1" providerId="LiveId" clId="{68EF9989-4EC9-4DCD-A70A-BC2B07C763F2}" dt="2020-08-21T08:25:31.033" v="4088" actId="20577"/>
           <ac:spMkLst>
             <pc:docMk/>
             <pc:sldMk cId="2334521627" sldId="263"/>
@@ -3600,7 +3604,7 @@
           </ac:spMkLst>
         </pc:spChg>
         <pc:spChg chg="add mod">
-          <ac:chgData name="Masaya Yamaguchi" userId="8869a66585b793a1" providerId="LiveId" clId="{68EF9989-4EC9-4DCD-A70A-BC2B07C763F2}" dt="2020-08-20T16:40:23.748" v="1955" actId="1076"/>
+          <ac:chgData name="Masaya Yamaguchi" userId="8869a66585b793a1" providerId="LiveId" clId="{68EF9989-4EC9-4DCD-A70A-BC2B07C763F2}" dt="2020-08-21T08:25:33.224" v="4090" actId="20577"/>
           <ac:spMkLst>
             <pc:docMk/>
             <pc:sldMk cId="2334521627" sldId="263"/>
@@ -3694,8 +3698,8 @@
           </ac:graphicFrameMkLst>
         </pc:graphicFrameChg>
       </pc:sldChg>
-      <pc:sldChg chg="addSp modSp">
-        <pc:chgData name="Masaya Yamaguchi" userId="8869a66585b793a1" providerId="LiveId" clId="{68EF9989-4EC9-4DCD-A70A-BC2B07C763F2}" dt="2020-08-20T15:12:45.609" v="884" actId="20577"/>
+      <pc:sldChg chg="addSp modSp ord">
+        <pc:chgData name="Masaya Yamaguchi" userId="8869a66585b793a1" providerId="LiveId" clId="{68EF9989-4EC9-4DCD-A70A-BC2B07C763F2}" dt="2020-08-21T08:28:56.489" v="4247"/>
         <pc:sldMkLst>
           <pc:docMk/>
           <pc:sldMk cId="4128052610" sldId="268"/>
@@ -3717,8 +3721,8 @@
           </ac:picMkLst>
         </pc:picChg>
       </pc:sldChg>
-      <pc:sldChg chg="modSp">
-        <pc:chgData name="Masaya Yamaguchi" userId="8869a66585b793a1" providerId="LiveId" clId="{68EF9989-4EC9-4DCD-A70A-BC2B07C763F2}" dt="2020-08-20T14:31:59.965" v="644" actId="20577"/>
+      <pc:sldChg chg="addSp modSp">
+        <pc:chgData name="Masaya Yamaguchi" userId="8869a66585b793a1" providerId="LiveId" clId="{68EF9989-4EC9-4DCD-A70A-BC2B07C763F2}" dt="2020-08-21T04:20:20.971" v="2919" actId="1076"/>
         <pc:sldMkLst>
           <pc:docMk/>
           <pc:sldMk cId="886174722" sldId="269"/>
@@ -3739,6 +3743,78 @@
             <ac:spMk id="6" creationId="{58CDAA12-0D41-4C68-8CE7-7603C10B18C0}"/>
           </ac:spMkLst>
         </pc:spChg>
+        <pc:spChg chg="add mod">
+          <ac:chgData name="Masaya Yamaguchi" userId="8869a66585b793a1" providerId="LiveId" clId="{68EF9989-4EC9-4DCD-A70A-BC2B07C763F2}" dt="2020-08-21T04:20:20.971" v="2919" actId="1076"/>
+          <ac:spMkLst>
+            <pc:docMk/>
+            <pc:sldMk cId="886174722" sldId="269"/>
+            <ac:spMk id="19" creationId="{30F04B34-00FF-4FC4-8299-783BE887768D}"/>
+          </ac:spMkLst>
+        </pc:spChg>
+        <pc:spChg chg="add mod">
+          <ac:chgData name="Masaya Yamaguchi" userId="8869a66585b793a1" providerId="LiveId" clId="{68EF9989-4EC9-4DCD-A70A-BC2B07C763F2}" dt="2020-08-21T03:35:08.293" v="2889" actId="20577"/>
+          <ac:spMkLst>
+            <pc:docMk/>
+            <pc:sldMk cId="886174722" sldId="269"/>
+            <ac:spMk id="20" creationId="{4E7F5C2F-A825-4F57-BEE0-372E0510A608}"/>
+          </ac:spMkLst>
+        </pc:spChg>
+        <pc:picChg chg="add mod">
+          <ac:chgData name="Masaya Yamaguchi" userId="8869a66585b793a1" providerId="LiveId" clId="{68EF9989-4EC9-4DCD-A70A-BC2B07C763F2}" dt="2020-08-21T03:33:18.704" v="2796" actId="1076"/>
+          <ac:picMkLst>
+            <pc:docMk/>
+            <pc:sldMk cId="886174722" sldId="269"/>
+            <ac:picMk id="4" creationId="{E6E8A528-3E28-490D-98BF-A86C87AD5E7C}"/>
+          </ac:picMkLst>
+        </pc:picChg>
+        <pc:picChg chg="add mod">
+          <ac:chgData name="Masaya Yamaguchi" userId="8869a66585b793a1" providerId="LiveId" clId="{68EF9989-4EC9-4DCD-A70A-BC2B07C763F2}" dt="2020-08-21T03:33:15.402" v="2795" actId="1076"/>
+          <ac:picMkLst>
+            <pc:docMk/>
+            <pc:sldMk cId="886174722" sldId="269"/>
+            <ac:picMk id="7" creationId="{06083BB0-5235-4A69-93CC-2C2C793F166E}"/>
+          </ac:picMkLst>
+        </pc:picChg>
+        <pc:picChg chg="add mod">
+          <ac:chgData name="Masaya Yamaguchi" userId="8869a66585b793a1" providerId="LiveId" clId="{68EF9989-4EC9-4DCD-A70A-BC2B07C763F2}" dt="2020-08-21T03:33:09.544" v="2793" actId="1076"/>
+          <ac:picMkLst>
+            <pc:docMk/>
+            <pc:sldMk cId="886174722" sldId="269"/>
+            <ac:picMk id="8" creationId="{6CEE6579-E7E5-4326-855C-B371D467436A}"/>
+          </ac:picMkLst>
+        </pc:picChg>
+        <pc:picChg chg="add mod">
+          <ac:chgData name="Masaya Yamaguchi" userId="8869a66585b793a1" providerId="LiveId" clId="{68EF9989-4EC9-4DCD-A70A-BC2B07C763F2}" dt="2020-08-21T03:33:12.123" v="2794" actId="1076"/>
+          <ac:picMkLst>
+            <pc:docMk/>
+            <pc:sldMk cId="886174722" sldId="269"/>
+            <ac:picMk id="9" creationId="{4E683E4A-14C2-4B4B-AEBD-CC44005F3F76}"/>
+          </ac:picMkLst>
+        </pc:picChg>
+        <pc:cxnChg chg="add mod">
+          <ac:chgData name="Masaya Yamaguchi" userId="8869a66585b793a1" providerId="LiveId" clId="{68EF9989-4EC9-4DCD-A70A-BC2B07C763F2}" dt="2020-08-21T03:33:37.007" v="2802" actId="208"/>
+          <ac:cxnSpMkLst>
+            <pc:docMk/>
+            <pc:sldMk cId="886174722" sldId="269"/>
+            <ac:cxnSpMk id="3" creationId="{55A13C0E-DE0B-4F3F-953C-3191A7A1323A}"/>
+          </ac:cxnSpMkLst>
+        </pc:cxnChg>
+        <pc:cxnChg chg="add mod">
+          <ac:chgData name="Masaya Yamaguchi" userId="8869a66585b793a1" providerId="LiveId" clId="{68EF9989-4EC9-4DCD-A70A-BC2B07C763F2}" dt="2020-08-21T03:33:48.079" v="2805" actId="14100"/>
+          <ac:cxnSpMkLst>
+            <pc:docMk/>
+            <pc:sldMk cId="886174722" sldId="269"/>
+            <ac:cxnSpMk id="13" creationId="{754538BC-4FF8-4FB0-AB1C-39F40B19B48A}"/>
+          </ac:cxnSpMkLst>
+        </pc:cxnChg>
+        <pc:cxnChg chg="add mod">
+          <ac:chgData name="Masaya Yamaguchi" userId="8869a66585b793a1" providerId="LiveId" clId="{68EF9989-4EC9-4DCD-A70A-BC2B07C763F2}" dt="2020-08-21T03:33:57.082" v="2808" actId="14100"/>
+          <ac:cxnSpMkLst>
+            <pc:docMk/>
+            <pc:sldMk cId="886174722" sldId="269"/>
+            <ac:cxnSpMk id="16" creationId="{A40BA045-A29B-41C5-B606-3E31B0A6D651}"/>
+          </ac:cxnSpMkLst>
+        </pc:cxnChg>
       </pc:sldChg>
       <pc:sldChg chg="addSp delSp modSp add">
         <pc:chgData name="Masaya Yamaguchi" userId="8869a66585b793a1" providerId="LiveId" clId="{68EF9989-4EC9-4DCD-A70A-BC2B07C763F2}" dt="2020-08-20T17:05:59.914" v="2341" actId="1076"/>
@@ -4010,13 +4086,13 @@
         </pc:sldMkLst>
       </pc:sldChg>
       <pc:sldChg chg="addSp delSp modSp add">
-        <pc:chgData name="Masaya Yamaguchi" userId="8869a66585b793a1" providerId="LiveId" clId="{68EF9989-4EC9-4DCD-A70A-BC2B07C763F2}" dt="2020-08-20T17:09:34.204" v="2507" actId="20577"/>
+        <pc:chgData name="Masaya Yamaguchi" userId="8869a66585b793a1" providerId="LiveId" clId="{68EF9989-4EC9-4DCD-A70A-BC2B07C763F2}" dt="2020-08-21T08:23:24.303" v="4002" actId="20577"/>
         <pc:sldMkLst>
           <pc:docMk/>
           <pc:sldMk cId="1697337082" sldId="271"/>
         </pc:sldMkLst>
         <pc:spChg chg="mod">
-          <ac:chgData name="Masaya Yamaguchi" userId="8869a66585b793a1" providerId="LiveId" clId="{68EF9989-4EC9-4DCD-A70A-BC2B07C763F2}" dt="2020-08-20T17:09:34.204" v="2507" actId="20577"/>
+          <ac:chgData name="Masaya Yamaguchi" userId="8869a66585b793a1" providerId="LiveId" clId="{68EF9989-4EC9-4DCD-A70A-BC2B07C763F2}" dt="2020-08-21T08:23:24.303" v="4002" actId="20577"/>
           <ac:spMkLst>
             <pc:docMk/>
             <pc:sldMk cId="1697337082" sldId="271"/>
@@ -4141,6 +4217,663 @@
             <pc:docMk/>
             <pc:sldMk cId="1697337082" sldId="271"/>
             <ac:picMk id="48" creationId="{9145363B-EE5D-4ACD-B1EC-4811F5B285E2}"/>
+          </ac:picMkLst>
+        </pc:picChg>
+      </pc:sldChg>
+      <pc:sldChg chg="add del">
+        <pc:chgData name="Masaya Yamaguchi" userId="8869a66585b793a1" providerId="LiveId" clId="{68EF9989-4EC9-4DCD-A70A-BC2B07C763F2}" dt="2020-08-21T08:10:54.619" v="3492" actId="2696"/>
+        <pc:sldMkLst>
+          <pc:docMk/>
+          <pc:sldMk cId="408107119" sldId="272"/>
+        </pc:sldMkLst>
+      </pc:sldChg>
+      <pc:sldChg chg="del">
+        <pc:chgData name="Masaya Yamaguchi" userId="8869a66585b793a1" providerId="LiveId" clId="{68EF9989-4EC9-4DCD-A70A-BC2B07C763F2}" dt="2020-08-21T07:47:09.843" v="2921" actId="2696"/>
+        <pc:sldMkLst>
+          <pc:docMk/>
+          <pc:sldMk cId="3908720913" sldId="273"/>
+        </pc:sldMkLst>
+      </pc:sldChg>
+      <pc:sldChg chg="addSp delSp modSp">
+        <pc:chgData name="Masaya Yamaguchi" userId="8869a66585b793a1" providerId="LiveId" clId="{68EF9989-4EC9-4DCD-A70A-BC2B07C763F2}" dt="2020-08-21T08:31:20.696" v="4248" actId="313"/>
+        <pc:sldMkLst>
+          <pc:docMk/>
+          <pc:sldMk cId="2870896467" sldId="274"/>
+        </pc:sldMkLst>
+        <pc:spChg chg="mod">
+          <ac:chgData name="Masaya Yamaguchi" userId="8869a66585b793a1" providerId="LiveId" clId="{68EF9989-4EC9-4DCD-A70A-BC2B07C763F2}" dt="2020-08-21T07:55:50.858" v="3181" actId="20577"/>
+          <ac:spMkLst>
+            <pc:docMk/>
+            <pc:sldMk cId="2870896467" sldId="274"/>
+            <ac:spMk id="2" creationId="{A0F39BA3-32F4-460B-A00F-65C4BCEF5823}"/>
+          </ac:spMkLst>
+        </pc:spChg>
+        <pc:spChg chg="add mod">
+          <ac:chgData name="Masaya Yamaguchi" userId="8869a66585b793a1" providerId="LiveId" clId="{68EF9989-4EC9-4DCD-A70A-BC2B07C763F2}" dt="2020-08-21T08:31:20.696" v="4248" actId="313"/>
+          <ac:spMkLst>
+            <pc:docMk/>
+            <pc:sldMk cId="2870896467" sldId="274"/>
+            <ac:spMk id="3" creationId="{8FBBBE14-F03D-4E0D-BDBE-16D24E19DF78}"/>
+          </ac:spMkLst>
+        </pc:spChg>
+        <pc:spChg chg="add mod">
+          <ac:chgData name="Masaya Yamaguchi" userId="8869a66585b793a1" providerId="LiveId" clId="{68EF9989-4EC9-4DCD-A70A-BC2B07C763F2}" dt="2020-08-21T07:58:03.309" v="3221" actId="1076"/>
+          <ac:spMkLst>
+            <pc:docMk/>
+            <pc:sldMk cId="2870896467" sldId="274"/>
+            <ac:spMk id="4" creationId="{7FB830B7-D9FF-4452-B832-B84255D7FEAE}"/>
+          </ac:spMkLst>
+        </pc:spChg>
+        <pc:spChg chg="mod">
+          <ac:chgData name="Masaya Yamaguchi" userId="8869a66585b793a1" providerId="LiveId" clId="{68EF9989-4EC9-4DCD-A70A-BC2B07C763F2}" dt="2020-08-21T07:47:28.458" v="2944" actId="20577"/>
+          <ac:spMkLst>
+            <pc:docMk/>
+            <pc:sldMk cId="2870896467" sldId="274"/>
+            <ac:spMk id="6" creationId="{6B551181-2C66-4A19-BFC6-2ADD5F37BB92}"/>
+          </ac:spMkLst>
+        </pc:spChg>
+        <pc:spChg chg="del">
+          <ac:chgData name="Masaya Yamaguchi" userId="8869a66585b793a1" providerId="LiveId" clId="{68EF9989-4EC9-4DCD-A70A-BC2B07C763F2}" dt="2020-08-21T07:56:14.140" v="3182"/>
+          <ac:spMkLst>
+            <pc:docMk/>
+            <pc:sldMk cId="2870896467" sldId="274"/>
+            <ac:spMk id="110" creationId="{F8503B7D-4D1E-4F7D-9949-3FE52DE3FBC0}"/>
+          </ac:spMkLst>
+        </pc:spChg>
+        <pc:spChg chg="del">
+          <ac:chgData name="Masaya Yamaguchi" userId="8869a66585b793a1" providerId="LiveId" clId="{68EF9989-4EC9-4DCD-A70A-BC2B07C763F2}" dt="2020-08-21T07:56:14.140" v="3182"/>
+          <ac:spMkLst>
+            <pc:docMk/>
+            <pc:sldMk cId="2870896467" sldId="274"/>
+            <ac:spMk id="111" creationId="{B04E6899-04C3-4123-9498-3C4C1A7F2561}"/>
+          </ac:spMkLst>
+        </pc:spChg>
+        <pc:spChg chg="del">
+          <ac:chgData name="Masaya Yamaguchi" userId="8869a66585b793a1" providerId="LiveId" clId="{68EF9989-4EC9-4DCD-A70A-BC2B07C763F2}" dt="2020-08-21T07:56:14.140" v="3182"/>
+          <ac:spMkLst>
+            <pc:docMk/>
+            <pc:sldMk cId="2870896467" sldId="274"/>
+            <ac:spMk id="112" creationId="{230DEA64-6D30-44E2-BE36-8780DE3DA967}"/>
+          </ac:spMkLst>
+        </pc:spChg>
+        <pc:spChg chg="del mod">
+          <ac:chgData name="Masaya Yamaguchi" userId="8869a66585b793a1" providerId="LiveId" clId="{68EF9989-4EC9-4DCD-A70A-BC2B07C763F2}" dt="2020-08-21T07:56:25.261" v="3183"/>
+          <ac:spMkLst>
+            <pc:docMk/>
+            <pc:sldMk cId="2870896467" sldId="274"/>
+            <ac:spMk id="113" creationId="{4031FD80-0CF7-4BB1-82B7-006A6C64551F}"/>
+          </ac:spMkLst>
+        </pc:spChg>
+        <pc:spChg chg="del">
+          <ac:chgData name="Masaya Yamaguchi" userId="8869a66585b793a1" providerId="LiveId" clId="{68EF9989-4EC9-4DCD-A70A-BC2B07C763F2}" dt="2020-08-21T07:56:14.140" v="3182"/>
+          <ac:spMkLst>
+            <pc:docMk/>
+            <pc:sldMk cId="2870896467" sldId="274"/>
+            <ac:spMk id="114" creationId="{EA441434-B500-44AC-9312-C5420FE07BFF}"/>
+          </ac:spMkLst>
+        </pc:spChg>
+        <pc:spChg chg="del">
+          <ac:chgData name="Masaya Yamaguchi" userId="8869a66585b793a1" providerId="LiveId" clId="{68EF9989-4EC9-4DCD-A70A-BC2B07C763F2}" dt="2020-08-21T07:56:14.140" v="3182"/>
+          <ac:spMkLst>
+            <pc:docMk/>
+            <pc:sldMk cId="2870896467" sldId="274"/>
+            <ac:spMk id="116" creationId="{D92983D6-2C41-46CB-9209-A5C9C292DD9D}"/>
+          </ac:spMkLst>
+        </pc:spChg>
+        <pc:spChg chg="del">
+          <ac:chgData name="Masaya Yamaguchi" userId="8869a66585b793a1" providerId="LiveId" clId="{68EF9989-4EC9-4DCD-A70A-BC2B07C763F2}" dt="2020-08-21T07:56:14.140" v="3182"/>
+          <ac:spMkLst>
+            <pc:docMk/>
+            <pc:sldMk cId="2870896467" sldId="274"/>
+            <ac:spMk id="118" creationId="{739460A9-A711-453A-8361-E32E1BAB920A}"/>
+          </ac:spMkLst>
+        </pc:spChg>
+        <pc:spChg chg="del mod">
+          <ac:chgData name="Masaya Yamaguchi" userId="8869a66585b793a1" providerId="LiveId" clId="{68EF9989-4EC9-4DCD-A70A-BC2B07C763F2}" dt="2020-08-21T07:56:25.261" v="3183"/>
+          <ac:spMkLst>
+            <pc:docMk/>
+            <pc:sldMk cId="2870896467" sldId="274"/>
+            <ac:spMk id="120" creationId="{38303A0C-A67F-4621-8D09-9CC133879E84}"/>
+          </ac:spMkLst>
+        </pc:spChg>
+        <pc:grpChg chg="mod">
+          <ac:chgData name="Masaya Yamaguchi" userId="8869a66585b793a1" providerId="LiveId" clId="{68EF9989-4EC9-4DCD-A70A-BC2B07C763F2}" dt="2020-08-21T07:56:36.646" v="3187" actId="14100"/>
+          <ac:grpSpMkLst>
+            <pc:docMk/>
+            <pc:sldMk cId="2870896467" sldId="274"/>
+            <ac:grpSpMk id="47" creationId="{BA08B7F4-E139-464E-ACEE-6C851E3363B4}"/>
+          </ac:grpSpMkLst>
+        </pc:grpChg>
+        <pc:grpChg chg="mod">
+          <ac:chgData name="Masaya Yamaguchi" userId="8869a66585b793a1" providerId="LiveId" clId="{68EF9989-4EC9-4DCD-A70A-BC2B07C763F2}" dt="2020-08-21T07:56:30.465" v="3184"/>
+          <ac:grpSpMkLst>
+            <pc:docMk/>
+            <pc:sldMk cId="2870896467" sldId="274"/>
+            <ac:grpSpMk id="51" creationId="{3A6C7C4D-AEE7-408E-99F0-D2D294C2E4E7}"/>
+          </ac:grpSpMkLst>
+        </pc:grpChg>
+        <pc:grpChg chg="mod">
+          <ac:chgData name="Masaya Yamaguchi" userId="8869a66585b793a1" providerId="LiveId" clId="{68EF9989-4EC9-4DCD-A70A-BC2B07C763F2}" dt="2020-08-21T07:56:30.465" v="3184"/>
+          <ac:grpSpMkLst>
+            <pc:docMk/>
+            <pc:sldMk cId="2870896467" sldId="274"/>
+            <ac:grpSpMk id="61" creationId="{B86F6D91-464E-4CB0-AE5C-5C4F9BDD871F}"/>
+          </ac:grpSpMkLst>
+        </pc:grpChg>
+        <pc:grpChg chg="del mod">
+          <ac:chgData name="Masaya Yamaguchi" userId="8869a66585b793a1" providerId="LiveId" clId="{68EF9989-4EC9-4DCD-A70A-BC2B07C763F2}" dt="2020-08-21T07:56:14.140" v="3182"/>
+          <ac:grpSpMkLst>
+            <pc:docMk/>
+            <pc:sldMk cId="2870896467" sldId="274"/>
+            <ac:grpSpMk id="62" creationId="{8A0AFF11-ED68-48A6-AFBE-3231F8918F1E}"/>
+          </ac:grpSpMkLst>
+        </pc:grpChg>
+        <pc:grpChg chg="del mod">
+          <ac:chgData name="Masaya Yamaguchi" userId="8869a66585b793a1" providerId="LiveId" clId="{68EF9989-4EC9-4DCD-A70A-BC2B07C763F2}" dt="2020-08-21T07:56:30.465" v="3184"/>
+          <ac:grpSpMkLst>
+            <pc:docMk/>
+            <pc:sldMk cId="2870896467" sldId="274"/>
+            <ac:grpSpMk id="81" creationId="{FE5E4C59-7BC9-44B6-9798-9D3B1BFDCF45}"/>
+          </ac:grpSpMkLst>
+        </pc:grpChg>
+        <pc:grpChg chg="del mod">
+          <ac:chgData name="Masaya Yamaguchi" userId="8869a66585b793a1" providerId="LiveId" clId="{68EF9989-4EC9-4DCD-A70A-BC2B07C763F2}" dt="2020-08-21T07:56:30.465" v="3184"/>
+          <ac:grpSpMkLst>
+            <pc:docMk/>
+            <pc:sldMk cId="2870896467" sldId="274"/>
+            <ac:grpSpMk id="89" creationId="{A0E14B14-5D91-4220-A1CA-DC6DE4A397A7}"/>
+          </ac:grpSpMkLst>
+        </pc:grpChg>
+        <pc:grpChg chg="mod">
+          <ac:chgData name="Masaya Yamaguchi" userId="8869a66585b793a1" providerId="LiveId" clId="{68EF9989-4EC9-4DCD-A70A-BC2B07C763F2}" dt="2020-08-21T07:56:30.465" v="3184"/>
+          <ac:grpSpMkLst>
+            <pc:docMk/>
+            <pc:sldMk cId="2870896467" sldId="274"/>
+            <ac:grpSpMk id="90" creationId="{ACF2D842-2827-4CEF-B231-3C960C030CE7}"/>
+          </ac:grpSpMkLst>
+        </pc:grpChg>
+        <pc:grpChg chg="del mod">
+          <ac:chgData name="Masaya Yamaguchi" userId="8869a66585b793a1" providerId="LiveId" clId="{68EF9989-4EC9-4DCD-A70A-BC2B07C763F2}" dt="2020-08-21T07:56:30.465" v="3184"/>
+          <ac:grpSpMkLst>
+            <pc:docMk/>
+            <pc:sldMk cId="2870896467" sldId="274"/>
+            <ac:grpSpMk id="91" creationId="{783C2D6D-7144-4CD3-8332-322DE02108B9}"/>
+          </ac:grpSpMkLst>
+        </pc:grpChg>
+        <pc:grpChg chg="del mod">
+          <ac:chgData name="Masaya Yamaguchi" userId="8869a66585b793a1" providerId="LiveId" clId="{68EF9989-4EC9-4DCD-A70A-BC2B07C763F2}" dt="2020-08-21T07:56:14.140" v="3182"/>
+          <ac:grpSpMkLst>
+            <pc:docMk/>
+            <pc:sldMk cId="2870896467" sldId="274"/>
+            <ac:grpSpMk id="92" creationId="{F9C10F70-BDB4-493F-B9D5-EC388C3F5F98}"/>
+          </ac:grpSpMkLst>
+        </pc:grpChg>
+        <pc:grpChg chg="del mod">
+          <ac:chgData name="Masaya Yamaguchi" userId="8869a66585b793a1" providerId="LiveId" clId="{68EF9989-4EC9-4DCD-A70A-BC2B07C763F2}" dt="2020-08-21T07:56:14.140" v="3182"/>
+          <ac:grpSpMkLst>
+            <pc:docMk/>
+            <pc:sldMk cId="2870896467" sldId="274"/>
+            <ac:grpSpMk id="93" creationId="{30BF30B5-E4C6-4F33-A694-D040F8A63B41}"/>
+          </ac:grpSpMkLst>
+        </pc:grpChg>
+        <pc:cxnChg chg="mod">
+          <ac:chgData name="Masaya Yamaguchi" userId="8869a66585b793a1" providerId="LiveId" clId="{68EF9989-4EC9-4DCD-A70A-BC2B07C763F2}" dt="2020-08-21T07:57:20.013" v="3197" actId="692"/>
+          <ac:cxnSpMkLst>
+            <pc:docMk/>
+            <pc:sldMk cId="2870896467" sldId="274"/>
+            <ac:cxnSpMk id="50" creationId="{B0274375-6F18-4C04-89B3-10442510BFB4}"/>
+          </ac:cxnSpMkLst>
+        </pc:cxnChg>
+        <pc:cxnChg chg="mod">
+          <ac:chgData name="Masaya Yamaguchi" userId="8869a66585b793a1" providerId="LiveId" clId="{68EF9989-4EC9-4DCD-A70A-BC2B07C763F2}" dt="2020-08-21T07:57:15.847" v="3195" actId="692"/>
+          <ac:cxnSpMkLst>
+            <pc:docMk/>
+            <pc:sldMk cId="2870896467" sldId="274"/>
+            <ac:cxnSpMk id="52" creationId="{04DC7AD8-2CDD-4D62-AF14-725948A82719}"/>
+          </ac:cxnSpMkLst>
+        </pc:cxnChg>
+        <pc:cxnChg chg="mod">
+          <ac:chgData name="Masaya Yamaguchi" userId="8869a66585b793a1" providerId="LiveId" clId="{68EF9989-4EC9-4DCD-A70A-BC2B07C763F2}" dt="2020-08-21T07:57:38.144" v="3203" actId="692"/>
+          <ac:cxnSpMkLst>
+            <pc:docMk/>
+            <pc:sldMk cId="2870896467" sldId="274"/>
+            <ac:cxnSpMk id="53" creationId="{DCD0DD2A-AACB-4E09-92EE-328CF6D33846}"/>
+          </ac:cxnSpMkLst>
+        </pc:cxnChg>
+        <pc:cxnChg chg="mod">
+          <ac:chgData name="Masaya Yamaguchi" userId="8869a66585b793a1" providerId="LiveId" clId="{68EF9989-4EC9-4DCD-A70A-BC2B07C763F2}" dt="2020-08-21T07:56:53.593" v="3189" actId="692"/>
+          <ac:cxnSpMkLst>
+            <pc:docMk/>
+            <pc:sldMk cId="2870896467" sldId="274"/>
+            <ac:cxnSpMk id="72" creationId="{0FC6CEB9-8D8D-4626-A1D0-B3565B86CD3C}"/>
+          </ac:cxnSpMkLst>
+        </pc:cxnChg>
+        <pc:cxnChg chg="mod">
+          <ac:chgData name="Masaya Yamaguchi" userId="8869a66585b793a1" providerId="LiveId" clId="{68EF9989-4EC9-4DCD-A70A-BC2B07C763F2}" dt="2020-08-21T07:57:06.773" v="3193" actId="692"/>
+          <ac:cxnSpMkLst>
+            <pc:docMk/>
+            <pc:sldMk cId="2870896467" sldId="274"/>
+            <ac:cxnSpMk id="73" creationId="{103BC08D-AF35-4B4C-BBCC-8C2E603298FF}"/>
+          </ac:cxnSpMkLst>
+        </pc:cxnChg>
+        <pc:cxnChg chg="mod">
+          <ac:chgData name="Masaya Yamaguchi" userId="8869a66585b793a1" providerId="LiveId" clId="{68EF9989-4EC9-4DCD-A70A-BC2B07C763F2}" dt="2020-08-21T07:56:58.543" v="3191" actId="692"/>
+          <ac:cxnSpMkLst>
+            <pc:docMk/>
+            <pc:sldMk cId="2870896467" sldId="274"/>
+            <ac:cxnSpMk id="74" creationId="{588ABEA6-5ABF-4247-8E7C-C65778AD506A}"/>
+          </ac:cxnSpMkLst>
+        </pc:cxnChg>
+        <pc:cxnChg chg="mod">
+          <ac:chgData name="Masaya Yamaguchi" userId="8869a66585b793a1" providerId="LiveId" clId="{68EF9989-4EC9-4DCD-A70A-BC2B07C763F2}" dt="2020-08-21T07:57:30.615" v="3201" actId="692"/>
+          <ac:cxnSpMkLst>
+            <pc:docMk/>
+            <pc:sldMk cId="2870896467" sldId="274"/>
+            <ac:cxnSpMk id="76" creationId="{DA4519C2-8379-41D4-ADEC-D4CCD7780127}"/>
+          </ac:cxnSpMkLst>
+        </pc:cxnChg>
+        <pc:cxnChg chg="mod">
+          <ac:chgData name="Masaya Yamaguchi" userId="8869a66585b793a1" providerId="LiveId" clId="{68EF9989-4EC9-4DCD-A70A-BC2B07C763F2}" dt="2020-08-21T07:57:25.226" v="3199" actId="692"/>
+          <ac:cxnSpMkLst>
+            <pc:docMk/>
+            <pc:sldMk cId="2870896467" sldId="274"/>
+            <ac:cxnSpMk id="77" creationId="{2B59082F-0F44-4422-BA14-0A7EAF0EC2D8}"/>
+          </ac:cxnSpMkLst>
+        </pc:cxnChg>
+        <pc:cxnChg chg="del">
+          <ac:chgData name="Masaya Yamaguchi" userId="8869a66585b793a1" providerId="LiveId" clId="{68EF9989-4EC9-4DCD-A70A-BC2B07C763F2}" dt="2020-08-21T07:56:14.140" v="3182"/>
+          <ac:cxnSpMkLst>
+            <pc:docMk/>
+            <pc:sldMk cId="2870896467" sldId="274"/>
+            <ac:cxnSpMk id="86" creationId="{A7E3AED4-4E17-4932-AB95-8FE5C2B894A1}"/>
+          </ac:cxnSpMkLst>
+        </pc:cxnChg>
+        <pc:cxnChg chg="del">
+          <ac:chgData name="Masaya Yamaguchi" userId="8869a66585b793a1" providerId="LiveId" clId="{68EF9989-4EC9-4DCD-A70A-BC2B07C763F2}" dt="2020-08-21T07:56:25.261" v="3183"/>
+          <ac:cxnSpMkLst>
+            <pc:docMk/>
+            <pc:sldMk cId="2870896467" sldId="274"/>
+            <ac:cxnSpMk id="87" creationId="{D40B268F-CA4F-43E3-9F20-56F65F1E7F48}"/>
+          </ac:cxnSpMkLst>
+        </pc:cxnChg>
+        <pc:cxnChg chg="del">
+          <ac:chgData name="Masaya Yamaguchi" userId="8869a66585b793a1" providerId="LiveId" clId="{68EF9989-4EC9-4DCD-A70A-BC2B07C763F2}" dt="2020-08-21T07:56:30.465" v="3184"/>
+          <ac:cxnSpMkLst>
+            <pc:docMk/>
+            <pc:sldMk cId="2870896467" sldId="274"/>
+            <ac:cxnSpMk id="88" creationId="{4A5EF9A0-3136-4D3D-8889-3334A58996E4}"/>
+          </ac:cxnSpMkLst>
+        </pc:cxnChg>
+        <pc:cxnChg chg="del">
+          <ac:chgData name="Masaya Yamaguchi" userId="8869a66585b793a1" providerId="LiveId" clId="{68EF9989-4EC9-4DCD-A70A-BC2B07C763F2}" dt="2020-08-21T07:56:14.140" v="3182"/>
+          <ac:cxnSpMkLst>
+            <pc:docMk/>
+            <pc:sldMk cId="2870896467" sldId="274"/>
+            <ac:cxnSpMk id="94" creationId="{23A17642-470B-42ED-AC25-9A4F47AA1B3C}"/>
+          </ac:cxnSpMkLst>
+        </pc:cxnChg>
+        <pc:cxnChg chg="del">
+          <ac:chgData name="Masaya Yamaguchi" userId="8869a66585b793a1" providerId="LiveId" clId="{68EF9989-4EC9-4DCD-A70A-BC2B07C763F2}" dt="2020-08-21T07:56:25.261" v="3183"/>
+          <ac:cxnSpMkLst>
+            <pc:docMk/>
+            <pc:sldMk cId="2870896467" sldId="274"/>
+            <ac:cxnSpMk id="95" creationId="{3B72631B-F5ED-46C6-AD53-1330C662F81F}"/>
+          </ac:cxnSpMkLst>
+        </pc:cxnChg>
+        <pc:cxnChg chg="del">
+          <ac:chgData name="Masaya Yamaguchi" userId="8869a66585b793a1" providerId="LiveId" clId="{68EF9989-4EC9-4DCD-A70A-BC2B07C763F2}" dt="2020-08-21T07:56:25.261" v="3183"/>
+          <ac:cxnSpMkLst>
+            <pc:docMk/>
+            <pc:sldMk cId="2870896467" sldId="274"/>
+            <ac:cxnSpMk id="96" creationId="{9112D8D7-6301-47C5-8663-4FCC9759A467}"/>
+          </ac:cxnSpMkLst>
+        </pc:cxnChg>
+        <pc:cxnChg chg="del">
+          <ac:chgData name="Masaya Yamaguchi" userId="8869a66585b793a1" providerId="LiveId" clId="{68EF9989-4EC9-4DCD-A70A-BC2B07C763F2}" dt="2020-08-21T07:56:14.140" v="3182"/>
+          <ac:cxnSpMkLst>
+            <pc:docMk/>
+            <pc:sldMk cId="2870896467" sldId="274"/>
+            <ac:cxnSpMk id="97" creationId="{19DF6E1E-3E0D-4649-B85D-C19180AFDB0F}"/>
+          </ac:cxnSpMkLst>
+        </pc:cxnChg>
+        <pc:cxnChg chg="del">
+          <ac:chgData name="Masaya Yamaguchi" userId="8869a66585b793a1" providerId="LiveId" clId="{68EF9989-4EC9-4DCD-A70A-BC2B07C763F2}" dt="2020-08-21T07:56:25.261" v="3183"/>
+          <ac:cxnSpMkLst>
+            <pc:docMk/>
+            <pc:sldMk cId="2870896467" sldId="274"/>
+            <ac:cxnSpMk id="98" creationId="{67F6B51C-DDE4-45C5-9EEA-D8BCB3A1A1F3}"/>
+          </ac:cxnSpMkLst>
+        </pc:cxnChg>
+        <pc:cxnChg chg="del">
+          <ac:chgData name="Masaya Yamaguchi" userId="8869a66585b793a1" providerId="LiveId" clId="{68EF9989-4EC9-4DCD-A70A-BC2B07C763F2}" dt="2020-08-21T07:56:30.465" v="3184"/>
+          <ac:cxnSpMkLst>
+            <pc:docMk/>
+            <pc:sldMk cId="2870896467" sldId="274"/>
+            <ac:cxnSpMk id="99" creationId="{FA1B17A1-75CD-4EE2-943D-8E91B65B2E80}"/>
+          </ac:cxnSpMkLst>
+        </pc:cxnChg>
+        <pc:cxnChg chg="del">
+          <ac:chgData name="Masaya Yamaguchi" userId="8869a66585b793a1" providerId="LiveId" clId="{68EF9989-4EC9-4DCD-A70A-BC2B07C763F2}" dt="2020-08-21T07:56:25.261" v="3183"/>
+          <ac:cxnSpMkLst>
+            <pc:docMk/>
+            <pc:sldMk cId="2870896467" sldId="274"/>
+            <ac:cxnSpMk id="101" creationId="{328D07B1-FA3D-4C1F-9AA5-472AD9CE80B9}"/>
+          </ac:cxnSpMkLst>
+        </pc:cxnChg>
+        <pc:cxnChg chg="del">
+          <ac:chgData name="Masaya Yamaguchi" userId="8869a66585b793a1" providerId="LiveId" clId="{68EF9989-4EC9-4DCD-A70A-BC2B07C763F2}" dt="2020-08-21T07:56:25.261" v="3183"/>
+          <ac:cxnSpMkLst>
+            <pc:docMk/>
+            <pc:sldMk cId="2870896467" sldId="274"/>
+            <ac:cxnSpMk id="102" creationId="{590AB1FD-190B-4240-A88A-6D7B282D1DF2}"/>
+          </ac:cxnSpMkLst>
+        </pc:cxnChg>
+        <pc:cxnChg chg="del">
+          <ac:chgData name="Masaya Yamaguchi" userId="8869a66585b793a1" providerId="LiveId" clId="{68EF9989-4EC9-4DCD-A70A-BC2B07C763F2}" dt="2020-08-21T07:56:25.261" v="3183"/>
+          <ac:cxnSpMkLst>
+            <pc:docMk/>
+            <pc:sldMk cId="2870896467" sldId="274"/>
+            <ac:cxnSpMk id="103" creationId="{6647A39F-D261-46F8-937D-E860C1DF2363}"/>
+          </ac:cxnSpMkLst>
+        </pc:cxnChg>
+        <pc:cxnChg chg="del">
+          <ac:chgData name="Masaya Yamaguchi" userId="8869a66585b793a1" providerId="LiveId" clId="{68EF9989-4EC9-4DCD-A70A-BC2B07C763F2}" dt="2020-08-21T07:56:25.261" v="3183"/>
+          <ac:cxnSpMkLst>
+            <pc:docMk/>
+            <pc:sldMk cId="2870896467" sldId="274"/>
+            <ac:cxnSpMk id="104" creationId="{9B936935-2590-4C96-B2FB-780C3477879B}"/>
+          </ac:cxnSpMkLst>
+        </pc:cxnChg>
+        <pc:cxnChg chg="del">
+          <ac:chgData name="Masaya Yamaguchi" userId="8869a66585b793a1" providerId="LiveId" clId="{68EF9989-4EC9-4DCD-A70A-BC2B07C763F2}" dt="2020-08-21T07:56:30.465" v="3184"/>
+          <ac:cxnSpMkLst>
+            <pc:docMk/>
+            <pc:sldMk cId="2870896467" sldId="274"/>
+            <ac:cxnSpMk id="105" creationId="{2BD0DE0A-968B-4C9F-B289-B8F8429713DA}"/>
+          </ac:cxnSpMkLst>
+        </pc:cxnChg>
+        <pc:cxnChg chg="del">
+          <ac:chgData name="Masaya Yamaguchi" userId="8869a66585b793a1" providerId="LiveId" clId="{68EF9989-4EC9-4DCD-A70A-BC2B07C763F2}" dt="2020-08-21T07:56:25.261" v="3183"/>
+          <ac:cxnSpMkLst>
+            <pc:docMk/>
+            <pc:sldMk cId="2870896467" sldId="274"/>
+            <ac:cxnSpMk id="106" creationId="{08242914-4BF4-4E00-891B-453B1071AD71}"/>
+          </ac:cxnSpMkLst>
+        </pc:cxnChg>
+        <pc:cxnChg chg="del mod">
+          <ac:chgData name="Masaya Yamaguchi" userId="8869a66585b793a1" providerId="LiveId" clId="{68EF9989-4EC9-4DCD-A70A-BC2B07C763F2}" dt="2020-08-21T07:56:30.465" v="3184"/>
+          <ac:cxnSpMkLst>
+            <pc:docMk/>
+            <pc:sldMk cId="2870896467" sldId="274"/>
+            <ac:cxnSpMk id="107" creationId="{1436D281-72C6-4ECA-BED2-BEAC4914FFB2}"/>
+          </ac:cxnSpMkLst>
+        </pc:cxnChg>
+        <pc:cxnChg chg="del">
+          <ac:chgData name="Masaya Yamaguchi" userId="8869a66585b793a1" providerId="LiveId" clId="{68EF9989-4EC9-4DCD-A70A-BC2B07C763F2}" dt="2020-08-21T07:56:25.261" v="3183"/>
+          <ac:cxnSpMkLst>
+            <pc:docMk/>
+            <pc:sldMk cId="2870896467" sldId="274"/>
+            <ac:cxnSpMk id="108" creationId="{FB6850F9-82CF-4947-B1A8-C456A5019655}"/>
+          </ac:cxnSpMkLst>
+        </pc:cxnChg>
+      </pc:sldChg>
+      <pc:sldChg chg="addSp delSp modSp">
+        <pc:chgData name="Masaya Yamaguchi" userId="8869a66585b793a1" providerId="LiveId" clId="{68EF9989-4EC9-4DCD-A70A-BC2B07C763F2}" dt="2020-08-21T08:14:46.747" v="3626" actId="20577"/>
+        <pc:sldMkLst>
+          <pc:docMk/>
+          <pc:sldMk cId="1565202815" sldId="275"/>
+        </pc:sldMkLst>
+        <pc:spChg chg="mod">
+          <ac:chgData name="Masaya Yamaguchi" userId="8869a66585b793a1" providerId="LiveId" clId="{68EF9989-4EC9-4DCD-A70A-BC2B07C763F2}" dt="2020-08-21T08:14:46.747" v="3626" actId="20577"/>
+          <ac:spMkLst>
+            <pc:docMk/>
+            <pc:sldMk cId="1565202815" sldId="275"/>
+            <ac:spMk id="2" creationId="{A0F39BA3-32F4-460B-A00F-65C4BCEF5823}"/>
+          </ac:spMkLst>
+        </pc:spChg>
+        <pc:spChg chg="del">
+          <ac:chgData name="Masaya Yamaguchi" userId="8869a66585b793a1" providerId="LiveId" clId="{68EF9989-4EC9-4DCD-A70A-BC2B07C763F2}" dt="2020-08-21T08:05:28.410" v="3299"/>
+          <ac:spMkLst>
+            <pc:docMk/>
+            <pc:sldMk cId="1565202815" sldId="275"/>
+            <ac:spMk id="3" creationId="{8FBBBE14-F03D-4E0D-BDBE-16D24E19DF78}"/>
+          </ac:spMkLst>
+        </pc:spChg>
+        <pc:spChg chg="mod">
+          <ac:chgData name="Masaya Yamaguchi" userId="8869a66585b793a1" providerId="LiveId" clId="{68EF9989-4EC9-4DCD-A70A-BC2B07C763F2}" dt="2020-08-21T08:05:37.559" v="3305" actId="1076"/>
+          <ac:spMkLst>
+            <pc:docMk/>
+            <pc:sldMk cId="1565202815" sldId="275"/>
+            <ac:spMk id="4" creationId="{7FB830B7-D9FF-4452-B832-B84255D7FEAE}"/>
+          </ac:spMkLst>
+        </pc:spChg>
+        <pc:spChg chg="mod">
+          <ac:chgData name="Masaya Yamaguchi" userId="8869a66585b793a1" providerId="LiveId" clId="{68EF9989-4EC9-4DCD-A70A-BC2B07C763F2}" dt="2020-08-21T08:04:01.822" v="3289" actId="20577"/>
+          <ac:spMkLst>
+            <pc:docMk/>
+            <pc:sldMk cId="1565202815" sldId="275"/>
+            <ac:spMk id="6" creationId="{6B551181-2C66-4A19-BFC6-2ADD5F37BB92}"/>
+          </ac:spMkLst>
+        </pc:spChg>
+        <pc:grpChg chg="add mod">
+          <ac:chgData name="Masaya Yamaguchi" userId="8869a66585b793a1" providerId="LiveId" clId="{68EF9989-4EC9-4DCD-A70A-BC2B07C763F2}" dt="2020-08-21T08:05:30.280" v="3300" actId="1076"/>
+          <ac:grpSpMkLst>
+            <pc:docMk/>
+            <pc:sldMk cId="1565202815" sldId="275"/>
+            <ac:grpSpMk id="27" creationId="{90AB480D-DC8A-4910-B621-6B0104EE6750}"/>
+          </ac:grpSpMkLst>
+        </pc:grpChg>
+        <pc:grpChg chg="del">
+          <ac:chgData name="Masaya Yamaguchi" userId="8869a66585b793a1" providerId="LiveId" clId="{68EF9989-4EC9-4DCD-A70A-BC2B07C763F2}" dt="2020-08-21T08:03:37.979" v="3281"/>
+          <ac:grpSpMkLst>
+            <pc:docMk/>
+            <pc:sldMk cId="1565202815" sldId="275"/>
+            <ac:grpSpMk id="47" creationId="{BA08B7F4-E139-464E-ACEE-6C851E3363B4}"/>
+          </ac:grpSpMkLst>
+        </pc:grpChg>
+      </pc:sldChg>
+      <pc:sldChg chg="add del">
+        <pc:chgData name="Masaya Yamaguchi" userId="8869a66585b793a1" providerId="LiveId" clId="{68EF9989-4EC9-4DCD-A70A-BC2B07C763F2}" dt="2020-08-21T08:17:21.793" v="3703"/>
+        <pc:sldMkLst>
+          <pc:docMk/>
+          <pc:sldMk cId="761420039" sldId="276"/>
+        </pc:sldMkLst>
+      </pc:sldChg>
+      <pc:sldChg chg="addSp delSp modSp">
+        <pc:chgData name="Masaya Yamaguchi" userId="8869a66585b793a1" providerId="LiveId" clId="{68EF9989-4EC9-4DCD-A70A-BC2B07C763F2}" dt="2020-08-21T08:24:25.222" v="4079" actId="14100"/>
+        <pc:sldMkLst>
+          <pc:docMk/>
+          <pc:sldMk cId="1688125522" sldId="276"/>
+        </pc:sldMkLst>
+        <pc:spChg chg="mod">
+          <ac:chgData name="Masaya Yamaguchi" userId="8869a66585b793a1" providerId="LiveId" clId="{68EF9989-4EC9-4DCD-A70A-BC2B07C763F2}" dt="2020-08-21T08:21:24.974" v="3902" actId="1076"/>
+          <ac:spMkLst>
+            <pc:docMk/>
+            <pc:sldMk cId="1688125522" sldId="276"/>
+            <ac:spMk id="2" creationId="{A0F39BA3-32F4-460B-A00F-65C4BCEF5823}"/>
+          </ac:spMkLst>
+        </pc:spChg>
+        <pc:spChg chg="mod">
+          <ac:chgData name="Masaya Yamaguchi" userId="8869a66585b793a1" providerId="LiveId" clId="{68EF9989-4EC9-4DCD-A70A-BC2B07C763F2}" dt="2020-08-21T08:21:27.164" v="3903" actId="1076"/>
+          <ac:spMkLst>
+            <pc:docMk/>
+            <pc:sldMk cId="1688125522" sldId="276"/>
+            <ac:spMk id="15" creationId="{F97C659F-19E2-4AEE-A971-B5FB3C409F7B}"/>
+          </ac:spMkLst>
+        </pc:spChg>
+        <pc:spChg chg="del">
+          <ac:chgData name="Masaya Yamaguchi" userId="8869a66585b793a1" providerId="LiveId" clId="{68EF9989-4EC9-4DCD-A70A-BC2B07C763F2}" dt="2020-08-21T08:21:32.424" v="3904"/>
+          <ac:spMkLst>
+            <pc:docMk/>
+            <pc:sldMk cId="1688125522" sldId="276"/>
+            <ac:spMk id="16" creationId="{5E8B99B9-F208-4E47-A76C-DEB794924EE4}"/>
+          </ac:spMkLst>
+        </pc:spChg>
+        <pc:spChg chg="del">
+          <ac:chgData name="Masaya Yamaguchi" userId="8869a66585b793a1" providerId="LiveId" clId="{68EF9989-4EC9-4DCD-A70A-BC2B07C763F2}" dt="2020-08-21T08:21:32.424" v="3904"/>
+          <ac:spMkLst>
+            <pc:docMk/>
+            <pc:sldMk cId="1688125522" sldId="276"/>
+            <ac:spMk id="17" creationId="{3E2A6F4E-1BDC-4120-8B74-A25A28A1407C}"/>
+          </ac:spMkLst>
+        </pc:spChg>
+        <pc:spChg chg="del">
+          <ac:chgData name="Masaya Yamaguchi" userId="8869a66585b793a1" providerId="LiveId" clId="{68EF9989-4EC9-4DCD-A70A-BC2B07C763F2}" dt="2020-08-21T08:21:32.424" v="3904"/>
+          <ac:spMkLst>
+            <pc:docMk/>
+            <pc:sldMk cId="1688125522" sldId="276"/>
+            <ac:spMk id="18" creationId="{E3304ED6-6BBF-4153-BC2A-0C1E6B590F21}"/>
+          </ac:spMkLst>
+        </pc:spChg>
+        <pc:spChg chg="add mod">
+          <ac:chgData name="Masaya Yamaguchi" userId="8869a66585b793a1" providerId="LiveId" clId="{68EF9989-4EC9-4DCD-A70A-BC2B07C763F2}" dt="2020-08-21T08:24:20.156" v="4077" actId="1076"/>
+          <ac:spMkLst>
+            <pc:docMk/>
+            <pc:sldMk cId="1688125522" sldId="276"/>
+            <ac:spMk id="20" creationId="{41B6F30A-B7ED-4512-8B77-581D90DBFB57}"/>
+          </ac:spMkLst>
+        </pc:spChg>
+        <pc:picChg chg="del">
+          <ac:chgData name="Masaya Yamaguchi" userId="8869a66585b793a1" providerId="LiveId" clId="{68EF9989-4EC9-4DCD-A70A-BC2B07C763F2}" dt="2020-08-21T08:18:39.018" v="3767"/>
+          <ac:picMkLst>
+            <pc:docMk/>
+            <pc:sldMk cId="1688125522" sldId="276"/>
+            <ac:picMk id="4" creationId="{E66B422F-9573-47A9-8945-122A39F63E63}"/>
+          </ac:picMkLst>
+        </pc:picChg>
+        <pc:picChg chg="add del mod">
+          <ac:chgData name="Masaya Yamaguchi" userId="8869a66585b793a1" providerId="LiveId" clId="{68EF9989-4EC9-4DCD-A70A-BC2B07C763F2}" dt="2020-08-21T08:20:14.373" v="3779"/>
+          <ac:picMkLst>
+            <pc:docMk/>
+            <pc:sldMk cId="1688125522" sldId="276"/>
+            <ac:picMk id="5" creationId="{CE647AB0-4832-454D-A229-E0AC0A56D384}"/>
+          </ac:picMkLst>
+        </pc:picChg>
+        <pc:picChg chg="del">
+          <ac:chgData name="Masaya Yamaguchi" userId="8869a66585b793a1" providerId="LiveId" clId="{68EF9989-4EC9-4DCD-A70A-BC2B07C763F2}" dt="2020-08-21T08:18:39.018" v="3767"/>
+          <ac:picMkLst>
+            <pc:docMk/>
+            <pc:sldMk cId="1688125522" sldId="276"/>
+            <ac:picMk id="7" creationId="{D6541EA3-EE00-4E9E-B1EF-2AAF8F0AD9DE}"/>
+          </ac:picMkLst>
+        </pc:picChg>
+        <pc:picChg chg="add del mod">
+          <ac:chgData name="Masaya Yamaguchi" userId="8869a66585b793a1" providerId="LiveId" clId="{68EF9989-4EC9-4DCD-A70A-BC2B07C763F2}" dt="2020-08-21T08:20:12.734" v="3778"/>
+          <ac:picMkLst>
+            <pc:docMk/>
+            <pc:sldMk cId="1688125522" sldId="276"/>
+            <ac:picMk id="9" creationId="{9D8ED8B0-1850-41A8-BFAB-2F5BB57D895F}"/>
+          </ac:picMkLst>
+        </pc:picChg>
+        <pc:picChg chg="add mod">
+          <ac:chgData name="Masaya Yamaguchi" userId="8869a66585b793a1" providerId="LiveId" clId="{68EF9989-4EC9-4DCD-A70A-BC2B07C763F2}" dt="2020-08-21T08:21:23.075" v="3901" actId="1076"/>
+          <ac:picMkLst>
+            <pc:docMk/>
+            <pc:sldMk cId="1688125522" sldId="276"/>
+            <ac:picMk id="11" creationId="{4E8785A0-5C5A-4932-A305-C42DDD39375F}"/>
+          </ac:picMkLst>
+        </pc:picChg>
+        <pc:picChg chg="del">
+          <ac:chgData name="Masaya Yamaguchi" userId="8869a66585b793a1" providerId="LiveId" clId="{68EF9989-4EC9-4DCD-A70A-BC2B07C763F2}" dt="2020-08-21T08:18:39.018" v="3767"/>
+          <ac:picMkLst>
+            <pc:docMk/>
+            <pc:sldMk cId="1688125522" sldId="276"/>
+            <ac:picMk id="12" creationId="{06A809CF-D30B-4356-B129-5CF8D0118AA3}"/>
+          </ac:picMkLst>
+        </pc:picChg>
+        <pc:picChg chg="del">
+          <ac:chgData name="Masaya Yamaguchi" userId="8869a66585b793a1" providerId="LiveId" clId="{68EF9989-4EC9-4DCD-A70A-BC2B07C763F2}" dt="2020-08-21T08:18:39.018" v="3767"/>
+          <ac:picMkLst>
+            <pc:docMk/>
+            <pc:sldMk cId="1688125522" sldId="276"/>
+            <ac:picMk id="14" creationId="{88FEE623-CEC8-49B8-B9EE-10BDD87F45D4}"/>
+          </ac:picMkLst>
+        </pc:picChg>
+        <pc:picChg chg="add mod">
+          <ac:chgData name="Masaya Yamaguchi" userId="8869a66585b793a1" providerId="LiveId" clId="{68EF9989-4EC9-4DCD-A70A-BC2B07C763F2}" dt="2020-08-21T08:24:25.222" v="4079" actId="14100"/>
+          <ac:picMkLst>
+            <pc:docMk/>
+            <pc:sldMk cId="1688125522" sldId="276"/>
+            <ac:picMk id="19" creationId="{EEA818AB-427A-4A16-A3F1-E447825D558F}"/>
+          </ac:picMkLst>
+        </pc:picChg>
+      </pc:sldChg>
+      <pc:sldChg chg="addSp delSp modSp add">
+        <pc:chgData name="Masaya Yamaguchi" userId="8869a66585b793a1" providerId="LiveId" clId="{68EF9989-4EC9-4DCD-A70A-BC2B07C763F2}" dt="2020-08-21T08:28:24.095" v="4246" actId="1076"/>
+        <pc:sldMkLst>
+          <pc:docMk/>
+          <pc:sldMk cId="4082417810" sldId="277"/>
+        </pc:sldMkLst>
+        <pc:spChg chg="add del">
+          <ac:chgData name="Masaya Yamaguchi" userId="8869a66585b793a1" providerId="LiveId" clId="{68EF9989-4EC9-4DCD-A70A-BC2B07C763F2}" dt="2020-08-21T08:25:51.311" v="4094"/>
+          <ac:spMkLst>
+            <pc:docMk/>
+            <pc:sldMk cId="4082417810" sldId="277"/>
+            <ac:spMk id="2" creationId="{167D5281-373C-45A5-B6F3-66136A186389}"/>
+          </ac:spMkLst>
+        </pc:spChg>
+        <pc:spChg chg="add mod">
+          <ac:chgData name="Masaya Yamaguchi" userId="8869a66585b793a1" providerId="LiveId" clId="{68EF9989-4EC9-4DCD-A70A-BC2B07C763F2}" dt="2020-08-21T08:26:09.280" v="4132" actId="20577"/>
+          <ac:spMkLst>
+            <pc:docMk/>
+            <pc:sldMk cId="4082417810" sldId="277"/>
+            <ac:spMk id="3" creationId="{1EC72AB3-A754-4103-A7A9-FC4B02505A71}"/>
+          </ac:spMkLst>
+        </pc:spChg>
+        <pc:spChg chg="add mod">
+          <ac:chgData name="Masaya Yamaguchi" userId="8869a66585b793a1" providerId="LiveId" clId="{68EF9989-4EC9-4DCD-A70A-BC2B07C763F2}" dt="2020-08-21T08:28:21.969" v="4245" actId="1076"/>
+          <ac:spMkLst>
+            <pc:docMk/>
+            <pc:sldMk cId="4082417810" sldId="277"/>
+            <ac:spMk id="16" creationId="{3B87F15C-5335-4ECC-AFCE-B8484DDD3159}"/>
+          </ac:spMkLst>
+        </pc:spChg>
+        <pc:picChg chg="add mod">
+          <ac:chgData name="Masaya Yamaguchi" userId="8869a66585b793a1" providerId="LiveId" clId="{68EF9989-4EC9-4DCD-A70A-BC2B07C763F2}" dt="2020-08-21T08:27:45.845" v="4177" actId="1076"/>
+          <ac:picMkLst>
+            <pc:docMk/>
+            <pc:sldMk cId="4082417810" sldId="277"/>
+            <ac:picMk id="5" creationId="{2C91C161-28FA-435B-9814-27721A9855BE}"/>
+          </ac:picMkLst>
+        </pc:picChg>
+        <pc:picChg chg="add mod">
+          <ac:chgData name="Masaya Yamaguchi" userId="8869a66585b793a1" providerId="LiveId" clId="{68EF9989-4EC9-4DCD-A70A-BC2B07C763F2}" dt="2020-08-21T08:27:45.845" v="4177" actId="1076"/>
+          <ac:picMkLst>
+            <pc:docMk/>
+            <pc:sldMk cId="4082417810" sldId="277"/>
+            <ac:picMk id="7" creationId="{54DBAC2D-42DA-4FE2-84D5-91FD14AFB835}"/>
+          </ac:picMkLst>
+        </pc:picChg>
+        <pc:picChg chg="add mod">
+          <ac:chgData name="Masaya Yamaguchi" userId="8869a66585b793a1" providerId="LiveId" clId="{68EF9989-4EC9-4DCD-A70A-BC2B07C763F2}" dt="2020-08-21T08:27:45.845" v="4177" actId="1076"/>
+          <ac:picMkLst>
+            <pc:docMk/>
+            <pc:sldMk cId="4082417810" sldId="277"/>
+            <ac:picMk id="9" creationId="{0D2FD4DF-A41C-4F6A-B72B-78026220A287}"/>
+          </ac:picMkLst>
+        </pc:picChg>
+        <pc:picChg chg="add mod">
+          <ac:chgData name="Masaya Yamaguchi" userId="8869a66585b793a1" providerId="LiveId" clId="{68EF9989-4EC9-4DCD-A70A-BC2B07C763F2}" dt="2020-08-21T08:27:45.845" v="4177" actId="1076"/>
+          <ac:picMkLst>
+            <pc:docMk/>
+            <pc:sldMk cId="4082417810" sldId="277"/>
+            <ac:picMk id="11" creationId="{24A58C0E-74B8-4452-B31B-764970A4FEEF}"/>
+          </ac:picMkLst>
+        </pc:picChg>
+        <pc:picChg chg="add mod">
+          <ac:chgData name="Masaya Yamaguchi" userId="8869a66585b793a1" providerId="LiveId" clId="{68EF9989-4EC9-4DCD-A70A-BC2B07C763F2}" dt="2020-08-21T08:27:45.845" v="4177" actId="1076"/>
+          <ac:picMkLst>
+            <pc:docMk/>
+            <pc:sldMk cId="4082417810" sldId="277"/>
+            <ac:picMk id="13" creationId="{2688ED64-E5A0-4CC6-86C4-0401476D9B97}"/>
+          </ac:picMkLst>
+        </pc:picChg>
+        <pc:picChg chg="add mod">
+          <ac:chgData name="Masaya Yamaguchi" userId="8869a66585b793a1" providerId="LiveId" clId="{68EF9989-4EC9-4DCD-A70A-BC2B07C763F2}" dt="2020-08-21T08:28:24.095" v="4246" actId="1076"/>
+          <ac:picMkLst>
+            <pc:docMk/>
+            <pc:sldMk cId="4082417810" sldId="277"/>
+            <ac:picMk id="15" creationId="{DEEAEA88-79CE-463E-B605-371BC0C50838}"/>
           </ac:picMkLst>
         </pc:picChg>
       </pc:sldChg>
@@ -4437,7 +5170,7 @@
           <a:p>
             <a:fld id="{6F410624-7C5E-4564-8988-5D4DC79A743A}" type="datetimeFigureOut">
               <a:rPr kumimoji="1" lang="ja-JP" altLang="en-US" smtClean="0"/>
-              <a:t>2020/8/20</a:t>
+              <a:t>2020/8/21</a:t>
             </a:fld>
             <a:endParaRPr kumimoji="1" lang="ja-JP" altLang="en-US"/>
           </a:p>
@@ -4667,7 +5400,7 @@
           <a:p>
             <a:fld id="{6F410624-7C5E-4564-8988-5D4DC79A743A}" type="datetimeFigureOut">
               <a:rPr kumimoji="1" lang="ja-JP" altLang="en-US" smtClean="0"/>
-              <a:t>2020/8/20</a:t>
+              <a:t>2020/8/21</a:t>
             </a:fld>
             <a:endParaRPr kumimoji="1" lang="ja-JP" altLang="en-US"/>
           </a:p>
@@ -4907,7 +5640,7 @@
           <a:p>
             <a:fld id="{6F410624-7C5E-4564-8988-5D4DC79A743A}" type="datetimeFigureOut">
               <a:rPr kumimoji="1" lang="ja-JP" altLang="en-US" smtClean="0"/>
-              <a:t>2020/8/20</a:t>
+              <a:t>2020/8/21</a:t>
             </a:fld>
             <a:endParaRPr kumimoji="1" lang="ja-JP" altLang="en-US"/>
           </a:p>
@@ -5137,7 +5870,7 @@
           <a:p>
             <a:fld id="{6F410624-7C5E-4564-8988-5D4DC79A743A}" type="datetimeFigureOut">
               <a:rPr kumimoji="1" lang="ja-JP" altLang="en-US" smtClean="0"/>
-              <a:t>2020/8/20</a:t>
+              <a:t>2020/8/21</a:t>
             </a:fld>
             <a:endParaRPr kumimoji="1" lang="ja-JP" altLang="en-US"/>
           </a:p>
@@ -5412,7 +6145,7 @@
           <a:p>
             <a:fld id="{6F410624-7C5E-4564-8988-5D4DC79A743A}" type="datetimeFigureOut">
               <a:rPr kumimoji="1" lang="ja-JP" altLang="en-US" smtClean="0"/>
-              <a:t>2020/8/20</a:t>
+              <a:t>2020/8/21</a:t>
             </a:fld>
             <a:endParaRPr kumimoji="1" lang="ja-JP" altLang="en-US"/>
           </a:p>
@@ -5741,7 +6474,7 @@
           <a:p>
             <a:fld id="{6F410624-7C5E-4564-8988-5D4DC79A743A}" type="datetimeFigureOut">
               <a:rPr kumimoji="1" lang="ja-JP" altLang="en-US" smtClean="0"/>
-              <a:t>2020/8/20</a:t>
+              <a:t>2020/8/21</a:t>
             </a:fld>
             <a:endParaRPr kumimoji="1" lang="ja-JP" altLang="en-US"/>
           </a:p>
@@ -6217,7 +6950,7 @@
           <a:p>
             <a:fld id="{6F410624-7C5E-4564-8988-5D4DC79A743A}" type="datetimeFigureOut">
               <a:rPr kumimoji="1" lang="ja-JP" altLang="en-US" smtClean="0"/>
-              <a:t>2020/8/20</a:t>
+              <a:t>2020/8/21</a:t>
             </a:fld>
             <a:endParaRPr kumimoji="1" lang="ja-JP" altLang="en-US"/>
           </a:p>
@@ -6358,7 +7091,7 @@
           <a:p>
             <a:fld id="{6F410624-7C5E-4564-8988-5D4DC79A743A}" type="datetimeFigureOut">
               <a:rPr kumimoji="1" lang="ja-JP" altLang="en-US" smtClean="0"/>
-              <a:t>2020/8/20</a:t>
+              <a:t>2020/8/21</a:t>
             </a:fld>
             <a:endParaRPr kumimoji="1" lang="ja-JP" altLang="en-US"/>
           </a:p>
@@ -6471,7 +7204,7 @@
           <a:p>
             <a:fld id="{6F410624-7C5E-4564-8988-5D4DC79A743A}" type="datetimeFigureOut">
               <a:rPr kumimoji="1" lang="ja-JP" altLang="en-US" smtClean="0"/>
-              <a:t>2020/8/20</a:t>
+              <a:t>2020/8/21</a:t>
             </a:fld>
             <a:endParaRPr kumimoji="1" lang="ja-JP" altLang="en-US"/>
           </a:p>
@@ -6814,7 +7547,7 @@
           <a:p>
             <a:fld id="{6F410624-7C5E-4564-8988-5D4DC79A743A}" type="datetimeFigureOut">
               <a:rPr kumimoji="1" lang="ja-JP" altLang="en-US" smtClean="0"/>
-              <a:t>2020/8/20</a:t>
+              <a:t>2020/8/21</a:t>
             </a:fld>
             <a:endParaRPr kumimoji="1" lang="ja-JP" altLang="en-US"/>
           </a:p>
@@ -7102,7 +7835,7 @@
           <a:p>
             <a:fld id="{6F410624-7C5E-4564-8988-5D4DC79A743A}" type="datetimeFigureOut">
               <a:rPr kumimoji="1" lang="ja-JP" altLang="en-US" smtClean="0"/>
-              <a:t>2020/8/20</a:t>
+              <a:t>2020/8/21</a:t>
             </a:fld>
             <a:endParaRPr kumimoji="1" lang="ja-JP" altLang="en-US"/>
           </a:p>
@@ -7375,7 +8108,7 @@
           <a:p>
             <a:fld id="{6F410624-7C5E-4564-8988-5D4DC79A743A}" type="datetimeFigureOut">
               <a:rPr kumimoji="1" lang="ja-JP" altLang="en-US" smtClean="0"/>
-              <a:t>2020/8/20</a:t>
+              <a:t>2020/8/21</a:t>
             </a:fld>
             <a:endParaRPr kumimoji="1" lang="ja-JP" altLang="en-US"/>
           </a:p>
@@ -8026,6 +8759,1486 @@
           <a:lstStyle/>
           <a:p>
             <a:r>
+              <a:rPr kumimoji="1" lang="en-US" altLang="ja-JP" sz="2400" dirty="0"/>
+              <a:t>Case 2 (DBN)</a:t>
+            </a:r>
+            <a:endParaRPr kumimoji="1" lang="ja-JP" altLang="en-US" sz="2400" dirty="0"/>
+          </a:p>
+        </p:txBody>
+      </p:sp>
+      <p:sp>
+        <p:nvSpPr>
+          <p:cNvPr id="2" name="テキスト ボックス 1">
+            <a:extLst>
+              <a:ext uri="{FF2B5EF4-FFF2-40B4-BE49-F238E27FC236}">
+                <a16:creationId xmlns:a16="http://schemas.microsoft.com/office/drawing/2014/main" id="{A0F39BA3-32F4-460B-A00F-65C4BCEF5823}"/>
+              </a:ext>
+            </a:extLst>
+          </p:cNvPr>
+          <p:cNvSpPr txBox="1"/>
+          <p:nvPr/>
+        </p:nvSpPr>
+        <p:spPr>
+          <a:xfrm>
+            <a:off x="1329093" y="1689170"/>
+            <a:ext cx="2723823" cy="369332"/>
+          </a:xfrm>
+          <a:prstGeom prst="rect">
+            <a:avLst/>
+          </a:prstGeom>
+          <a:noFill/>
+        </p:spPr>
+        <p:txBody>
+          <a:bodyPr wrap="none" rtlCol="0">
+            <a:spAutoFit/>
+          </a:bodyPr>
+          <a:lstStyle/>
+          <a:p>
+            <a:r>
+              <a:rPr lang="ja-JP" altLang="en-US" dirty="0"/>
+              <a:t>各層の再構成誤差の様子</a:t>
+            </a:r>
+            <a:endParaRPr lang="en-US" altLang="ja-JP" dirty="0"/>
+          </a:p>
+        </p:txBody>
+      </p:sp>
+      <p:sp>
+        <p:nvSpPr>
+          <p:cNvPr id="15" name="テキスト ボックス 14">
+            <a:extLst>
+              <a:ext uri="{FF2B5EF4-FFF2-40B4-BE49-F238E27FC236}">
+                <a16:creationId xmlns:a16="http://schemas.microsoft.com/office/drawing/2014/main" id="{F97C659F-19E2-4AEE-A971-B5FB3C409F7B}"/>
+              </a:ext>
+            </a:extLst>
+          </p:cNvPr>
+          <p:cNvSpPr txBox="1"/>
+          <p:nvPr/>
+        </p:nvSpPr>
+        <p:spPr>
+          <a:xfrm>
+            <a:off x="2522551" y="5567550"/>
+            <a:ext cx="1656223" cy="923330"/>
+          </a:xfrm>
+          <a:prstGeom prst="rect">
+            <a:avLst/>
+          </a:prstGeom>
+          <a:noFill/>
+        </p:spPr>
+        <p:txBody>
+          <a:bodyPr wrap="none" rtlCol="0">
+            <a:spAutoFit/>
+          </a:bodyPr>
+          <a:lstStyle/>
+          <a:p>
+            <a:r>
+              <a:rPr kumimoji="1" lang="en-US" altLang="ja-JP" dirty="0"/>
+              <a:t>1</a:t>
+            </a:r>
+            <a:r>
+              <a:rPr kumimoji="1" lang="ja-JP" altLang="en-US" dirty="0"/>
+              <a:t>層目</a:t>
+            </a:r>
+            <a:r>
+              <a:rPr lang="en-US" altLang="ja-JP" dirty="0"/>
+              <a:t> </a:t>
+            </a:r>
+            <a:r>
+              <a:rPr lang="ja-JP" altLang="en-US" dirty="0"/>
+              <a:t>青</a:t>
+            </a:r>
+            <a:endParaRPr lang="en-US" altLang="ja-JP" dirty="0"/>
+          </a:p>
+          <a:p>
+            <a:r>
+              <a:rPr kumimoji="1" lang="en-US" altLang="ja-JP" dirty="0"/>
+              <a:t>2</a:t>
+            </a:r>
+            <a:r>
+              <a:rPr kumimoji="1" lang="ja-JP" altLang="en-US" dirty="0"/>
+              <a:t>層目 オレンジ</a:t>
+            </a:r>
+            <a:endParaRPr kumimoji="1" lang="en-US" altLang="ja-JP" dirty="0"/>
+          </a:p>
+          <a:p>
+            <a:r>
+              <a:rPr kumimoji="1" lang="en-US" altLang="ja-JP" dirty="0"/>
+              <a:t>3</a:t>
+            </a:r>
+            <a:r>
+              <a:rPr kumimoji="1" lang="ja-JP" altLang="en-US" dirty="0"/>
+              <a:t>層目 緑</a:t>
+            </a:r>
+          </a:p>
+        </p:txBody>
+      </p:sp>
+      <p:pic>
+        <p:nvPicPr>
+          <p:cNvPr id="11" name="図 10">
+            <a:extLst>
+              <a:ext uri="{FF2B5EF4-FFF2-40B4-BE49-F238E27FC236}">
+                <a16:creationId xmlns:a16="http://schemas.microsoft.com/office/drawing/2014/main" id="{4E8785A0-5C5A-4932-A305-C42DDD39375F}"/>
+              </a:ext>
+            </a:extLst>
+          </p:cNvPr>
+          <p:cNvPicPr>
+            <a:picLocks noChangeAspect="1"/>
+          </p:cNvPicPr>
+          <p:nvPr/>
+        </p:nvPicPr>
+        <p:blipFill>
+          <a:blip r:embed="rId2">
+            <a:extLst>
+              <a:ext uri="{28A0092B-C50C-407E-A947-70E740481C1C}">
+                <a14:useLocalDpi xmlns:a14="http://schemas.microsoft.com/office/drawing/2010/main" val="0"/>
+              </a:ext>
+            </a:extLst>
+          </a:blip>
+          <a:stretch>
+            <a:fillRect/>
+          </a:stretch>
+        </p:blipFill>
+        <p:spPr>
+          <a:xfrm>
+            <a:off x="1611919" y="2361378"/>
+            <a:ext cx="4059420" cy="3044565"/>
+          </a:xfrm>
+          <a:prstGeom prst="rect">
+            <a:avLst/>
+          </a:prstGeom>
+        </p:spPr>
+      </p:pic>
+      <p:pic>
+        <p:nvPicPr>
+          <p:cNvPr id="19" name="図 18" descr="文字と写真のスクリーンショット&#10;&#10;自動的に生成された説明">
+            <a:extLst>
+              <a:ext uri="{FF2B5EF4-FFF2-40B4-BE49-F238E27FC236}">
+                <a16:creationId xmlns:a16="http://schemas.microsoft.com/office/drawing/2014/main" id="{EEA818AB-427A-4A16-A3F1-E447825D558F}"/>
+              </a:ext>
+            </a:extLst>
+          </p:cNvPr>
+          <p:cNvPicPr>
+            <a:picLocks noChangeAspect="1"/>
+          </p:cNvPicPr>
+          <p:nvPr/>
+        </p:nvPicPr>
+        <p:blipFill>
+          <a:blip r:embed="rId3">
+            <a:extLst>
+              <a:ext uri="{28A0092B-C50C-407E-A947-70E740481C1C}">
+                <a14:useLocalDpi xmlns:a14="http://schemas.microsoft.com/office/drawing/2010/main" val="0"/>
+              </a:ext>
+            </a:extLst>
+          </a:blip>
+          <a:stretch>
+            <a:fillRect/>
+          </a:stretch>
+        </p:blipFill>
+        <p:spPr>
+          <a:xfrm>
+            <a:off x="6664067" y="2348692"/>
+            <a:ext cx="4076406" cy="3044565"/>
+          </a:xfrm>
+          <a:prstGeom prst="rect">
+            <a:avLst/>
+          </a:prstGeom>
+        </p:spPr>
+      </p:pic>
+      <p:sp>
+        <p:nvSpPr>
+          <p:cNvPr id="20" name="テキスト ボックス 19">
+            <a:extLst>
+              <a:ext uri="{FF2B5EF4-FFF2-40B4-BE49-F238E27FC236}">
+                <a16:creationId xmlns:a16="http://schemas.microsoft.com/office/drawing/2014/main" id="{41B6F30A-B7ED-4512-8B77-581D90DBFB57}"/>
+              </a:ext>
+            </a:extLst>
+          </p:cNvPr>
+          <p:cNvSpPr txBox="1"/>
+          <p:nvPr/>
+        </p:nvSpPr>
+        <p:spPr>
+          <a:xfrm>
+            <a:off x="7879020" y="5796951"/>
+            <a:ext cx="2239716" cy="369332"/>
+          </a:xfrm>
+          <a:prstGeom prst="rect">
+            <a:avLst/>
+          </a:prstGeom>
+          <a:noFill/>
+        </p:spPr>
+        <p:txBody>
+          <a:bodyPr wrap="none" rtlCol="0">
+            <a:spAutoFit/>
+          </a:bodyPr>
+          <a:lstStyle/>
+          <a:p>
+            <a:r>
+              <a:rPr lang="ja-JP" altLang="en-US" dirty="0"/>
+              <a:t>最終的な再構成誤差</a:t>
+            </a:r>
+            <a:endParaRPr kumimoji="1" lang="ja-JP" altLang="en-US" dirty="0"/>
+          </a:p>
+        </p:txBody>
+      </p:sp>
+    </p:spTree>
+    <p:extLst>
+      <p:ext uri="{BB962C8B-B14F-4D97-AF65-F5344CB8AC3E}">
+        <p14:creationId xmlns:p14="http://schemas.microsoft.com/office/powerpoint/2010/main" val="1688125522"/>
+      </p:ext>
+    </p:extLst>
+  </p:cSld>
+  <p:clrMapOvr>
+    <a:masterClrMapping/>
+  </p:clrMapOvr>
+</p:sld>
+</file>
+
+<file path=ppt/slides/slide11.xml><?xml version="1.0" encoding="utf-8"?>
+<p:sld xmlns:a="http://schemas.openxmlformats.org/drawingml/2006/main" xmlns:r="http://schemas.openxmlformats.org/officeDocument/2006/relationships" xmlns:p="http://schemas.openxmlformats.org/presentationml/2006/main">
+  <p:cSld>
+    <p:spTree>
+      <p:nvGrpSpPr>
+        <p:cNvPr id="1" name=""/>
+        <p:cNvGrpSpPr/>
+        <p:nvPr/>
+      </p:nvGrpSpPr>
+      <p:grpSpPr>
+        <a:xfrm>
+          <a:off x="0" y="0"/>
+          <a:ext cx="0" cy="0"/>
+          <a:chOff x="0" y="0"/>
+          <a:chExt cx="0" cy="0"/>
+        </a:xfrm>
+      </p:grpSpPr>
+      <p:sp>
+        <p:nvSpPr>
+          <p:cNvPr id="6" name="テキスト ボックス 5">
+            <a:extLst>
+              <a:ext uri="{FF2B5EF4-FFF2-40B4-BE49-F238E27FC236}">
+                <a16:creationId xmlns:a16="http://schemas.microsoft.com/office/drawing/2014/main" id="{6B551181-2C66-4A19-BFC6-2ADD5F37BB92}"/>
+              </a:ext>
+            </a:extLst>
+          </p:cNvPr>
+          <p:cNvSpPr txBox="1"/>
+          <p:nvPr/>
+        </p:nvSpPr>
+        <p:spPr>
+          <a:xfrm>
+            <a:off x="868544" y="924630"/>
+            <a:ext cx="4055794" cy="461665"/>
+          </a:xfrm>
+          <a:prstGeom prst="rect">
+            <a:avLst/>
+          </a:prstGeom>
+          <a:noFill/>
+        </p:spPr>
+        <p:txBody>
+          <a:bodyPr wrap="square" rtlCol="0">
+            <a:spAutoFit/>
+          </a:bodyPr>
+          <a:lstStyle/>
+          <a:p>
+            <a:r>
+              <a:rPr kumimoji="1" lang="en-US" altLang="ja-JP" sz="2400" dirty="0"/>
+              <a:t>Case 2 (</a:t>
+            </a:r>
+            <a:r>
+              <a:rPr kumimoji="1" lang="ja-JP" altLang="en-US" sz="2400" dirty="0"/>
+              <a:t>生成された画像</a:t>
+            </a:r>
+            <a:r>
+              <a:rPr kumimoji="1" lang="en-US" altLang="ja-JP" sz="2400" dirty="0"/>
+              <a:t>)</a:t>
+            </a:r>
+            <a:endParaRPr kumimoji="1" lang="ja-JP" altLang="en-US" sz="2400" dirty="0"/>
+          </a:p>
+        </p:txBody>
+      </p:sp>
+      <p:sp>
+        <p:nvSpPr>
+          <p:cNvPr id="2" name="テキスト ボックス 1">
+            <a:extLst>
+              <a:ext uri="{FF2B5EF4-FFF2-40B4-BE49-F238E27FC236}">
+                <a16:creationId xmlns:a16="http://schemas.microsoft.com/office/drawing/2014/main" id="{A0F39BA3-32F4-460B-A00F-65C4BCEF5823}"/>
+              </a:ext>
+            </a:extLst>
+          </p:cNvPr>
+          <p:cNvSpPr txBox="1"/>
+          <p:nvPr/>
+        </p:nvSpPr>
+        <p:spPr>
+          <a:xfrm>
+            <a:off x="1774580" y="1590584"/>
+            <a:ext cx="7816563" cy="923330"/>
+          </a:xfrm>
+          <a:prstGeom prst="rect">
+            <a:avLst/>
+          </a:prstGeom>
+          <a:noFill/>
+        </p:spPr>
+        <p:txBody>
+          <a:bodyPr wrap="none" rtlCol="0">
+            <a:spAutoFit/>
+          </a:bodyPr>
+          <a:lstStyle/>
+          <a:p>
+            <a:pPr marL="285750" indent="-285750">
+              <a:buFont typeface="Arial" panose="020B0604020202020204" pitchFamily="34" charset="0"/>
+              <a:buChar char="•"/>
+            </a:pPr>
+            <a:r>
+              <a:rPr lang="ja-JP" altLang="en-US" dirty="0"/>
+              <a:t>うまく画像を生成できていることがわかる</a:t>
+            </a:r>
+            <a:r>
+              <a:rPr lang="en-US" altLang="ja-JP" dirty="0"/>
+              <a:t>.</a:t>
+            </a:r>
+          </a:p>
+          <a:p>
+            <a:pPr marL="285750" indent="-285750">
+              <a:buFont typeface="Arial" panose="020B0604020202020204" pitchFamily="34" charset="0"/>
+              <a:buChar char="•"/>
+            </a:pPr>
+            <a:endParaRPr lang="en-US" altLang="ja-JP" dirty="0"/>
+          </a:p>
+          <a:p>
+            <a:pPr marL="285750" indent="-285750">
+              <a:buFont typeface="Arial" panose="020B0604020202020204" pitchFamily="34" charset="0"/>
+              <a:buChar char="•"/>
+            </a:pPr>
+            <a:r>
+              <a:rPr lang="ja-JP" altLang="en-US" dirty="0"/>
+              <a:t>一番下の画像は同じ画像から生成した画像だが異なる画像になっている</a:t>
+            </a:r>
+            <a:r>
+              <a:rPr lang="en-US" altLang="ja-JP" dirty="0"/>
+              <a:t>.</a:t>
+            </a:r>
+          </a:p>
+        </p:txBody>
+      </p:sp>
+      <p:pic>
+        <p:nvPicPr>
+          <p:cNvPr id="26" name="図 25" descr="文字と写真のスクリーンショット&#10;&#10;自動的に生成された説明">
+            <a:extLst>
+              <a:ext uri="{FF2B5EF4-FFF2-40B4-BE49-F238E27FC236}">
+                <a16:creationId xmlns:a16="http://schemas.microsoft.com/office/drawing/2014/main" id="{16664D55-3100-4222-82A1-FAA2F95DFCF2}"/>
+              </a:ext>
+            </a:extLst>
+          </p:cNvPr>
+          <p:cNvPicPr>
+            <a:picLocks noChangeAspect="1"/>
+          </p:cNvPicPr>
+          <p:nvPr/>
+        </p:nvPicPr>
+        <p:blipFill>
+          <a:blip r:embed="rId2">
+            <a:extLst>
+              <a:ext uri="{28A0092B-C50C-407E-A947-70E740481C1C}">
+                <a14:useLocalDpi xmlns:a14="http://schemas.microsoft.com/office/drawing/2010/main" val="0"/>
+              </a:ext>
+            </a:extLst>
+          </a:blip>
+          <a:stretch>
+            <a:fillRect/>
+          </a:stretch>
+        </p:blipFill>
+        <p:spPr>
+          <a:xfrm>
+            <a:off x="0" y="2838090"/>
+            <a:ext cx="2952391" cy="2205067"/>
+          </a:xfrm>
+          <a:prstGeom prst="rect">
+            <a:avLst/>
+          </a:prstGeom>
+        </p:spPr>
+      </p:pic>
+      <p:pic>
+        <p:nvPicPr>
+          <p:cNvPr id="28" name="図 27" descr="抽象, 挿絵 が含まれている画像&#10;&#10;自動的に生成された説明">
+            <a:extLst>
+              <a:ext uri="{FF2B5EF4-FFF2-40B4-BE49-F238E27FC236}">
+                <a16:creationId xmlns:a16="http://schemas.microsoft.com/office/drawing/2014/main" id="{459A6845-41EC-4FF1-B429-7E6304417BA8}"/>
+              </a:ext>
+            </a:extLst>
+          </p:cNvPr>
+          <p:cNvPicPr>
+            <a:picLocks noChangeAspect="1"/>
+          </p:cNvPicPr>
+          <p:nvPr/>
+        </p:nvPicPr>
+        <p:blipFill>
+          <a:blip r:embed="rId3">
+            <a:extLst>
+              <a:ext uri="{28A0092B-C50C-407E-A947-70E740481C1C}">
+                <a14:useLocalDpi xmlns:a14="http://schemas.microsoft.com/office/drawing/2010/main" val="0"/>
+              </a:ext>
+            </a:extLst>
+          </a:blip>
+          <a:stretch>
+            <a:fillRect/>
+          </a:stretch>
+        </p:blipFill>
+        <p:spPr>
+          <a:xfrm>
+            <a:off x="2455238" y="2838087"/>
+            <a:ext cx="2952391" cy="2205067"/>
+          </a:xfrm>
+          <a:prstGeom prst="rect">
+            <a:avLst/>
+          </a:prstGeom>
+        </p:spPr>
+      </p:pic>
+      <p:pic>
+        <p:nvPicPr>
+          <p:cNvPr id="30" name="図 29" descr="文字と写真のスクリーンショット&#10;&#10;自動的に生成された説明">
+            <a:extLst>
+              <a:ext uri="{FF2B5EF4-FFF2-40B4-BE49-F238E27FC236}">
+                <a16:creationId xmlns:a16="http://schemas.microsoft.com/office/drawing/2014/main" id="{BDF6F871-8D47-4A81-9C76-66AA5F340B51}"/>
+              </a:ext>
+            </a:extLst>
+          </p:cNvPr>
+          <p:cNvPicPr>
+            <a:picLocks noChangeAspect="1"/>
+          </p:cNvPicPr>
+          <p:nvPr/>
+        </p:nvPicPr>
+        <p:blipFill>
+          <a:blip r:embed="rId4">
+            <a:extLst>
+              <a:ext uri="{28A0092B-C50C-407E-A947-70E740481C1C}">
+                <a14:useLocalDpi xmlns:a14="http://schemas.microsoft.com/office/drawing/2010/main" val="0"/>
+              </a:ext>
+            </a:extLst>
+          </a:blip>
+          <a:stretch>
+            <a:fillRect/>
+          </a:stretch>
+        </p:blipFill>
+        <p:spPr>
+          <a:xfrm>
+            <a:off x="4901858" y="2838084"/>
+            <a:ext cx="2952391" cy="2205067"/>
+          </a:xfrm>
+          <a:prstGeom prst="rect">
+            <a:avLst/>
+          </a:prstGeom>
+        </p:spPr>
+      </p:pic>
+      <p:pic>
+        <p:nvPicPr>
+          <p:cNvPr id="32" name="図 31" descr="文字と写真のスクリーンショット&#10;&#10;自動的に生成された説明">
+            <a:extLst>
+              <a:ext uri="{FF2B5EF4-FFF2-40B4-BE49-F238E27FC236}">
+                <a16:creationId xmlns:a16="http://schemas.microsoft.com/office/drawing/2014/main" id="{6E7C622E-8F7B-48E3-9DF2-B0DD91723CDB}"/>
+              </a:ext>
+            </a:extLst>
+          </p:cNvPr>
+          <p:cNvPicPr>
+            <a:picLocks noChangeAspect="1"/>
+          </p:cNvPicPr>
+          <p:nvPr/>
+        </p:nvPicPr>
+        <p:blipFill>
+          <a:blip r:embed="rId5">
+            <a:extLst>
+              <a:ext uri="{28A0092B-C50C-407E-A947-70E740481C1C}">
+                <a14:useLocalDpi xmlns:a14="http://schemas.microsoft.com/office/drawing/2010/main" val="0"/>
+              </a:ext>
+            </a:extLst>
+          </a:blip>
+          <a:stretch>
+            <a:fillRect/>
+          </a:stretch>
+        </p:blipFill>
+        <p:spPr>
+          <a:xfrm>
+            <a:off x="7357096" y="2838081"/>
+            <a:ext cx="2952391" cy="2205067"/>
+          </a:xfrm>
+          <a:prstGeom prst="rect">
+            <a:avLst/>
+          </a:prstGeom>
+        </p:spPr>
+      </p:pic>
+      <p:pic>
+        <p:nvPicPr>
+          <p:cNvPr id="34" name="図 33" descr="時計 が含まれている画像&#10;&#10;自動的に生成された説明">
+            <a:extLst>
+              <a:ext uri="{FF2B5EF4-FFF2-40B4-BE49-F238E27FC236}">
+                <a16:creationId xmlns:a16="http://schemas.microsoft.com/office/drawing/2014/main" id="{AE28CE2D-3724-4D68-ACF7-EC8F4C449514}"/>
+              </a:ext>
+            </a:extLst>
+          </p:cNvPr>
+          <p:cNvPicPr>
+            <a:picLocks noChangeAspect="1"/>
+          </p:cNvPicPr>
+          <p:nvPr/>
+        </p:nvPicPr>
+        <p:blipFill>
+          <a:blip r:embed="rId6">
+            <a:extLst>
+              <a:ext uri="{28A0092B-C50C-407E-A947-70E740481C1C}">
+                <a14:useLocalDpi xmlns:a14="http://schemas.microsoft.com/office/drawing/2010/main" val="0"/>
+              </a:ext>
+            </a:extLst>
+          </a:blip>
+          <a:stretch>
+            <a:fillRect/>
+          </a:stretch>
+        </p:blipFill>
+        <p:spPr>
+          <a:xfrm>
+            <a:off x="3510959" y="5531220"/>
+            <a:ext cx="1645821" cy="1229223"/>
+          </a:xfrm>
+          <a:prstGeom prst="rect">
+            <a:avLst/>
+          </a:prstGeom>
+        </p:spPr>
+      </p:pic>
+      <p:pic>
+        <p:nvPicPr>
+          <p:cNvPr id="36" name="図 35" descr="文字と写真のスクリーンショット&#10;&#10;自動的に生成された説明">
+            <a:extLst>
+              <a:ext uri="{FF2B5EF4-FFF2-40B4-BE49-F238E27FC236}">
+                <a16:creationId xmlns:a16="http://schemas.microsoft.com/office/drawing/2014/main" id="{BBF44AF6-4091-441F-B5BC-C393990CE6A8}"/>
+              </a:ext>
+            </a:extLst>
+          </p:cNvPr>
+          <p:cNvPicPr>
+            <a:picLocks noChangeAspect="1"/>
+          </p:cNvPicPr>
+          <p:nvPr/>
+        </p:nvPicPr>
+        <p:blipFill>
+          <a:blip r:embed="rId7">
+            <a:extLst>
+              <a:ext uri="{28A0092B-C50C-407E-A947-70E740481C1C}">
+                <a14:useLocalDpi xmlns:a14="http://schemas.microsoft.com/office/drawing/2010/main" val="0"/>
+              </a:ext>
+            </a:extLst>
+          </a:blip>
+          <a:stretch>
+            <a:fillRect/>
+          </a:stretch>
+        </p:blipFill>
+        <p:spPr>
+          <a:xfrm>
+            <a:off x="2073530" y="5531220"/>
+            <a:ext cx="1645821" cy="1229223"/>
+          </a:xfrm>
+          <a:prstGeom prst="rect">
+            <a:avLst/>
+          </a:prstGeom>
+        </p:spPr>
+      </p:pic>
+      <p:pic>
+        <p:nvPicPr>
+          <p:cNvPr id="38" name="図 37" descr="文字と写真のスクリーンショット&#10;&#10;自動的に生成された説明">
+            <a:extLst>
+              <a:ext uri="{FF2B5EF4-FFF2-40B4-BE49-F238E27FC236}">
+                <a16:creationId xmlns:a16="http://schemas.microsoft.com/office/drawing/2014/main" id="{F9249E9C-B5F1-4451-A19A-F3A2F8DD1B2D}"/>
+              </a:ext>
+            </a:extLst>
+          </p:cNvPr>
+          <p:cNvPicPr>
+            <a:picLocks noChangeAspect="1"/>
+          </p:cNvPicPr>
+          <p:nvPr/>
+        </p:nvPicPr>
+        <p:blipFill>
+          <a:blip r:embed="rId8">
+            <a:extLst>
+              <a:ext uri="{28A0092B-C50C-407E-A947-70E740481C1C}">
+                <a14:useLocalDpi xmlns:a14="http://schemas.microsoft.com/office/drawing/2010/main" val="0"/>
+              </a:ext>
+            </a:extLst>
+          </a:blip>
+          <a:stretch>
+            <a:fillRect/>
+          </a:stretch>
+        </p:blipFill>
+        <p:spPr>
+          <a:xfrm>
+            <a:off x="507042" y="5531220"/>
+            <a:ext cx="1645821" cy="1229223"/>
+          </a:xfrm>
+          <a:prstGeom prst="rect">
+            <a:avLst/>
+          </a:prstGeom>
+        </p:spPr>
+      </p:pic>
+      <p:sp>
+        <p:nvSpPr>
+          <p:cNvPr id="39" name="テキスト ボックス 38">
+            <a:extLst>
+              <a:ext uri="{FF2B5EF4-FFF2-40B4-BE49-F238E27FC236}">
+                <a16:creationId xmlns:a16="http://schemas.microsoft.com/office/drawing/2014/main" id="{0223E6FB-A639-4629-BA1D-F1617720B90B}"/>
+              </a:ext>
+            </a:extLst>
+          </p:cNvPr>
+          <p:cNvSpPr txBox="1"/>
+          <p:nvPr/>
+        </p:nvSpPr>
+        <p:spPr>
+          <a:xfrm>
+            <a:off x="965190" y="4929285"/>
+            <a:ext cx="864339" cy="369332"/>
+          </a:xfrm>
+          <a:prstGeom prst="rect">
+            <a:avLst/>
+          </a:prstGeom>
+          <a:noFill/>
+        </p:spPr>
+        <p:txBody>
+          <a:bodyPr wrap="none" rtlCol="0">
+            <a:spAutoFit/>
+          </a:bodyPr>
+          <a:lstStyle/>
+          <a:p>
+            <a:r>
+              <a:rPr kumimoji="1" lang="en-US" altLang="ja-JP" dirty="0"/>
+              <a:t>train</a:t>
+            </a:r>
+            <a:r>
+              <a:rPr kumimoji="1" lang="ja-JP" altLang="en-US" dirty="0"/>
+              <a:t>後</a:t>
+            </a:r>
+          </a:p>
+        </p:txBody>
+      </p:sp>
+      <p:sp>
+        <p:nvSpPr>
+          <p:cNvPr id="40" name="テキスト ボックス 39">
+            <a:extLst>
+              <a:ext uri="{FF2B5EF4-FFF2-40B4-BE49-F238E27FC236}">
+                <a16:creationId xmlns:a16="http://schemas.microsoft.com/office/drawing/2014/main" id="{D9DCB454-EA13-433F-A975-F6F14B20AAE6}"/>
+              </a:ext>
+            </a:extLst>
+          </p:cNvPr>
+          <p:cNvSpPr txBox="1"/>
+          <p:nvPr/>
+        </p:nvSpPr>
+        <p:spPr>
+          <a:xfrm>
+            <a:off x="6110791" y="4929285"/>
+            <a:ext cx="864339" cy="369332"/>
+          </a:xfrm>
+          <a:prstGeom prst="rect">
+            <a:avLst/>
+          </a:prstGeom>
+          <a:noFill/>
+        </p:spPr>
+        <p:txBody>
+          <a:bodyPr wrap="none" rtlCol="0">
+            <a:spAutoFit/>
+          </a:bodyPr>
+          <a:lstStyle/>
+          <a:p>
+            <a:r>
+              <a:rPr kumimoji="1" lang="en-US" altLang="ja-JP" dirty="0"/>
+              <a:t>train</a:t>
+            </a:r>
+            <a:r>
+              <a:rPr kumimoji="1" lang="ja-JP" altLang="en-US" dirty="0"/>
+              <a:t>後</a:t>
+            </a:r>
+          </a:p>
+        </p:txBody>
+      </p:sp>
+      <p:sp>
+        <p:nvSpPr>
+          <p:cNvPr id="41" name="テキスト ボックス 40">
+            <a:extLst>
+              <a:ext uri="{FF2B5EF4-FFF2-40B4-BE49-F238E27FC236}">
+                <a16:creationId xmlns:a16="http://schemas.microsoft.com/office/drawing/2014/main" id="{FF7625EB-B90B-41EC-8D67-16F8C0411629}"/>
+              </a:ext>
+            </a:extLst>
+          </p:cNvPr>
+          <p:cNvSpPr txBox="1"/>
+          <p:nvPr/>
+        </p:nvSpPr>
+        <p:spPr>
+          <a:xfrm>
+            <a:off x="3439504" y="4929285"/>
+            <a:ext cx="736099" cy="369332"/>
+          </a:xfrm>
+          <a:prstGeom prst="rect">
+            <a:avLst/>
+          </a:prstGeom>
+          <a:noFill/>
+        </p:spPr>
+        <p:txBody>
+          <a:bodyPr wrap="none" rtlCol="0">
+            <a:spAutoFit/>
+          </a:bodyPr>
+          <a:lstStyle/>
+          <a:p>
+            <a:r>
+              <a:rPr kumimoji="1" lang="en-US" altLang="ja-JP" dirty="0" err="1"/>
+              <a:t>mnist</a:t>
+            </a:r>
+            <a:endParaRPr kumimoji="1" lang="ja-JP" altLang="en-US" dirty="0"/>
+          </a:p>
+        </p:txBody>
+      </p:sp>
+      <p:sp>
+        <p:nvSpPr>
+          <p:cNvPr id="42" name="テキスト ボックス 41">
+            <a:extLst>
+              <a:ext uri="{FF2B5EF4-FFF2-40B4-BE49-F238E27FC236}">
+                <a16:creationId xmlns:a16="http://schemas.microsoft.com/office/drawing/2014/main" id="{7A1249E0-CC07-4674-8E42-FAB5AD4B51ED}"/>
+              </a:ext>
+            </a:extLst>
+          </p:cNvPr>
+          <p:cNvSpPr txBox="1"/>
+          <p:nvPr/>
+        </p:nvSpPr>
+        <p:spPr>
+          <a:xfrm>
+            <a:off x="8401121" y="4929285"/>
+            <a:ext cx="736099" cy="369332"/>
+          </a:xfrm>
+          <a:prstGeom prst="rect">
+            <a:avLst/>
+          </a:prstGeom>
+          <a:noFill/>
+        </p:spPr>
+        <p:txBody>
+          <a:bodyPr wrap="none" rtlCol="0">
+            <a:spAutoFit/>
+          </a:bodyPr>
+          <a:lstStyle/>
+          <a:p>
+            <a:r>
+              <a:rPr kumimoji="1" lang="en-US" altLang="ja-JP" dirty="0" err="1"/>
+              <a:t>mnist</a:t>
+            </a:r>
+            <a:endParaRPr kumimoji="1" lang="ja-JP" altLang="en-US" dirty="0"/>
+          </a:p>
+        </p:txBody>
+      </p:sp>
+      <p:pic>
+        <p:nvPicPr>
+          <p:cNvPr id="44" name="図 43" descr="時計 が含まれている画像&#10;&#10;自動的に生成された説明">
+            <a:extLst>
+              <a:ext uri="{FF2B5EF4-FFF2-40B4-BE49-F238E27FC236}">
+                <a16:creationId xmlns:a16="http://schemas.microsoft.com/office/drawing/2014/main" id="{2D64B41A-3521-4A2A-93DF-F4848878ED31}"/>
+              </a:ext>
+            </a:extLst>
+          </p:cNvPr>
+          <p:cNvPicPr>
+            <a:picLocks noChangeAspect="1"/>
+          </p:cNvPicPr>
+          <p:nvPr/>
+        </p:nvPicPr>
+        <p:blipFill>
+          <a:blip r:embed="rId9">
+            <a:extLst>
+              <a:ext uri="{28A0092B-C50C-407E-A947-70E740481C1C}">
+                <a14:useLocalDpi xmlns:a14="http://schemas.microsoft.com/office/drawing/2010/main" val="0"/>
+              </a:ext>
+            </a:extLst>
+          </a:blip>
+          <a:stretch>
+            <a:fillRect/>
+          </a:stretch>
+        </p:blipFill>
+        <p:spPr>
+          <a:xfrm>
+            <a:off x="5022713" y="5531211"/>
+            <a:ext cx="1645821" cy="1229222"/>
+          </a:xfrm>
+          <a:prstGeom prst="rect">
+            <a:avLst/>
+          </a:prstGeom>
+        </p:spPr>
+      </p:pic>
+      <p:pic>
+        <p:nvPicPr>
+          <p:cNvPr id="46" name="図 45" descr="時計 が含まれている画像&#10;&#10;自動的に生成された説明">
+            <a:extLst>
+              <a:ext uri="{FF2B5EF4-FFF2-40B4-BE49-F238E27FC236}">
+                <a16:creationId xmlns:a16="http://schemas.microsoft.com/office/drawing/2014/main" id="{09DA731A-53E8-4D5F-A06B-E7688CE19FB3}"/>
+              </a:ext>
+            </a:extLst>
+          </p:cNvPr>
+          <p:cNvPicPr>
+            <a:picLocks noChangeAspect="1"/>
+          </p:cNvPicPr>
+          <p:nvPr/>
+        </p:nvPicPr>
+        <p:blipFill>
+          <a:blip r:embed="rId10">
+            <a:extLst>
+              <a:ext uri="{28A0092B-C50C-407E-A947-70E740481C1C}">
+                <a14:useLocalDpi xmlns:a14="http://schemas.microsoft.com/office/drawing/2010/main" val="0"/>
+              </a:ext>
+            </a:extLst>
+          </a:blip>
+          <a:stretch>
+            <a:fillRect/>
+          </a:stretch>
+        </p:blipFill>
+        <p:spPr>
+          <a:xfrm>
+            <a:off x="8174531" y="5526901"/>
+            <a:ext cx="1651577" cy="1233522"/>
+          </a:xfrm>
+          <a:prstGeom prst="rect">
+            <a:avLst/>
+          </a:prstGeom>
+        </p:spPr>
+      </p:pic>
+      <p:pic>
+        <p:nvPicPr>
+          <p:cNvPr id="48" name="図 47" descr="時計 が含まれている画像&#10;&#10;自動的に生成された説明">
+            <a:extLst>
+              <a:ext uri="{FF2B5EF4-FFF2-40B4-BE49-F238E27FC236}">
+                <a16:creationId xmlns:a16="http://schemas.microsoft.com/office/drawing/2014/main" id="{9145363B-EE5D-4ACD-B1EC-4811F5B285E2}"/>
+              </a:ext>
+            </a:extLst>
+          </p:cNvPr>
+          <p:cNvPicPr>
+            <a:picLocks noChangeAspect="1"/>
+          </p:cNvPicPr>
+          <p:nvPr/>
+        </p:nvPicPr>
+        <p:blipFill>
+          <a:blip r:embed="rId11">
+            <a:extLst>
+              <a:ext uri="{28A0092B-C50C-407E-A947-70E740481C1C}">
+                <a14:useLocalDpi xmlns:a14="http://schemas.microsoft.com/office/drawing/2010/main" val="0"/>
+              </a:ext>
+            </a:extLst>
+          </a:blip>
+          <a:stretch>
+            <a:fillRect/>
+          </a:stretch>
+        </p:blipFill>
+        <p:spPr>
+          <a:xfrm>
+            <a:off x="6514876" y="5531201"/>
+            <a:ext cx="1645820" cy="1229222"/>
+          </a:xfrm>
+          <a:prstGeom prst="rect">
+            <a:avLst/>
+          </a:prstGeom>
+        </p:spPr>
+      </p:pic>
+    </p:spTree>
+    <p:extLst>
+      <p:ext uri="{BB962C8B-B14F-4D97-AF65-F5344CB8AC3E}">
+        <p14:creationId xmlns:p14="http://schemas.microsoft.com/office/powerpoint/2010/main" val="1711325682"/>
+      </p:ext>
+    </p:extLst>
+  </p:cSld>
+  <p:clrMapOvr>
+    <a:masterClrMapping/>
+  </p:clrMapOvr>
+</p:sld>
+</file>
+
+<file path=ppt/slides/slide12.xml><?xml version="1.0" encoding="utf-8"?>
+<p:sld xmlns:a="http://schemas.openxmlformats.org/drawingml/2006/main" xmlns:r="http://schemas.openxmlformats.org/officeDocument/2006/relationships" xmlns:p="http://schemas.openxmlformats.org/presentationml/2006/main">
+  <p:cSld>
+    <p:spTree>
+      <p:nvGrpSpPr>
+        <p:cNvPr id="1" name=""/>
+        <p:cNvGrpSpPr/>
+        <p:nvPr/>
+      </p:nvGrpSpPr>
+      <p:grpSpPr>
+        <a:xfrm>
+          <a:off x="0" y="0"/>
+          <a:ext cx="0" cy="0"/>
+          <a:chOff x="0" y="0"/>
+          <a:chExt cx="0" cy="0"/>
+        </a:xfrm>
+      </p:grpSpPr>
+      <p:sp>
+        <p:nvSpPr>
+          <p:cNvPr id="3" name="正方形/長方形 2">
+            <a:extLst>
+              <a:ext uri="{FF2B5EF4-FFF2-40B4-BE49-F238E27FC236}">
+                <a16:creationId xmlns:a16="http://schemas.microsoft.com/office/drawing/2014/main" id="{1EC72AB3-A754-4103-A7A9-FC4B02505A71}"/>
+              </a:ext>
+            </a:extLst>
+          </p:cNvPr>
+          <p:cNvSpPr/>
+          <p:nvPr/>
+        </p:nvSpPr>
+        <p:spPr>
+          <a:xfrm>
+            <a:off x="985678" y="903542"/>
+            <a:ext cx="3161443" cy="461665"/>
+          </a:xfrm>
+          <a:prstGeom prst="rect">
+            <a:avLst/>
+          </a:prstGeom>
+        </p:spPr>
+        <p:txBody>
+          <a:bodyPr wrap="none">
+            <a:spAutoFit/>
+          </a:bodyPr>
+          <a:lstStyle/>
+          <a:p>
+            <a:pPr lvl="0"/>
+            <a:r>
+              <a:rPr lang="en-US" altLang="ja-JP" sz="2400" dirty="0">
+                <a:solidFill>
+                  <a:prstClr val="black"/>
+                </a:solidFill>
+              </a:rPr>
+              <a:t>Case 2 (</a:t>
+            </a:r>
+            <a:r>
+              <a:rPr lang="ja-JP" altLang="en-US" sz="2400" dirty="0">
+                <a:solidFill>
+                  <a:prstClr val="black"/>
+                </a:solidFill>
+              </a:rPr>
+              <a:t>第</a:t>
+            </a:r>
+            <a:r>
+              <a:rPr lang="en-US" altLang="ja-JP" sz="2400" dirty="0">
+                <a:solidFill>
+                  <a:prstClr val="black"/>
+                </a:solidFill>
+              </a:rPr>
+              <a:t>1</a:t>
+            </a:r>
+            <a:r>
+              <a:rPr lang="ja-JP" altLang="en-US" sz="2400" dirty="0">
+                <a:solidFill>
+                  <a:prstClr val="black"/>
+                </a:solidFill>
+              </a:rPr>
+              <a:t>層の様子</a:t>
+            </a:r>
+            <a:r>
+              <a:rPr lang="en-US" altLang="ja-JP" sz="2400" dirty="0">
+                <a:solidFill>
+                  <a:prstClr val="black"/>
+                </a:solidFill>
+              </a:rPr>
+              <a:t>)</a:t>
+            </a:r>
+            <a:endParaRPr lang="ja-JP" altLang="en-US" sz="2400" dirty="0">
+              <a:solidFill>
+                <a:prstClr val="black"/>
+              </a:solidFill>
+            </a:endParaRPr>
+          </a:p>
+        </p:txBody>
+      </p:sp>
+      <p:pic>
+        <p:nvPicPr>
+          <p:cNvPr id="5" name="図 4" descr="抽象, 挿絵 が含まれている画像&#10;&#10;自動的に生成された説明">
+            <a:extLst>
+              <a:ext uri="{FF2B5EF4-FFF2-40B4-BE49-F238E27FC236}">
+                <a16:creationId xmlns:a16="http://schemas.microsoft.com/office/drawing/2014/main" id="{2C91C161-28FA-435B-9814-27721A9855BE}"/>
+              </a:ext>
+            </a:extLst>
+          </p:cNvPr>
+          <p:cNvPicPr>
+            <a:picLocks noChangeAspect="1"/>
+          </p:cNvPicPr>
+          <p:nvPr/>
+        </p:nvPicPr>
+        <p:blipFill>
+          <a:blip r:embed="rId2">
+            <a:extLst>
+              <a:ext uri="{28A0092B-C50C-407E-A947-70E740481C1C}">
+                <a14:useLocalDpi xmlns:a14="http://schemas.microsoft.com/office/drawing/2010/main" val="0"/>
+              </a:ext>
+            </a:extLst>
+          </a:blip>
+          <a:stretch>
+            <a:fillRect/>
+          </a:stretch>
+        </p:blipFill>
+        <p:spPr>
+          <a:xfrm>
+            <a:off x="2172422" y="1523847"/>
+            <a:ext cx="2656000" cy="1992000"/>
+          </a:xfrm>
+          <a:prstGeom prst="rect">
+            <a:avLst/>
+          </a:prstGeom>
+        </p:spPr>
+      </p:pic>
+      <p:pic>
+        <p:nvPicPr>
+          <p:cNvPr id="7" name="図 6" descr="抽象, 挿絵 が含まれている画像&#10;&#10;自動的に生成された説明">
+            <a:extLst>
+              <a:ext uri="{FF2B5EF4-FFF2-40B4-BE49-F238E27FC236}">
+                <a16:creationId xmlns:a16="http://schemas.microsoft.com/office/drawing/2014/main" id="{54DBAC2D-42DA-4FE2-84D5-91FD14AFB835}"/>
+              </a:ext>
+            </a:extLst>
+          </p:cNvPr>
+          <p:cNvPicPr>
+            <a:picLocks noChangeAspect="1"/>
+          </p:cNvPicPr>
+          <p:nvPr/>
+        </p:nvPicPr>
+        <p:blipFill>
+          <a:blip r:embed="rId3">
+            <a:extLst>
+              <a:ext uri="{28A0092B-C50C-407E-A947-70E740481C1C}">
+                <a14:useLocalDpi xmlns:a14="http://schemas.microsoft.com/office/drawing/2010/main" val="0"/>
+              </a:ext>
+            </a:extLst>
+          </a:blip>
+          <a:stretch>
+            <a:fillRect/>
+          </a:stretch>
+        </p:blipFill>
+        <p:spPr>
+          <a:xfrm>
+            <a:off x="4704170" y="1523847"/>
+            <a:ext cx="2656000" cy="1992000"/>
+          </a:xfrm>
+          <a:prstGeom prst="rect">
+            <a:avLst/>
+          </a:prstGeom>
+        </p:spPr>
+      </p:pic>
+      <p:pic>
+        <p:nvPicPr>
+          <p:cNvPr id="9" name="図 8" descr="スクリーンショット が含まれている画像&#10;&#10;自動的に生成された説明">
+            <a:extLst>
+              <a:ext uri="{FF2B5EF4-FFF2-40B4-BE49-F238E27FC236}">
+                <a16:creationId xmlns:a16="http://schemas.microsoft.com/office/drawing/2014/main" id="{0D2FD4DF-A41C-4F6A-B72B-78026220A287}"/>
+              </a:ext>
+            </a:extLst>
+          </p:cNvPr>
+          <p:cNvPicPr>
+            <a:picLocks noChangeAspect="1"/>
+          </p:cNvPicPr>
+          <p:nvPr/>
+        </p:nvPicPr>
+        <p:blipFill>
+          <a:blip r:embed="rId4">
+            <a:extLst>
+              <a:ext uri="{28A0092B-C50C-407E-A947-70E740481C1C}">
+                <a14:useLocalDpi xmlns:a14="http://schemas.microsoft.com/office/drawing/2010/main" val="0"/>
+              </a:ext>
+            </a:extLst>
+          </a:blip>
+          <a:stretch>
+            <a:fillRect/>
+          </a:stretch>
+        </p:blipFill>
+        <p:spPr>
+          <a:xfrm>
+            <a:off x="7149678" y="1523847"/>
+            <a:ext cx="2656000" cy="1992000"/>
+          </a:xfrm>
+          <a:prstGeom prst="rect">
+            <a:avLst/>
+          </a:prstGeom>
+        </p:spPr>
+      </p:pic>
+      <p:pic>
+        <p:nvPicPr>
+          <p:cNvPr id="11" name="図 10" descr="抽象, スクリーンショット, 挿絵 が含まれている画像&#10;&#10;自動的に生成された説明">
+            <a:extLst>
+              <a:ext uri="{FF2B5EF4-FFF2-40B4-BE49-F238E27FC236}">
+                <a16:creationId xmlns:a16="http://schemas.microsoft.com/office/drawing/2014/main" id="{24A58C0E-74B8-4452-B31B-764970A4FEEF}"/>
+              </a:ext>
+            </a:extLst>
+          </p:cNvPr>
+          <p:cNvPicPr>
+            <a:picLocks noChangeAspect="1"/>
+          </p:cNvPicPr>
+          <p:nvPr/>
+        </p:nvPicPr>
+        <p:blipFill>
+          <a:blip r:embed="rId5">
+            <a:extLst>
+              <a:ext uri="{28A0092B-C50C-407E-A947-70E740481C1C}">
+                <a14:useLocalDpi xmlns:a14="http://schemas.microsoft.com/office/drawing/2010/main" val="0"/>
+              </a:ext>
+            </a:extLst>
+          </a:blip>
+          <a:stretch>
+            <a:fillRect/>
+          </a:stretch>
+        </p:blipFill>
+        <p:spPr>
+          <a:xfrm>
+            <a:off x="2287394" y="3866008"/>
+            <a:ext cx="2656000" cy="1992000"/>
+          </a:xfrm>
+          <a:prstGeom prst="rect">
+            <a:avLst/>
+          </a:prstGeom>
+        </p:spPr>
+      </p:pic>
+      <p:pic>
+        <p:nvPicPr>
+          <p:cNvPr id="13" name="図 12" descr="抽象, スクリーンショット が含まれている画像&#10;&#10;自動的に生成された説明">
+            <a:extLst>
+              <a:ext uri="{FF2B5EF4-FFF2-40B4-BE49-F238E27FC236}">
+                <a16:creationId xmlns:a16="http://schemas.microsoft.com/office/drawing/2014/main" id="{2688ED64-E5A0-4CC6-86C4-0401476D9B97}"/>
+              </a:ext>
+            </a:extLst>
+          </p:cNvPr>
+          <p:cNvPicPr>
+            <a:picLocks noChangeAspect="1"/>
+          </p:cNvPicPr>
+          <p:nvPr/>
+        </p:nvPicPr>
+        <p:blipFill>
+          <a:blip r:embed="rId6">
+            <a:extLst>
+              <a:ext uri="{28A0092B-C50C-407E-A947-70E740481C1C}">
+                <a14:useLocalDpi xmlns:a14="http://schemas.microsoft.com/office/drawing/2010/main" val="0"/>
+              </a:ext>
+            </a:extLst>
+          </a:blip>
+          <a:stretch>
+            <a:fillRect/>
+          </a:stretch>
+        </p:blipFill>
+        <p:spPr>
+          <a:xfrm>
+            <a:off x="4704170" y="3866008"/>
+            <a:ext cx="2656000" cy="1992000"/>
+          </a:xfrm>
+          <a:prstGeom prst="rect">
+            <a:avLst/>
+          </a:prstGeom>
+        </p:spPr>
+      </p:pic>
+      <p:pic>
+        <p:nvPicPr>
+          <p:cNvPr id="15" name="図 14" descr="文字と写真のスクリーンショット&#10;&#10;自動的に生成された説明">
+            <a:extLst>
+              <a:ext uri="{FF2B5EF4-FFF2-40B4-BE49-F238E27FC236}">
+                <a16:creationId xmlns:a16="http://schemas.microsoft.com/office/drawing/2014/main" id="{DEEAEA88-79CE-463E-B605-371BC0C50838}"/>
+              </a:ext>
+            </a:extLst>
+          </p:cNvPr>
+          <p:cNvPicPr>
+            <a:picLocks noChangeAspect="1"/>
+          </p:cNvPicPr>
+          <p:nvPr/>
+        </p:nvPicPr>
+        <p:blipFill>
+          <a:blip r:embed="rId7">
+            <a:extLst>
+              <a:ext uri="{28A0092B-C50C-407E-A947-70E740481C1C}">
+                <a14:useLocalDpi xmlns:a14="http://schemas.microsoft.com/office/drawing/2010/main" val="0"/>
+              </a:ext>
+            </a:extLst>
+          </a:blip>
+          <a:stretch>
+            <a:fillRect/>
+          </a:stretch>
+        </p:blipFill>
+        <p:spPr>
+          <a:xfrm>
+            <a:off x="7149678" y="3866008"/>
+            <a:ext cx="2656000" cy="1992000"/>
+          </a:xfrm>
+          <a:prstGeom prst="rect">
+            <a:avLst/>
+          </a:prstGeom>
+        </p:spPr>
+      </p:pic>
+      <p:sp>
+        <p:nvSpPr>
+          <p:cNvPr id="16" name="テキスト ボックス 15">
+            <a:extLst>
+              <a:ext uri="{FF2B5EF4-FFF2-40B4-BE49-F238E27FC236}">
+                <a16:creationId xmlns:a16="http://schemas.microsoft.com/office/drawing/2014/main" id="{3B87F15C-5335-4ECC-AFCE-B8484DDD3159}"/>
+              </a:ext>
+            </a:extLst>
+          </p:cNvPr>
+          <p:cNvSpPr txBox="1"/>
+          <p:nvPr/>
+        </p:nvSpPr>
+        <p:spPr>
+          <a:xfrm>
+            <a:off x="4456386" y="6306206"/>
+            <a:ext cx="2581156" cy="369332"/>
+          </a:xfrm>
+          <a:prstGeom prst="rect">
+            <a:avLst/>
+          </a:prstGeom>
+          <a:noFill/>
+        </p:spPr>
+        <p:txBody>
+          <a:bodyPr wrap="none" rtlCol="0">
+            <a:spAutoFit/>
+          </a:bodyPr>
+          <a:lstStyle/>
+          <a:p>
+            <a:r>
+              <a:rPr kumimoji="1" lang="ja-JP" altLang="en-US" dirty="0"/>
+              <a:t>第</a:t>
+            </a:r>
+            <a:r>
+              <a:rPr kumimoji="1" lang="en-US" altLang="ja-JP" dirty="0"/>
+              <a:t>1</a:t>
+            </a:r>
+            <a:r>
+              <a:rPr kumimoji="1" lang="ja-JP" altLang="en-US" dirty="0"/>
+              <a:t>層目ですでに読める</a:t>
+            </a:r>
+            <a:r>
+              <a:rPr kumimoji="1" lang="en-US" altLang="ja-JP" dirty="0"/>
+              <a:t>.</a:t>
+            </a:r>
+            <a:endParaRPr kumimoji="1" lang="ja-JP" altLang="en-US" dirty="0"/>
+          </a:p>
+        </p:txBody>
+      </p:sp>
+    </p:spTree>
+    <p:extLst>
+      <p:ext uri="{BB962C8B-B14F-4D97-AF65-F5344CB8AC3E}">
+        <p14:creationId xmlns:p14="http://schemas.microsoft.com/office/powerpoint/2010/main" val="4082417810"/>
+      </p:ext>
+    </p:extLst>
+  </p:cSld>
+  <p:clrMapOvr>
+    <a:masterClrMapping/>
+  </p:clrMapOvr>
+</p:sld>
+</file>
+
+<file path=ppt/slides/slide13.xml><?xml version="1.0" encoding="utf-8"?>
+<p:sld xmlns:a="http://schemas.openxmlformats.org/drawingml/2006/main" xmlns:r="http://schemas.openxmlformats.org/officeDocument/2006/relationships" xmlns:p="http://schemas.openxmlformats.org/presentationml/2006/main">
+  <p:cSld>
+    <p:spTree>
+      <p:nvGrpSpPr>
+        <p:cNvPr id="1" name=""/>
+        <p:cNvGrpSpPr/>
+        <p:nvPr/>
+      </p:nvGrpSpPr>
+      <p:grpSpPr>
+        <a:xfrm>
+          <a:off x="0" y="0"/>
+          <a:ext cx="0" cy="0"/>
+          <a:chOff x="0" y="0"/>
+          <a:chExt cx="0" cy="0"/>
+        </a:xfrm>
+      </p:grpSpPr>
+      <p:sp>
+        <p:nvSpPr>
+          <p:cNvPr id="6" name="テキスト ボックス 5">
+            <a:extLst>
+              <a:ext uri="{FF2B5EF4-FFF2-40B4-BE49-F238E27FC236}">
+                <a16:creationId xmlns:a16="http://schemas.microsoft.com/office/drawing/2014/main" id="{6B551181-2C66-4A19-BFC6-2ADD5F37BB92}"/>
+              </a:ext>
+            </a:extLst>
+          </p:cNvPr>
+          <p:cNvSpPr txBox="1"/>
+          <p:nvPr/>
+        </p:nvSpPr>
+        <p:spPr>
+          <a:xfrm>
+            <a:off x="868544" y="924630"/>
+            <a:ext cx="4055794" cy="461665"/>
+          </a:xfrm>
+          <a:prstGeom prst="rect">
+            <a:avLst/>
+          </a:prstGeom>
+          <a:noFill/>
+        </p:spPr>
+        <p:txBody>
+          <a:bodyPr wrap="square" rtlCol="0">
+            <a:spAutoFit/>
+          </a:bodyPr>
+          <a:lstStyle/>
+          <a:p>
+            <a:r>
+              <a:rPr kumimoji="1" lang="en-US" altLang="ja-JP" sz="2400" dirty="0"/>
+              <a:t>Case 2 (</a:t>
+            </a:r>
+            <a:r>
+              <a:rPr kumimoji="1" lang="ja-JP" altLang="en-US" sz="2400" dirty="0"/>
+              <a:t>結果</a:t>
+            </a:r>
+            <a:r>
+              <a:rPr kumimoji="1" lang="en-US" altLang="ja-JP" sz="2400" dirty="0"/>
+              <a:t>)</a:t>
+            </a:r>
+            <a:endParaRPr kumimoji="1" lang="ja-JP" altLang="en-US" sz="2400" dirty="0"/>
+          </a:p>
+        </p:txBody>
+      </p:sp>
+      <p:sp>
+        <p:nvSpPr>
+          <p:cNvPr id="2" name="テキスト ボックス 1">
+            <a:extLst>
+              <a:ext uri="{FF2B5EF4-FFF2-40B4-BE49-F238E27FC236}">
+                <a16:creationId xmlns:a16="http://schemas.microsoft.com/office/drawing/2014/main" id="{A0F39BA3-32F4-460B-A00F-65C4BCEF5823}"/>
+              </a:ext>
+            </a:extLst>
+          </p:cNvPr>
+          <p:cNvSpPr txBox="1"/>
+          <p:nvPr/>
+        </p:nvSpPr>
+        <p:spPr>
+          <a:xfrm>
+            <a:off x="1774580" y="1590584"/>
+            <a:ext cx="5235729" cy="1477328"/>
+          </a:xfrm>
+          <a:prstGeom prst="rect">
+            <a:avLst/>
+          </a:prstGeom>
+          <a:noFill/>
+        </p:spPr>
+        <p:txBody>
+          <a:bodyPr wrap="none" rtlCol="0">
+            <a:spAutoFit/>
+          </a:bodyPr>
+          <a:lstStyle/>
+          <a:p>
+            <a:pPr marL="285750" indent="-285750">
+              <a:buFont typeface="Arial" panose="020B0604020202020204" pitchFamily="34" charset="0"/>
+              <a:buChar char="•"/>
+            </a:pPr>
+            <a:r>
+              <a:rPr lang="ja-JP" altLang="en-US" dirty="0"/>
+              <a:t>対数損失は</a:t>
+            </a:r>
+            <a:r>
+              <a:rPr lang="en-US" altLang="ja-JP" dirty="0"/>
+              <a:t>, train 0.0043, valid 0.1625</a:t>
+            </a:r>
+            <a:r>
+              <a:rPr lang="ja-JP" altLang="en-US" dirty="0"/>
+              <a:t>になった</a:t>
+            </a:r>
+            <a:r>
+              <a:rPr lang="en-US" altLang="ja-JP" dirty="0"/>
+              <a:t>.</a:t>
+            </a:r>
+          </a:p>
+          <a:p>
+            <a:pPr marL="285750" indent="-285750">
+              <a:buFont typeface="Arial" panose="020B0604020202020204" pitchFamily="34" charset="0"/>
+              <a:buChar char="•"/>
+            </a:pPr>
+            <a:endParaRPr lang="en-US" altLang="ja-JP" dirty="0"/>
+          </a:p>
+          <a:p>
+            <a:pPr marL="285750" indent="-285750">
+              <a:buFont typeface="Arial" panose="020B0604020202020204" pitchFamily="34" charset="0"/>
+              <a:buChar char="•"/>
+            </a:pPr>
+            <a:r>
+              <a:rPr lang="ja-JP" altLang="en-US" dirty="0"/>
+              <a:t>正解率は</a:t>
+            </a:r>
+            <a:r>
+              <a:rPr lang="en-US" altLang="ja-JP" dirty="0"/>
+              <a:t>95.51%</a:t>
+            </a:r>
+            <a:r>
+              <a:rPr lang="ja-JP" altLang="en-US" dirty="0"/>
+              <a:t>になった</a:t>
+            </a:r>
+            <a:r>
+              <a:rPr lang="en-US" altLang="ja-JP" dirty="0"/>
+              <a:t>.</a:t>
+            </a:r>
+          </a:p>
+          <a:p>
+            <a:endParaRPr lang="en-US" altLang="ja-JP" dirty="0"/>
+          </a:p>
+          <a:p>
+            <a:pPr marL="285750" indent="-285750">
+              <a:buFont typeface="Arial" panose="020B0604020202020204" pitchFamily="34" charset="0"/>
+              <a:buChar char="•"/>
+            </a:pPr>
+            <a:r>
+              <a:rPr lang="en-US" altLang="ja-JP" dirty="0" err="1"/>
+              <a:t>LightGBM</a:t>
+            </a:r>
+            <a:r>
+              <a:rPr lang="ja-JP" altLang="en-US" dirty="0"/>
+              <a:t>のみの</a:t>
+            </a:r>
+            <a:r>
+              <a:rPr lang="en-US" altLang="ja-JP" dirty="0"/>
+              <a:t>94.37%</a:t>
+            </a:r>
+            <a:r>
+              <a:rPr lang="ja-JP" altLang="en-US" dirty="0"/>
+              <a:t>より良い結果となった</a:t>
+            </a:r>
+            <a:r>
+              <a:rPr lang="en-US" altLang="ja-JP" dirty="0"/>
+              <a:t>.</a:t>
+            </a:r>
+          </a:p>
+        </p:txBody>
+      </p:sp>
+    </p:spTree>
+    <p:extLst>
+      <p:ext uri="{BB962C8B-B14F-4D97-AF65-F5344CB8AC3E}">
+        <p14:creationId xmlns:p14="http://schemas.microsoft.com/office/powerpoint/2010/main" val="1697337082"/>
+      </p:ext>
+    </p:extLst>
+  </p:cSld>
+  <p:clrMapOvr>
+    <a:masterClrMapping/>
+  </p:clrMapOvr>
+</p:sld>
+</file>
+
+<file path=ppt/slides/slide14.xml><?xml version="1.0" encoding="utf-8"?>
+<p:sld xmlns:a="http://schemas.openxmlformats.org/drawingml/2006/main" xmlns:r="http://schemas.openxmlformats.org/officeDocument/2006/relationships" xmlns:p="http://schemas.openxmlformats.org/presentationml/2006/main">
+  <p:cSld>
+    <p:spTree>
+      <p:nvGrpSpPr>
+        <p:cNvPr id="1" name=""/>
+        <p:cNvGrpSpPr/>
+        <p:nvPr/>
+      </p:nvGrpSpPr>
+      <p:grpSpPr>
+        <a:xfrm>
+          <a:off x="0" y="0"/>
+          <a:ext cx="0" cy="0"/>
+          <a:chOff x="0" y="0"/>
+          <a:chExt cx="0" cy="0"/>
+        </a:xfrm>
+      </p:grpSpPr>
+      <p:sp>
+        <p:nvSpPr>
+          <p:cNvPr id="6" name="テキスト ボックス 5">
+            <a:extLst>
+              <a:ext uri="{FF2B5EF4-FFF2-40B4-BE49-F238E27FC236}">
+                <a16:creationId xmlns:a16="http://schemas.microsoft.com/office/drawing/2014/main" id="{6B551181-2C66-4A19-BFC6-2ADD5F37BB92}"/>
+              </a:ext>
+            </a:extLst>
+          </p:cNvPr>
+          <p:cNvSpPr txBox="1"/>
+          <p:nvPr/>
+        </p:nvSpPr>
+        <p:spPr>
+          <a:xfrm>
+            <a:off x="868544" y="924630"/>
+            <a:ext cx="4055794" cy="461665"/>
+          </a:xfrm>
+          <a:prstGeom prst="rect">
+            <a:avLst/>
+          </a:prstGeom>
+          <a:noFill/>
+        </p:spPr>
+        <p:txBody>
+          <a:bodyPr wrap="square" rtlCol="0">
+            <a:spAutoFit/>
+          </a:bodyPr>
+          <a:lstStyle/>
+          <a:p>
+            <a:r>
               <a:rPr kumimoji="1" lang="ja-JP" altLang="en-US" sz="2400" dirty="0"/>
               <a:t>まとめ</a:t>
             </a:r>
@@ -8428,6 +10641,370 @@
           </a:p>
         </p:txBody>
       </p:sp>
+      <p:pic>
+        <p:nvPicPr>
+          <p:cNvPr id="4" name="図 3" descr="抽象, 挿絵 が含まれている画像&#10;&#10;自動的に生成された説明">
+            <a:extLst>
+              <a:ext uri="{FF2B5EF4-FFF2-40B4-BE49-F238E27FC236}">
+                <a16:creationId xmlns:a16="http://schemas.microsoft.com/office/drawing/2014/main" id="{E6E8A528-3E28-490D-98BF-A86C87AD5E7C}"/>
+              </a:ext>
+            </a:extLst>
+          </p:cNvPr>
+          <p:cNvPicPr>
+            <a:picLocks noChangeAspect="1"/>
+          </p:cNvPicPr>
+          <p:nvPr/>
+        </p:nvPicPr>
+        <p:blipFill>
+          <a:blip r:embed="rId2">
+            <a:extLst>
+              <a:ext uri="{28A0092B-C50C-407E-A947-70E740481C1C}">
+                <a14:useLocalDpi xmlns:a14="http://schemas.microsoft.com/office/drawing/2010/main" val="0"/>
+              </a:ext>
+            </a:extLst>
+          </a:blip>
+          <a:stretch>
+            <a:fillRect/>
+          </a:stretch>
+        </p:blipFill>
+        <p:spPr>
+          <a:xfrm>
+            <a:off x="2938317" y="3749334"/>
+            <a:ext cx="2952391" cy="2205067"/>
+          </a:xfrm>
+          <a:prstGeom prst="rect">
+            <a:avLst/>
+          </a:prstGeom>
+        </p:spPr>
+      </p:pic>
+      <p:pic>
+        <p:nvPicPr>
+          <p:cNvPr id="7" name="図 6" descr="時計 が含まれている画像&#10;&#10;自動的に生成された説明">
+            <a:extLst>
+              <a:ext uri="{FF2B5EF4-FFF2-40B4-BE49-F238E27FC236}">
+                <a16:creationId xmlns:a16="http://schemas.microsoft.com/office/drawing/2014/main" id="{06083BB0-5235-4A69-93CC-2C2C793F166E}"/>
+              </a:ext>
+            </a:extLst>
+          </p:cNvPr>
+          <p:cNvPicPr>
+            <a:picLocks noChangeAspect="1"/>
+          </p:cNvPicPr>
+          <p:nvPr/>
+        </p:nvPicPr>
+        <p:blipFill>
+          <a:blip r:embed="rId3">
+            <a:extLst>
+              <a:ext uri="{28A0092B-C50C-407E-A947-70E740481C1C}">
+                <a14:useLocalDpi xmlns:a14="http://schemas.microsoft.com/office/drawing/2010/main" val="0"/>
+              </a:ext>
+            </a:extLst>
+          </a:blip>
+          <a:stretch>
+            <a:fillRect/>
+          </a:stretch>
+        </p:blipFill>
+        <p:spPr>
+          <a:xfrm>
+            <a:off x="7844602" y="3008034"/>
+            <a:ext cx="1645821" cy="1229223"/>
+          </a:xfrm>
+          <a:prstGeom prst="rect">
+            <a:avLst/>
+          </a:prstGeom>
+        </p:spPr>
+      </p:pic>
+      <p:pic>
+        <p:nvPicPr>
+          <p:cNvPr id="8" name="図 7" descr="文字と写真のスクリーンショット&#10;&#10;自動的に生成された説明">
+            <a:extLst>
+              <a:ext uri="{FF2B5EF4-FFF2-40B4-BE49-F238E27FC236}">
+                <a16:creationId xmlns:a16="http://schemas.microsoft.com/office/drawing/2014/main" id="{6CEE6579-E7E5-4326-855C-B371D467436A}"/>
+              </a:ext>
+            </a:extLst>
+          </p:cNvPr>
+          <p:cNvPicPr>
+            <a:picLocks noChangeAspect="1"/>
+          </p:cNvPicPr>
+          <p:nvPr/>
+        </p:nvPicPr>
+        <p:blipFill>
+          <a:blip r:embed="rId4">
+            <a:extLst>
+              <a:ext uri="{28A0092B-C50C-407E-A947-70E740481C1C}">
+                <a14:useLocalDpi xmlns:a14="http://schemas.microsoft.com/office/drawing/2010/main" val="0"/>
+              </a:ext>
+            </a:extLst>
+          </a:blip>
+          <a:stretch>
+            <a:fillRect/>
+          </a:stretch>
+        </p:blipFill>
+        <p:spPr>
+          <a:xfrm>
+            <a:off x="7844602" y="5531220"/>
+            <a:ext cx="1645821" cy="1229223"/>
+          </a:xfrm>
+          <a:prstGeom prst="rect">
+            <a:avLst/>
+          </a:prstGeom>
+        </p:spPr>
+      </p:pic>
+      <p:pic>
+        <p:nvPicPr>
+          <p:cNvPr id="9" name="図 8" descr="文字と写真のスクリーンショット&#10;&#10;自動的に生成された説明">
+            <a:extLst>
+              <a:ext uri="{FF2B5EF4-FFF2-40B4-BE49-F238E27FC236}">
+                <a16:creationId xmlns:a16="http://schemas.microsoft.com/office/drawing/2014/main" id="{4E683E4A-14C2-4B4B-AEBD-CC44005F3F76}"/>
+              </a:ext>
+            </a:extLst>
+          </p:cNvPr>
+          <p:cNvPicPr>
+            <a:picLocks noChangeAspect="1"/>
+          </p:cNvPicPr>
+          <p:nvPr/>
+        </p:nvPicPr>
+        <p:blipFill>
+          <a:blip r:embed="rId5">
+            <a:extLst>
+              <a:ext uri="{28A0092B-C50C-407E-A947-70E740481C1C}">
+                <a14:useLocalDpi xmlns:a14="http://schemas.microsoft.com/office/drawing/2010/main" val="0"/>
+              </a:ext>
+            </a:extLst>
+          </a:blip>
+          <a:stretch>
+            <a:fillRect/>
+          </a:stretch>
+        </p:blipFill>
+        <p:spPr>
+          <a:xfrm>
+            <a:off x="7844602" y="4237257"/>
+            <a:ext cx="1645821" cy="1229223"/>
+          </a:xfrm>
+          <a:prstGeom prst="rect">
+            <a:avLst/>
+          </a:prstGeom>
+        </p:spPr>
+      </p:pic>
+      <p:cxnSp>
+        <p:nvCxnSpPr>
+          <p:cNvPr id="3" name="直線矢印コネクタ 2">
+            <a:extLst>
+              <a:ext uri="{FF2B5EF4-FFF2-40B4-BE49-F238E27FC236}">
+                <a16:creationId xmlns:a16="http://schemas.microsoft.com/office/drawing/2014/main" id="{55A13C0E-DE0B-4F3F-953C-3191A7A1323A}"/>
+              </a:ext>
+            </a:extLst>
+          </p:cNvPr>
+          <p:cNvCxnSpPr>
+            <a:cxnSpLocks/>
+            <a:stCxn id="4" idx="3"/>
+            <a:endCxn id="7" idx="1"/>
+          </p:cNvCxnSpPr>
+          <p:nvPr/>
+        </p:nvCxnSpPr>
+        <p:spPr>
+          <a:xfrm flipV="1">
+            <a:off x="5890708" y="3622646"/>
+            <a:ext cx="1953894" cy="1229222"/>
+          </a:xfrm>
+          <a:prstGeom prst="straightConnector1">
+            <a:avLst/>
+          </a:prstGeom>
+          <a:ln>
+            <a:solidFill>
+              <a:schemeClr val="tx1"/>
+            </a:solidFill>
+            <a:tailEnd type="triangle"/>
+          </a:ln>
+        </p:spPr>
+        <p:style>
+          <a:lnRef idx="1">
+            <a:schemeClr val="accent1"/>
+          </a:lnRef>
+          <a:fillRef idx="0">
+            <a:schemeClr val="accent1"/>
+          </a:fillRef>
+          <a:effectRef idx="0">
+            <a:schemeClr val="accent1"/>
+          </a:effectRef>
+          <a:fontRef idx="minor">
+            <a:schemeClr val="tx1"/>
+          </a:fontRef>
+        </p:style>
+      </p:cxnSp>
+      <p:cxnSp>
+        <p:nvCxnSpPr>
+          <p:cNvPr id="13" name="直線矢印コネクタ 12">
+            <a:extLst>
+              <a:ext uri="{FF2B5EF4-FFF2-40B4-BE49-F238E27FC236}">
+                <a16:creationId xmlns:a16="http://schemas.microsoft.com/office/drawing/2014/main" id="{754538BC-4FF8-4FB0-AB1C-39F40B19B48A}"/>
+              </a:ext>
+            </a:extLst>
+          </p:cNvPr>
+          <p:cNvCxnSpPr>
+            <a:cxnSpLocks/>
+            <a:stCxn id="4" idx="3"/>
+            <a:endCxn id="9" idx="1"/>
+          </p:cNvCxnSpPr>
+          <p:nvPr/>
+        </p:nvCxnSpPr>
+        <p:spPr>
+          <a:xfrm>
+            <a:off x="5890708" y="4851868"/>
+            <a:ext cx="1953894" cy="1"/>
+          </a:xfrm>
+          <a:prstGeom prst="straightConnector1">
+            <a:avLst/>
+          </a:prstGeom>
+          <a:ln>
+            <a:solidFill>
+              <a:schemeClr val="tx1"/>
+            </a:solidFill>
+            <a:tailEnd type="triangle"/>
+          </a:ln>
+        </p:spPr>
+        <p:style>
+          <a:lnRef idx="1">
+            <a:schemeClr val="accent1"/>
+          </a:lnRef>
+          <a:fillRef idx="0">
+            <a:schemeClr val="accent1"/>
+          </a:fillRef>
+          <a:effectRef idx="0">
+            <a:schemeClr val="accent1"/>
+          </a:effectRef>
+          <a:fontRef idx="minor">
+            <a:schemeClr val="tx1"/>
+          </a:fontRef>
+        </p:style>
+      </p:cxnSp>
+      <p:cxnSp>
+        <p:nvCxnSpPr>
+          <p:cNvPr id="16" name="直線矢印コネクタ 15">
+            <a:extLst>
+              <a:ext uri="{FF2B5EF4-FFF2-40B4-BE49-F238E27FC236}">
+                <a16:creationId xmlns:a16="http://schemas.microsoft.com/office/drawing/2014/main" id="{A40BA045-A29B-41C5-B606-3E31B0A6D651}"/>
+              </a:ext>
+            </a:extLst>
+          </p:cNvPr>
+          <p:cNvCxnSpPr>
+            <a:cxnSpLocks/>
+            <a:stCxn id="4" idx="3"/>
+            <a:endCxn id="8" idx="1"/>
+          </p:cNvCxnSpPr>
+          <p:nvPr/>
+        </p:nvCxnSpPr>
+        <p:spPr>
+          <a:xfrm>
+            <a:off x="5890708" y="4851868"/>
+            <a:ext cx="1953894" cy="1293964"/>
+          </a:xfrm>
+          <a:prstGeom prst="straightConnector1">
+            <a:avLst/>
+          </a:prstGeom>
+          <a:ln>
+            <a:solidFill>
+              <a:schemeClr val="tx1"/>
+            </a:solidFill>
+            <a:tailEnd type="triangle"/>
+          </a:ln>
+        </p:spPr>
+        <p:style>
+          <a:lnRef idx="1">
+            <a:schemeClr val="accent1"/>
+          </a:lnRef>
+          <a:fillRef idx="0">
+            <a:schemeClr val="accent1"/>
+          </a:fillRef>
+          <a:effectRef idx="0">
+            <a:schemeClr val="accent1"/>
+          </a:effectRef>
+          <a:fontRef idx="minor">
+            <a:schemeClr val="tx1"/>
+          </a:fontRef>
+        </p:style>
+      </p:cxnSp>
+      <p:sp>
+        <p:nvSpPr>
+          <p:cNvPr id="19" name="テキスト ボックス 18">
+            <a:extLst>
+              <a:ext uri="{FF2B5EF4-FFF2-40B4-BE49-F238E27FC236}">
+                <a16:creationId xmlns:a16="http://schemas.microsoft.com/office/drawing/2014/main" id="{30F04B34-00FF-4FC4-8299-783BE887768D}"/>
+              </a:ext>
+            </a:extLst>
+          </p:cNvPr>
+          <p:cNvSpPr txBox="1"/>
+          <p:nvPr/>
+        </p:nvSpPr>
+        <p:spPr>
+          <a:xfrm>
+            <a:off x="5976237" y="5806806"/>
+            <a:ext cx="1513556" cy="646331"/>
+          </a:xfrm>
+          <a:prstGeom prst="rect">
+            <a:avLst/>
+          </a:prstGeom>
+          <a:noFill/>
+        </p:spPr>
+        <p:txBody>
+          <a:bodyPr wrap="none" rtlCol="0">
+            <a:spAutoFit/>
+          </a:bodyPr>
+          <a:lstStyle/>
+          <a:p>
+            <a:r>
+              <a:rPr lang="ja-JP" altLang="en-US" dirty="0"/>
+              <a:t>生成モデルで</a:t>
+            </a:r>
+            <a:endParaRPr lang="en-US" altLang="ja-JP" dirty="0"/>
+          </a:p>
+          <a:p>
+            <a:r>
+              <a:rPr lang="ja-JP" altLang="en-US" dirty="0"/>
+              <a:t>新しく生成</a:t>
+            </a:r>
+            <a:endParaRPr kumimoji="1" lang="ja-JP" altLang="en-US" dirty="0"/>
+          </a:p>
+        </p:txBody>
+      </p:sp>
+      <p:sp>
+        <p:nvSpPr>
+          <p:cNvPr id="20" name="テキスト ボックス 19">
+            <a:extLst>
+              <a:ext uri="{FF2B5EF4-FFF2-40B4-BE49-F238E27FC236}">
+                <a16:creationId xmlns:a16="http://schemas.microsoft.com/office/drawing/2014/main" id="{4E7F5C2F-A825-4F57-BEE0-372E0510A608}"/>
+              </a:ext>
+            </a:extLst>
+          </p:cNvPr>
+          <p:cNvSpPr txBox="1"/>
+          <p:nvPr/>
+        </p:nvSpPr>
+        <p:spPr>
+          <a:xfrm>
+            <a:off x="3819638" y="5896423"/>
+            <a:ext cx="1265090" cy="646331"/>
+          </a:xfrm>
+          <a:prstGeom prst="rect">
+            <a:avLst/>
+          </a:prstGeom>
+          <a:noFill/>
+        </p:spPr>
+        <p:txBody>
+          <a:bodyPr wrap="none" rtlCol="0">
+            <a:spAutoFit/>
+          </a:bodyPr>
+          <a:lstStyle/>
+          <a:p>
+            <a:r>
+              <a:rPr kumimoji="1" lang="ja-JP" altLang="en-US" dirty="0"/>
+              <a:t>元のデータ</a:t>
+            </a:r>
+            <a:endParaRPr kumimoji="1" lang="en-US" altLang="ja-JP" dirty="0"/>
+          </a:p>
+          <a:p>
+            <a:endParaRPr kumimoji="1" lang="ja-JP" altLang="en-US" dirty="0"/>
+          </a:p>
+        </p:txBody>
+      </p:sp>
     </p:spTree>
     <p:extLst>
       <p:ext uri="{BB962C8B-B14F-4D97-AF65-F5344CB8AC3E}">
@@ -8442,6 +11019,3601 @@
 </file>
 
 <file path=ppt/slides/slide4.xml><?xml version="1.0" encoding="utf-8"?>
+<p:sld xmlns:a="http://schemas.openxmlformats.org/drawingml/2006/main" xmlns:r="http://schemas.openxmlformats.org/officeDocument/2006/relationships" xmlns:p="http://schemas.openxmlformats.org/presentationml/2006/main">
+  <p:cSld>
+    <p:spTree>
+      <p:nvGrpSpPr>
+        <p:cNvPr id="1" name=""/>
+        <p:cNvGrpSpPr/>
+        <p:nvPr/>
+      </p:nvGrpSpPr>
+      <p:grpSpPr>
+        <a:xfrm>
+          <a:off x="0" y="0"/>
+          <a:ext cx="0" cy="0"/>
+          <a:chOff x="0" y="0"/>
+          <a:chExt cx="0" cy="0"/>
+        </a:xfrm>
+      </p:grpSpPr>
+      <p:sp>
+        <p:nvSpPr>
+          <p:cNvPr id="6" name="テキスト ボックス 5">
+            <a:extLst>
+              <a:ext uri="{FF2B5EF4-FFF2-40B4-BE49-F238E27FC236}">
+                <a16:creationId xmlns:a16="http://schemas.microsoft.com/office/drawing/2014/main" id="{6B551181-2C66-4A19-BFC6-2ADD5F37BB92}"/>
+              </a:ext>
+            </a:extLst>
+          </p:cNvPr>
+          <p:cNvSpPr txBox="1"/>
+          <p:nvPr/>
+        </p:nvSpPr>
+        <p:spPr>
+          <a:xfrm>
+            <a:off x="868543" y="924630"/>
+            <a:ext cx="5574201" cy="461665"/>
+          </a:xfrm>
+          <a:prstGeom prst="rect">
+            <a:avLst/>
+          </a:prstGeom>
+          <a:noFill/>
+        </p:spPr>
+        <p:txBody>
+          <a:bodyPr wrap="square" rtlCol="0">
+            <a:spAutoFit/>
+          </a:bodyPr>
+          <a:lstStyle/>
+          <a:p>
+            <a:r>
+              <a:rPr kumimoji="1" lang="en-US" altLang="ja-JP" sz="2400" dirty="0"/>
+              <a:t>RBM</a:t>
+            </a:r>
+            <a:r>
+              <a:rPr kumimoji="1" lang="ja-JP" altLang="en-US" sz="2400" dirty="0"/>
+              <a:t>の復習</a:t>
+            </a:r>
+          </a:p>
+        </p:txBody>
+      </p:sp>
+      <p:sp>
+        <p:nvSpPr>
+          <p:cNvPr id="2" name="テキスト ボックス 1">
+            <a:extLst>
+              <a:ext uri="{FF2B5EF4-FFF2-40B4-BE49-F238E27FC236}">
+                <a16:creationId xmlns:a16="http://schemas.microsoft.com/office/drawing/2014/main" id="{A0F39BA3-32F4-460B-A00F-65C4BCEF5823}"/>
+              </a:ext>
+            </a:extLst>
+          </p:cNvPr>
+          <p:cNvSpPr txBox="1"/>
+          <p:nvPr/>
+        </p:nvSpPr>
+        <p:spPr>
+          <a:xfrm>
+            <a:off x="1774580" y="1590584"/>
+            <a:ext cx="6938118" cy="1477328"/>
+          </a:xfrm>
+          <a:prstGeom prst="rect">
+            <a:avLst/>
+          </a:prstGeom>
+          <a:noFill/>
+        </p:spPr>
+        <p:txBody>
+          <a:bodyPr wrap="none" rtlCol="0">
+            <a:spAutoFit/>
+          </a:bodyPr>
+          <a:lstStyle/>
+          <a:p>
+            <a:pPr marL="285750" indent="-285750">
+              <a:buFont typeface="Arial" panose="020B0604020202020204" pitchFamily="34" charset="0"/>
+              <a:buChar char="•"/>
+            </a:pPr>
+            <a:r>
+              <a:rPr lang="ja-JP" altLang="en-US" dirty="0"/>
+              <a:t>可視層</a:t>
+            </a:r>
+            <a:r>
+              <a:rPr lang="en-US" altLang="ja-JP" dirty="0"/>
+              <a:t>(</a:t>
+            </a:r>
+            <a:r>
+              <a:rPr lang="ja-JP" altLang="en-US" dirty="0"/>
+              <a:t>入力層</a:t>
+            </a:r>
+            <a:r>
+              <a:rPr lang="en-US" altLang="ja-JP" dirty="0"/>
+              <a:t>)</a:t>
+            </a:r>
+            <a:r>
+              <a:rPr lang="ja-JP" altLang="en-US" dirty="0"/>
+              <a:t>と隠れ層からなる浅い</a:t>
+            </a:r>
+            <a:r>
+              <a:rPr lang="en-US" altLang="ja-JP" dirty="0"/>
+              <a:t>2</a:t>
+            </a:r>
+            <a:r>
+              <a:rPr lang="ja-JP" altLang="en-US" dirty="0"/>
+              <a:t>層のニューラルネットワーク</a:t>
+            </a:r>
+            <a:endParaRPr lang="en-US" altLang="ja-JP" dirty="0"/>
+          </a:p>
+          <a:p>
+            <a:pPr marL="285750" indent="-285750">
+              <a:buFont typeface="Arial" panose="020B0604020202020204" pitchFamily="34" charset="0"/>
+              <a:buChar char="•"/>
+            </a:pPr>
+            <a:endParaRPr lang="en-US" altLang="ja-JP" dirty="0"/>
+          </a:p>
+          <a:p>
+            <a:pPr marL="285750" indent="-285750">
+              <a:buFont typeface="Arial" panose="020B0604020202020204" pitchFamily="34" charset="0"/>
+              <a:buChar char="•"/>
+            </a:pPr>
+            <a:r>
+              <a:rPr lang="ja-JP" altLang="en-US" dirty="0"/>
+              <a:t>層間の通信が一方向だけでなく、双方向に何度も通信する</a:t>
+            </a:r>
+            <a:r>
+              <a:rPr lang="en-US" altLang="ja-JP" dirty="0"/>
+              <a:t>.</a:t>
+            </a:r>
+          </a:p>
+          <a:p>
+            <a:pPr marL="285750" indent="-285750">
+              <a:buFont typeface="Arial" panose="020B0604020202020204" pitchFamily="34" charset="0"/>
+              <a:buChar char="•"/>
+            </a:pPr>
+            <a:endParaRPr lang="en-US" altLang="ja-JP" dirty="0"/>
+          </a:p>
+          <a:p>
+            <a:pPr marL="285750" indent="-285750">
+              <a:buFont typeface="Arial" panose="020B0604020202020204" pitchFamily="34" charset="0"/>
+              <a:buChar char="•"/>
+            </a:pPr>
+            <a:r>
+              <a:rPr lang="ja-JP" altLang="en-US" dirty="0"/>
+              <a:t>これにより元の入力と類似するような生成モデルを構築する</a:t>
+            </a:r>
+            <a:r>
+              <a:rPr lang="en-US" altLang="ja-JP" dirty="0"/>
+              <a:t>.</a:t>
+            </a:r>
+          </a:p>
+        </p:txBody>
+      </p:sp>
+      <p:grpSp>
+        <p:nvGrpSpPr>
+          <p:cNvPr id="47" name="グループ化 46">
+            <a:extLst>
+              <a:ext uri="{FF2B5EF4-FFF2-40B4-BE49-F238E27FC236}">
+                <a16:creationId xmlns:a16="http://schemas.microsoft.com/office/drawing/2014/main" id="{BA08B7F4-E139-464E-ACEE-6C851E3363B4}"/>
+              </a:ext>
+            </a:extLst>
+          </p:cNvPr>
+          <p:cNvGrpSpPr/>
+          <p:nvPr/>
+        </p:nvGrpSpPr>
+        <p:grpSpPr>
+          <a:xfrm>
+            <a:off x="4416088" y="3790089"/>
+            <a:ext cx="1679912" cy="2207960"/>
+            <a:chOff x="5107254" y="3232722"/>
+            <a:chExt cx="2225862" cy="3024364"/>
+          </a:xfrm>
+        </p:grpSpPr>
+        <p:cxnSp>
+          <p:nvCxnSpPr>
+            <p:cNvPr id="50" name="直線コネクタ 49">
+              <a:extLst>
+                <a:ext uri="{FF2B5EF4-FFF2-40B4-BE49-F238E27FC236}">
+                  <a16:creationId xmlns:a16="http://schemas.microsoft.com/office/drawing/2014/main" id="{B0274375-6F18-4C04-89B3-10442510BFB4}"/>
+                </a:ext>
+              </a:extLst>
+            </p:cNvPr>
+            <p:cNvCxnSpPr>
+              <a:cxnSpLocks/>
+              <a:stCxn id="124" idx="6"/>
+              <a:endCxn id="70" idx="2"/>
+            </p:cNvCxnSpPr>
+            <p:nvPr/>
+          </p:nvCxnSpPr>
+          <p:spPr>
+            <a:xfrm flipV="1">
+              <a:off x="5515341" y="5287970"/>
+              <a:ext cx="1381314" cy="784450"/>
+            </a:xfrm>
+            <a:prstGeom prst="line">
+              <a:avLst/>
+            </a:prstGeom>
+            <a:ln w="12700">
+              <a:solidFill>
+                <a:schemeClr val="tx1"/>
+              </a:solidFill>
+              <a:headEnd type="triangle"/>
+              <a:tailEnd type="triangle"/>
+            </a:ln>
+          </p:spPr>
+          <p:style>
+            <a:lnRef idx="1">
+              <a:schemeClr val="accent1"/>
+            </a:lnRef>
+            <a:fillRef idx="0">
+              <a:schemeClr val="accent1"/>
+            </a:fillRef>
+            <a:effectRef idx="0">
+              <a:schemeClr val="accent1"/>
+            </a:effectRef>
+            <a:fontRef idx="minor">
+              <a:schemeClr val="tx1"/>
+            </a:fontRef>
+          </p:style>
+        </p:cxnSp>
+        <p:grpSp>
+          <p:nvGrpSpPr>
+            <p:cNvPr id="51" name="グループ化 50">
+              <a:extLst>
+                <a:ext uri="{FF2B5EF4-FFF2-40B4-BE49-F238E27FC236}">
+                  <a16:creationId xmlns:a16="http://schemas.microsoft.com/office/drawing/2014/main" id="{3A6C7C4D-AEE7-408E-99F0-D2D294C2E4E7}"/>
+                </a:ext>
+              </a:extLst>
+            </p:cNvPr>
+            <p:cNvGrpSpPr/>
+            <p:nvPr/>
+          </p:nvGrpSpPr>
+          <p:grpSpPr>
+            <a:xfrm>
+              <a:off x="5107254" y="3232722"/>
+              <a:ext cx="2225862" cy="3024364"/>
+              <a:chOff x="5107254" y="3232722"/>
+              <a:chExt cx="2225862" cy="3024364"/>
+            </a:xfrm>
+          </p:grpSpPr>
+          <p:cxnSp>
+            <p:nvCxnSpPr>
+              <p:cNvPr id="52" name="直線コネクタ 51">
+                <a:extLst>
+                  <a:ext uri="{FF2B5EF4-FFF2-40B4-BE49-F238E27FC236}">
+                    <a16:creationId xmlns:a16="http://schemas.microsoft.com/office/drawing/2014/main" id="{04DC7AD8-2CDD-4D62-AF14-725948A82719}"/>
+                  </a:ext>
+                </a:extLst>
+              </p:cNvPr>
+              <p:cNvCxnSpPr>
+                <a:cxnSpLocks/>
+                <a:stCxn id="122" idx="6"/>
+                <a:endCxn id="70" idx="2"/>
+              </p:cNvCxnSpPr>
+              <p:nvPr/>
+            </p:nvCxnSpPr>
+            <p:spPr>
+              <a:xfrm>
+                <a:off x="5467981" y="3417388"/>
+                <a:ext cx="1428674" cy="1870581"/>
+              </a:xfrm>
+              <a:prstGeom prst="line">
+                <a:avLst/>
+              </a:prstGeom>
+              <a:ln w="12700">
+                <a:solidFill>
+                  <a:schemeClr val="tx1"/>
+                </a:solidFill>
+                <a:headEnd type="triangle"/>
+                <a:tailEnd type="triangle"/>
+              </a:ln>
+            </p:spPr>
+            <p:style>
+              <a:lnRef idx="1">
+                <a:schemeClr val="accent1"/>
+              </a:lnRef>
+              <a:fillRef idx="0">
+                <a:schemeClr val="accent1"/>
+              </a:fillRef>
+              <a:effectRef idx="0">
+                <a:schemeClr val="accent1"/>
+              </a:effectRef>
+              <a:fontRef idx="minor">
+                <a:schemeClr val="tx1"/>
+              </a:fontRef>
+            </p:style>
+          </p:cxnSp>
+          <p:cxnSp>
+            <p:nvCxnSpPr>
+              <p:cNvPr id="53" name="直線コネクタ 52">
+                <a:extLst>
+                  <a:ext uri="{FF2B5EF4-FFF2-40B4-BE49-F238E27FC236}">
+                    <a16:creationId xmlns:a16="http://schemas.microsoft.com/office/drawing/2014/main" id="{DCD0DD2A-AACB-4E09-92EE-328CF6D33846}"/>
+                  </a:ext>
+                </a:extLst>
+              </p:cNvPr>
+              <p:cNvCxnSpPr>
+                <a:cxnSpLocks/>
+                <a:stCxn id="123" idx="6"/>
+                <a:endCxn id="70" idx="2"/>
+              </p:cNvCxnSpPr>
+              <p:nvPr/>
+            </p:nvCxnSpPr>
+            <p:spPr>
+              <a:xfrm>
+                <a:off x="5500761" y="3986035"/>
+                <a:ext cx="1395894" cy="1301934"/>
+              </a:xfrm>
+              <a:prstGeom prst="line">
+                <a:avLst/>
+              </a:prstGeom>
+              <a:ln w="12700">
+                <a:solidFill>
+                  <a:schemeClr val="tx1"/>
+                </a:solidFill>
+                <a:headEnd type="triangle"/>
+                <a:tailEnd type="triangle"/>
+              </a:ln>
+            </p:spPr>
+            <p:style>
+              <a:lnRef idx="1">
+                <a:schemeClr val="accent1"/>
+              </a:lnRef>
+              <a:fillRef idx="0">
+                <a:schemeClr val="accent1"/>
+              </a:fillRef>
+              <a:effectRef idx="0">
+                <a:schemeClr val="accent1"/>
+              </a:effectRef>
+              <a:fontRef idx="minor">
+                <a:schemeClr val="tx1"/>
+              </a:fontRef>
+            </p:style>
+          </p:cxnSp>
+          <p:grpSp>
+            <p:nvGrpSpPr>
+              <p:cNvPr id="61" name="グループ化 60">
+                <a:extLst>
+                  <a:ext uri="{FF2B5EF4-FFF2-40B4-BE49-F238E27FC236}">
+                    <a16:creationId xmlns:a16="http://schemas.microsoft.com/office/drawing/2014/main" id="{B86F6D91-464E-4CB0-AE5C-5C4F9BDD871F}"/>
+                  </a:ext>
+                </a:extLst>
+              </p:cNvPr>
+              <p:cNvGrpSpPr/>
+              <p:nvPr/>
+            </p:nvGrpSpPr>
+            <p:grpSpPr>
+              <a:xfrm>
+                <a:off x="5107254" y="3232722"/>
+                <a:ext cx="2225862" cy="3024364"/>
+                <a:chOff x="5107254" y="3232722"/>
+                <a:chExt cx="2225862" cy="3024364"/>
+              </a:xfrm>
+            </p:grpSpPr>
+            <p:grpSp>
+              <p:nvGrpSpPr>
+                <p:cNvPr id="90" name="グループ化 89">
+                  <a:extLst>
+                    <a:ext uri="{FF2B5EF4-FFF2-40B4-BE49-F238E27FC236}">
+                      <a16:creationId xmlns:a16="http://schemas.microsoft.com/office/drawing/2014/main" id="{ACF2D842-2827-4CEF-B231-3C960C030CE7}"/>
+                    </a:ext>
+                  </a:extLst>
+                </p:cNvPr>
+                <p:cNvGrpSpPr/>
+                <p:nvPr/>
+              </p:nvGrpSpPr>
+              <p:grpSpPr>
+                <a:xfrm>
+                  <a:off x="5107254" y="3232722"/>
+                  <a:ext cx="494195" cy="3024364"/>
+                  <a:chOff x="2586255" y="2226953"/>
+                  <a:chExt cx="494195" cy="3024364"/>
+                </a:xfrm>
+              </p:grpSpPr>
+              <p:sp>
+                <p:nvSpPr>
+                  <p:cNvPr id="122" name="楕円 121">
+                    <a:extLst>
+                      <a:ext uri="{FF2B5EF4-FFF2-40B4-BE49-F238E27FC236}">
+                        <a16:creationId xmlns:a16="http://schemas.microsoft.com/office/drawing/2014/main" id="{B6F0FD62-FE42-4850-A1AD-E62DFD26B6C7}"/>
+                      </a:ext>
+                    </a:extLst>
+                  </p:cNvPr>
+                  <p:cNvSpPr/>
+                  <p:nvPr/>
+                </p:nvSpPr>
+                <p:spPr>
+                  <a:xfrm>
+                    <a:off x="2586255" y="2226953"/>
+                    <a:ext cx="360726" cy="369333"/>
+                  </a:xfrm>
+                  <a:prstGeom prst="ellipse">
+                    <a:avLst/>
+                  </a:prstGeom>
+                  <a:noFill/>
+                  <a:ln>
+                    <a:solidFill>
+                      <a:schemeClr val="tx1"/>
+                    </a:solidFill>
+                  </a:ln>
+                </p:spPr>
+                <p:style>
+                  <a:lnRef idx="2">
+                    <a:schemeClr val="accent1">
+                      <a:shade val="50000"/>
+                    </a:schemeClr>
+                  </a:lnRef>
+                  <a:fillRef idx="1">
+                    <a:schemeClr val="accent1"/>
+                  </a:fillRef>
+                  <a:effectRef idx="0">
+                    <a:schemeClr val="accent1"/>
+                  </a:effectRef>
+                  <a:fontRef idx="minor">
+                    <a:schemeClr val="lt1"/>
+                  </a:fontRef>
+                </p:style>
+                <p:txBody>
+                  <a:bodyPr rtlCol="0" anchor="ctr"/>
+                  <a:lstStyle/>
+                  <a:p>
+                    <a:pPr algn="ctr"/>
+                    <a:endParaRPr kumimoji="1" lang="ja-JP" altLang="en-US"/>
+                  </a:p>
+                </p:txBody>
+              </p:sp>
+              <p:sp>
+                <p:nvSpPr>
+                  <p:cNvPr id="123" name="楕円 122">
+                    <a:extLst>
+                      <a:ext uri="{FF2B5EF4-FFF2-40B4-BE49-F238E27FC236}">
+                        <a16:creationId xmlns:a16="http://schemas.microsoft.com/office/drawing/2014/main" id="{C8BCCCEC-75DC-4ABF-A53C-E8165371FB50}"/>
+                      </a:ext>
+                    </a:extLst>
+                  </p:cNvPr>
+                  <p:cNvSpPr/>
+                  <p:nvPr/>
+                </p:nvSpPr>
+                <p:spPr>
+                  <a:xfrm>
+                    <a:off x="2619035" y="2795600"/>
+                    <a:ext cx="360726" cy="369333"/>
+                  </a:xfrm>
+                  <a:prstGeom prst="ellipse">
+                    <a:avLst/>
+                  </a:prstGeom>
+                  <a:noFill/>
+                  <a:ln>
+                    <a:solidFill>
+                      <a:schemeClr val="tx1"/>
+                    </a:solidFill>
+                  </a:ln>
+                </p:spPr>
+                <p:style>
+                  <a:lnRef idx="2">
+                    <a:schemeClr val="accent1">
+                      <a:shade val="50000"/>
+                    </a:schemeClr>
+                  </a:lnRef>
+                  <a:fillRef idx="1">
+                    <a:schemeClr val="accent1"/>
+                  </a:fillRef>
+                  <a:effectRef idx="0">
+                    <a:schemeClr val="accent1"/>
+                  </a:effectRef>
+                  <a:fontRef idx="minor">
+                    <a:schemeClr val="lt1"/>
+                  </a:fontRef>
+                </p:style>
+                <p:txBody>
+                  <a:bodyPr rtlCol="0" anchor="ctr"/>
+                  <a:lstStyle/>
+                  <a:p>
+                    <a:pPr algn="ctr"/>
+                    <a:endParaRPr kumimoji="1" lang="ja-JP" altLang="en-US"/>
+                  </a:p>
+                </p:txBody>
+              </p:sp>
+              <p:sp>
+                <p:nvSpPr>
+                  <p:cNvPr id="124" name="楕円 123">
+                    <a:extLst>
+                      <a:ext uri="{FF2B5EF4-FFF2-40B4-BE49-F238E27FC236}">
+                        <a16:creationId xmlns:a16="http://schemas.microsoft.com/office/drawing/2014/main" id="{C0612216-B9C9-49B8-8940-11BA67BC313D}"/>
+                      </a:ext>
+                    </a:extLst>
+                  </p:cNvPr>
+                  <p:cNvSpPr/>
+                  <p:nvPr/>
+                </p:nvSpPr>
+                <p:spPr>
+                  <a:xfrm>
+                    <a:off x="2633615" y="4881984"/>
+                    <a:ext cx="360726" cy="369333"/>
+                  </a:xfrm>
+                  <a:prstGeom prst="ellipse">
+                    <a:avLst/>
+                  </a:prstGeom>
+                  <a:noFill/>
+                  <a:ln>
+                    <a:solidFill>
+                      <a:schemeClr val="tx1"/>
+                    </a:solidFill>
+                  </a:ln>
+                </p:spPr>
+                <p:style>
+                  <a:lnRef idx="2">
+                    <a:schemeClr val="accent1">
+                      <a:shade val="50000"/>
+                    </a:schemeClr>
+                  </a:lnRef>
+                  <a:fillRef idx="1">
+                    <a:schemeClr val="accent1"/>
+                  </a:fillRef>
+                  <a:effectRef idx="0">
+                    <a:schemeClr val="accent1"/>
+                  </a:effectRef>
+                  <a:fontRef idx="minor">
+                    <a:schemeClr val="lt1"/>
+                  </a:fontRef>
+                </p:style>
+                <p:txBody>
+                  <a:bodyPr rtlCol="0" anchor="ctr"/>
+                  <a:lstStyle/>
+                  <a:p>
+                    <a:pPr algn="ctr"/>
+                    <a:endParaRPr kumimoji="1" lang="ja-JP" altLang="en-US"/>
+                  </a:p>
+                </p:txBody>
+              </p:sp>
+              <p:sp>
+                <p:nvSpPr>
+                  <p:cNvPr id="126" name="テキスト ボックス 125">
+                    <a:extLst>
+                      <a:ext uri="{FF2B5EF4-FFF2-40B4-BE49-F238E27FC236}">
+                        <a16:creationId xmlns:a16="http://schemas.microsoft.com/office/drawing/2014/main" id="{039E9040-8513-4EC4-A8B5-B3738BC9E6D4}"/>
+                      </a:ext>
+                    </a:extLst>
+                  </p:cNvPr>
+                  <p:cNvSpPr txBox="1"/>
+                  <p:nvPr/>
+                </p:nvSpPr>
+                <p:spPr>
+                  <a:xfrm>
+                    <a:off x="2591090" y="3725040"/>
+                    <a:ext cx="489360" cy="561227"/>
+                  </a:xfrm>
+                  <a:prstGeom prst="rect">
+                    <a:avLst/>
+                  </a:prstGeom>
+                  <a:noFill/>
+                </p:spPr>
+                <p:txBody>
+                  <a:bodyPr vert="eaVert" wrap="square" rtlCol="0">
+                    <a:spAutoFit/>
+                  </a:bodyPr>
+                  <a:lstStyle/>
+                  <a:p>
+                    <a:r>
+                      <a:rPr lang="ja-JP" altLang="en-US" sz="1200" dirty="0"/>
+                      <a:t>・ ・ ・</a:t>
+                    </a:r>
+                    <a:endParaRPr kumimoji="1" lang="ja-JP" altLang="en-US" sz="1200" dirty="0"/>
+                  </a:p>
+                </p:txBody>
+              </p:sp>
+            </p:grpSp>
+            <p:sp>
+              <p:nvSpPr>
+                <p:cNvPr id="68" name="楕円 67">
+                  <a:extLst>
+                    <a:ext uri="{FF2B5EF4-FFF2-40B4-BE49-F238E27FC236}">
+                      <a16:creationId xmlns:a16="http://schemas.microsoft.com/office/drawing/2014/main" id="{32C567D9-CEF0-4FDB-BADF-C7B905334D15}"/>
+                    </a:ext>
+                  </a:extLst>
+                </p:cNvPr>
+                <p:cNvSpPr/>
+                <p:nvPr/>
+              </p:nvSpPr>
+              <p:spPr>
+                <a:xfrm>
+                  <a:off x="6882075" y="3639804"/>
+                  <a:ext cx="360726" cy="369333"/>
+                </a:xfrm>
+                <a:prstGeom prst="ellipse">
+                  <a:avLst/>
+                </a:prstGeom>
+                <a:noFill/>
+                <a:ln>
+                  <a:solidFill>
+                    <a:schemeClr val="tx1"/>
+                  </a:solidFill>
+                </a:ln>
+              </p:spPr>
+              <p:style>
+                <a:lnRef idx="2">
+                  <a:schemeClr val="accent1">
+                    <a:shade val="50000"/>
+                  </a:schemeClr>
+                </a:lnRef>
+                <a:fillRef idx="1">
+                  <a:schemeClr val="accent1"/>
+                </a:fillRef>
+                <a:effectRef idx="0">
+                  <a:schemeClr val="accent1"/>
+                </a:effectRef>
+                <a:fontRef idx="minor">
+                  <a:schemeClr val="lt1"/>
+                </a:fontRef>
+              </p:style>
+              <p:txBody>
+                <a:bodyPr rtlCol="0" anchor="ctr"/>
+                <a:lstStyle/>
+                <a:p>
+                  <a:pPr algn="ctr"/>
+                  <a:endParaRPr kumimoji="1" lang="ja-JP" altLang="en-US"/>
+                </a:p>
+              </p:txBody>
+            </p:sp>
+            <p:sp>
+              <p:nvSpPr>
+                <p:cNvPr id="69" name="楕円 68">
+                  <a:extLst>
+                    <a:ext uri="{FF2B5EF4-FFF2-40B4-BE49-F238E27FC236}">
+                      <a16:creationId xmlns:a16="http://schemas.microsoft.com/office/drawing/2014/main" id="{D4FFDD2E-1069-4B60-A621-93D8874753AA}"/>
+                    </a:ext>
+                  </a:extLst>
+                </p:cNvPr>
+                <p:cNvSpPr/>
+                <p:nvPr/>
+              </p:nvSpPr>
+              <p:spPr>
+                <a:xfrm>
+                  <a:off x="6882075" y="4147599"/>
+                  <a:ext cx="360726" cy="369333"/>
+                </a:xfrm>
+                <a:prstGeom prst="ellipse">
+                  <a:avLst/>
+                </a:prstGeom>
+                <a:noFill/>
+                <a:ln>
+                  <a:solidFill>
+                    <a:schemeClr val="tx1"/>
+                  </a:solidFill>
+                </a:ln>
+              </p:spPr>
+              <p:style>
+                <a:lnRef idx="2">
+                  <a:schemeClr val="accent1">
+                    <a:shade val="50000"/>
+                  </a:schemeClr>
+                </a:lnRef>
+                <a:fillRef idx="1">
+                  <a:schemeClr val="accent1"/>
+                </a:fillRef>
+                <a:effectRef idx="0">
+                  <a:schemeClr val="accent1"/>
+                </a:effectRef>
+                <a:fontRef idx="minor">
+                  <a:schemeClr val="lt1"/>
+                </a:fontRef>
+              </p:style>
+              <p:txBody>
+                <a:bodyPr rtlCol="0" anchor="ctr"/>
+                <a:lstStyle/>
+                <a:p>
+                  <a:pPr algn="ctr"/>
+                  <a:endParaRPr kumimoji="1" lang="ja-JP" altLang="en-US"/>
+                </a:p>
+              </p:txBody>
+            </p:sp>
+            <p:sp>
+              <p:nvSpPr>
+                <p:cNvPr id="70" name="楕円 69">
+                  <a:extLst>
+                    <a:ext uri="{FF2B5EF4-FFF2-40B4-BE49-F238E27FC236}">
+                      <a16:creationId xmlns:a16="http://schemas.microsoft.com/office/drawing/2014/main" id="{D9445AF9-C5D6-4F2A-95F5-5E26CFC9974E}"/>
+                    </a:ext>
+                  </a:extLst>
+                </p:cNvPr>
+                <p:cNvSpPr/>
+                <p:nvPr/>
+              </p:nvSpPr>
+              <p:spPr>
+                <a:xfrm>
+                  <a:off x="6896655" y="5103303"/>
+                  <a:ext cx="360726" cy="369333"/>
+                </a:xfrm>
+                <a:prstGeom prst="ellipse">
+                  <a:avLst/>
+                </a:prstGeom>
+                <a:noFill/>
+                <a:ln>
+                  <a:solidFill>
+                    <a:schemeClr val="tx1"/>
+                  </a:solidFill>
+                </a:ln>
+              </p:spPr>
+              <p:style>
+                <a:lnRef idx="2">
+                  <a:schemeClr val="accent1">
+                    <a:shade val="50000"/>
+                  </a:schemeClr>
+                </a:lnRef>
+                <a:fillRef idx="1">
+                  <a:schemeClr val="accent1"/>
+                </a:fillRef>
+                <a:effectRef idx="0">
+                  <a:schemeClr val="accent1"/>
+                </a:effectRef>
+                <a:fontRef idx="minor">
+                  <a:schemeClr val="lt1"/>
+                </a:fontRef>
+              </p:style>
+              <p:txBody>
+                <a:bodyPr rtlCol="0" anchor="ctr"/>
+                <a:lstStyle/>
+                <a:p>
+                  <a:pPr algn="ctr"/>
+                  <a:endParaRPr kumimoji="1" lang="ja-JP" altLang="en-US"/>
+                </a:p>
+              </p:txBody>
+            </p:sp>
+            <p:sp>
+              <p:nvSpPr>
+                <p:cNvPr id="71" name="テキスト ボックス 70">
+                  <a:extLst>
+                    <a:ext uri="{FF2B5EF4-FFF2-40B4-BE49-F238E27FC236}">
+                      <a16:creationId xmlns:a16="http://schemas.microsoft.com/office/drawing/2014/main" id="{DC93F606-773E-4415-A2CD-059BBAE49690}"/>
+                    </a:ext>
+                  </a:extLst>
+                </p:cNvPr>
+                <p:cNvSpPr txBox="1"/>
+                <p:nvPr/>
+              </p:nvSpPr>
+              <p:spPr>
+                <a:xfrm>
+                  <a:off x="6843756" y="4503519"/>
+                  <a:ext cx="489360" cy="561227"/>
+                </a:xfrm>
+                <a:prstGeom prst="rect">
+                  <a:avLst/>
+                </a:prstGeom>
+                <a:noFill/>
+              </p:spPr>
+              <p:txBody>
+                <a:bodyPr vert="eaVert" wrap="square" rtlCol="0">
+                  <a:spAutoFit/>
+                </a:bodyPr>
+                <a:lstStyle/>
+                <a:p>
+                  <a:r>
+                    <a:rPr lang="ja-JP" altLang="en-US" sz="1200" dirty="0"/>
+                    <a:t>・ ・ ・</a:t>
+                  </a:r>
+                  <a:endParaRPr kumimoji="1" lang="ja-JP" altLang="en-US" sz="1200" dirty="0"/>
+                </a:p>
+              </p:txBody>
+            </p:sp>
+            <p:cxnSp>
+              <p:nvCxnSpPr>
+                <p:cNvPr id="72" name="直線コネクタ 71">
+                  <a:extLst>
+                    <a:ext uri="{FF2B5EF4-FFF2-40B4-BE49-F238E27FC236}">
+                      <a16:creationId xmlns:a16="http://schemas.microsoft.com/office/drawing/2014/main" id="{0FC6CEB9-8D8D-4626-A1D0-B3565B86CD3C}"/>
+                    </a:ext>
+                  </a:extLst>
+                </p:cNvPr>
+                <p:cNvCxnSpPr>
+                  <a:cxnSpLocks/>
+                  <a:stCxn id="122" idx="6"/>
+                  <a:endCxn id="68" idx="2"/>
+                </p:cNvCxnSpPr>
+                <p:nvPr/>
+              </p:nvCxnSpPr>
+              <p:spPr>
+                <a:xfrm>
+                  <a:off x="5467981" y="3417388"/>
+                  <a:ext cx="1414094" cy="407082"/>
+                </a:xfrm>
+                <a:prstGeom prst="line">
+                  <a:avLst/>
+                </a:prstGeom>
+                <a:ln w="12700">
+                  <a:solidFill>
+                    <a:schemeClr val="tx1"/>
+                  </a:solidFill>
+                  <a:headEnd type="triangle"/>
+                  <a:tailEnd type="triangle"/>
+                </a:ln>
+              </p:spPr>
+              <p:style>
+                <a:lnRef idx="1">
+                  <a:schemeClr val="accent1"/>
+                </a:lnRef>
+                <a:fillRef idx="0">
+                  <a:schemeClr val="accent1"/>
+                </a:fillRef>
+                <a:effectRef idx="0">
+                  <a:schemeClr val="accent1"/>
+                </a:effectRef>
+                <a:fontRef idx="minor">
+                  <a:schemeClr val="tx1"/>
+                </a:fontRef>
+              </p:style>
+            </p:cxnSp>
+            <p:cxnSp>
+              <p:nvCxnSpPr>
+                <p:cNvPr id="73" name="直線コネクタ 72">
+                  <a:extLst>
+                    <a:ext uri="{FF2B5EF4-FFF2-40B4-BE49-F238E27FC236}">
+                      <a16:creationId xmlns:a16="http://schemas.microsoft.com/office/drawing/2014/main" id="{103BC08D-AF35-4B4C-BBCC-8C2E603298FF}"/>
+                    </a:ext>
+                  </a:extLst>
+                </p:cNvPr>
+                <p:cNvCxnSpPr>
+                  <a:cxnSpLocks/>
+                  <a:stCxn id="122" idx="6"/>
+                  <a:endCxn id="69" idx="2"/>
+                </p:cNvCxnSpPr>
+                <p:nvPr/>
+              </p:nvCxnSpPr>
+              <p:spPr>
+                <a:xfrm>
+                  <a:off x="5467981" y="3417388"/>
+                  <a:ext cx="1414094" cy="914877"/>
+                </a:xfrm>
+                <a:prstGeom prst="line">
+                  <a:avLst/>
+                </a:prstGeom>
+                <a:ln w="12700">
+                  <a:solidFill>
+                    <a:schemeClr val="tx1"/>
+                  </a:solidFill>
+                  <a:headEnd type="triangle"/>
+                  <a:tailEnd type="triangle"/>
+                </a:ln>
+              </p:spPr>
+              <p:style>
+                <a:lnRef idx="1">
+                  <a:schemeClr val="accent1"/>
+                </a:lnRef>
+                <a:fillRef idx="0">
+                  <a:schemeClr val="accent1"/>
+                </a:fillRef>
+                <a:effectRef idx="0">
+                  <a:schemeClr val="accent1"/>
+                </a:effectRef>
+                <a:fontRef idx="minor">
+                  <a:schemeClr val="tx1"/>
+                </a:fontRef>
+              </p:style>
+            </p:cxnSp>
+            <p:cxnSp>
+              <p:nvCxnSpPr>
+                <p:cNvPr id="74" name="直線コネクタ 73">
+                  <a:extLst>
+                    <a:ext uri="{FF2B5EF4-FFF2-40B4-BE49-F238E27FC236}">
+                      <a16:creationId xmlns:a16="http://schemas.microsoft.com/office/drawing/2014/main" id="{588ABEA6-5ABF-4247-8E7C-C65778AD506A}"/>
+                    </a:ext>
+                  </a:extLst>
+                </p:cNvPr>
+                <p:cNvCxnSpPr>
+                  <a:cxnSpLocks/>
+                  <a:stCxn id="123" idx="6"/>
+                  <a:endCxn id="68" idx="2"/>
+                </p:cNvCxnSpPr>
+                <p:nvPr/>
+              </p:nvCxnSpPr>
+              <p:spPr>
+                <a:xfrm flipV="1">
+                  <a:off x="5500761" y="3824470"/>
+                  <a:ext cx="1381313" cy="161565"/>
+                </a:xfrm>
+                <a:prstGeom prst="line">
+                  <a:avLst/>
+                </a:prstGeom>
+                <a:ln w="12700">
+                  <a:solidFill>
+                    <a:schemeClr val="tx1"/>
+                  </a:solidFill>
+                  <a:headEnd type="triangle"/>
+                  <a:tailEnd type="triangle"/>
+                </a:ln>
+              </p:spPr>
+              <p:style>
+                <a:lnRef idx="1">
+                  <a:schemeClr val="accent1"/>
+                </a:lnRef>
+                <a:fillRef idx="0">
+                  <a:schemeClr val="accent1"/>
+                </a:fillRef>
+                <a:effectRef idx="0">
+                  <a:schemeClr val="accent1"/>
+                </a:effectRef>
+                <a:fontRef idx="minor">
+                  <a:schemeClr val="tx1"/>
+                </a:fontRef>
+              </p:style>
+            </p:cxnSp>
+            <p:cxnSp>
+              <p:nvCxnSpPr>
+                <p:cNvPr id="75" name="直線コネクタ 74">
+                  <a:extLst>
+                    <a:ext uri="{FF2B5EF4-FFF2-40B4-BE49-F238E27FC236}">
+                      <a16:creationId xmlns:a16="http://schemas.microsoft.com/office/drawing/2014/main" id="{7503B8EC-549D-4457-BA5E-B6D50CF8E67F}"/>
+                    </a:ext>
+                  </a:extLst>
+                </p:cNvPr>
+                <p:cNvCxnSpPr>
+                  <a:cxnSpLocks/>
+                  <a:stCxn id="123" idx="6"/>
+                  <a:endCxn id="69" idx="2"/>
+                </p:cNvCxnSpPr>
+                <p:nvPr/>
+              </p:nvCxnSpPr>
+              <p:spPr>
+                <a:xfrm>
+                  <a:off x="5500761" y="3986035"/>
+                  <a:ext cx="1381313" cy="346230"/>
+                </a:xfrm>
+                <a:prstGeom prst="line">
+                  <a:avLst/>
+                </a:prstGeom>
+                <a:ln w="12700">
+                  <a:solidFill>
+                    <a:schemeClr val="tx1"/>
+                  </a:solidFill>
+                </a:ln>
+              </p:spPr>
+              <p:style>
+                <a:lnRef idx="1">
+                  <a:schemeClr val="accent1"/>
+                </a:lnRef>
+                <a:fillRef idx="0">
+                  <a:schemeClr val="accent1"/>
+                </a:fillRef>
+                <a:effectRef idx="0">
+                  <a:schemeClr val="accent1"/>
+                </a:effectRef>
+                <a:fontRef idx="minor">
+                  <a:schemeClr val="tx1"/>
+                </a:fontRef>
+              </p:style>
+            </p:cxnSp>
+            <p:cxnSp>
+              <p:nvCxnSpPr>
+                <p:cNvPr id="76" name="直線コネクタ 75">
+                  <a:extLst>
+                    <a:ext uri="{FF2B5EF4-FFF2-40B4-BE49-F238E27FC236}">
+                      <a16:creationId xmlns:a16="http://schemas.microsoft.com/office/drawing/2014/main" id="{DA4519C2-8379-41D4-ADEC-D4CCD7780127}"/>
+                    </a:ext>
+                  </a:extLst>
+                </p:cNvPr>
+                <p:cNvCxnSpPr>
+                  <a:cxnSpLocks/>
+                  <a:stCxn id="124" idx="6"/>
+                  <a:endCxn id="68" idx="2"/>
+                </p:cNvCxnSpPr>
+                <p:nvPr/>
+              </p:nvCxnSpPr>
+              <p:spPr>
+                <a:xfrm flipV="1">
+                  <a:off x="5515341" y="3824470"/>
+                  <a:ext cx="1366733" cy="2247950"/>
+                </a:xfrm>
+                <a:prstGeom prst="line">
+                  <a:avLst/>
+                </a:prstGeom>
+                <a:ln w="12700">
+                  <a:solidFill>
+                    <a:schemeClr val="tx1"/>
+                  </a:solidFill>
+                  <a:headEnd type="triangle"/>
+                  <a:tailEnd type="triangle"/>
+                </a:ln>
+              </p:spPr>
+              <p:style>
+                <a:lnRef idx="1">
+                  <a:schemeClr val="accent1"/>
+                </a:lnRef>
+                <a:fillRef idx="0">
+                  <a:schemeClr val="accent1"/>
+                </a:fillRef>
+                <a:effectRef idx="0">
+                  <a:schemeClr val="accent1"/>
+                </a:effectRef>
+                <a:fontRef idx="minor">
+                  <a:schemeClr val="tx1"/>
+                </a:fontRef>
+              </p:style>
+            </p:cxnSp>
+            <p:cxnSp>
+              <p:nvCxnSpPr>
+                <p:cNvPr id="77" name="直線コネクタ 76">
+                  <a:extLst>
+                    <a:ext uri="{FF2B5EF4-FFF2-40B4-BE49-F238E27FC236}">
+                      <a16:creationId xmlns:a16="http://schemas.microsoft.com/office/drawing/2014/main" id="{2B59082F-0F44-4422-BA14-0A7EAF0EC2D8}"/>
+                    </a:ext>
+                  </a:extLst>
+                </p:cNvPr>
+                <p:cNvCxnSpPr>
+                  <a:cxnSpLocks/>
+                  <a:stCxn id="124" idx="6"/>
+                  <a:endCxn id="69" idx="2"/>
+                </p:cNvCxnSpPr>
+                <p:nvPr/>
+              </p:nvCxnSpPr>
+              <p:spPr>
+                <a:xfrm flipV="1">
+                  <a:off x="5515341" y="4332265"/>
+                  <a:ext cx="1366733" cy="1740155"/>
+                </a:xfrm>
+                <a:prstGeom prst="line">
+                  <a:avLst/>
+                </a:prstGeom>
+                <a:ln w="12700">
+                  <a:solidFill>
+                    <a:schemeClr val="tx1"/>
+                  </a:solidFill>
+                  <a:headEnd type="triangle"/>
+                  <a:tailEnd type="triangle"/>
+                </a:ln>
+              </p:spPr>
+              <p:style>
+                <a:lnRef idx="1">
+                  <a:schemeClr val="accent1"/>
+                </a:lnRef>
+                <a:fillRef idx="0">
+                  <a:schemeClr val="accent1"/>
+                </a:fillRef>
+                <a:effectRef idx="0">
+                  <a:schemeClr val="accent1"/>
+                </a:effectRef>
+                <a:fontRef idx="minor">
+                  <a:schemeClr val="tx1"/>
+                </a:fontRef>
+              </p:style>
+            </p:cxnSp>
+          </p:grpSp>
+        </p:grpSp>
+      </p:grpSp>
+      <p:sp>
+        <p:nvSpPr>
+          <p:cNvPr id="3" name="テキスト ボックス 2">
+            <a:extLst>
+              <a:ext uri="{FF2B5EF4-FFF2-40B4-BE49-F238E27FC236}">
+                <a16:creationId xmlns:a16="http://schemas.microsoft.com/office/drawing/2014/main" id="{8FBBBE14-F03D-4E0D-BDBE-16D24E19DF78}"/>
+              </a:ext>
+            </a:extLst>
+          </p:cNvPr>
+          <p:cNvSpPr txBox="1"/>
+          <p:nvPr/>
+        </p:nvSpPr>
+        <p:spPr>
+          <a:xfrm>
+            <a:off x="9404059" y="6236437"/>
+            <a:ext cx="2210862" cy="369332"/>
+          </a:xfrm>
+          <a:prstGeom prst="rect">
+            <a:avLst/>
+          </a:prstGeom>
+          <a:noFill/>
+        </p:spPr>
+        <p:txBody>
+          <a:bodyPr wrap="none" rtlCol="0">
+            <a:spAutoFit/>
+          </a:bodyPr>
+          <a:lstStyle/>
+          <a:p>
+            <a:r>
+              <a:rPr kumimoji="1" lang="en-US" altLang="ja-JP" dirty="0"/>
+              <a:t>extract from </a:t>
+            </a:r>
+            <a:r>
+              <a:rPr kumimoji="1" lang="ja-JP" altLang="en-US" dirty="0"/>
+              <a:t>間宮陸</a:t>
+            </a:r>
+          </a:p>
+        </p:txBody>
+      </p:sp>
+      <p:sp>
+        <p:nvSpPr>
+          <p:cNvPr id="4" name="テキスト ボックス 3">
+            <a:extLst>
+              <a:ext uri="{FF2B5EF4-FFF2-40B4-BE49-F238E27FC236}">
+                <a16:creationId xmlns:a16="http://schemas.microsoft.com/office/drawing/2014/main" id="{7FB830B7-D9FF-4452-B832-B84255D7FEAE}"/>
+              </a:ext>
+            </a:extLst>
+          </p:cNvPr>
+          <p:cNvSpPr txBox="1"/>
+          <p:nvPr/>
+        </p:nvSpPr>
+        <p:spPr>
+          <a:xfrm>
+            <a:off x="4601286" y="6271148"/>
+            <a:ext cx="1390124" cy="369332"/>
+          </a:xfrm>
+          <a:prstGeom prst="rect">
+            <a:avLst/>
+          </a:prstGeom>
+          <a:noFill/>
+        </p:spPr>
+        <p:txBody>
+          <a:bodyPr wrap="none" rtlCol="0">
+            <a:spAutoFit/>
+          </a:bodyPr>
+          <a:lstStyle/>
+          <a:p>
+            <a:r>
+              <a:rPr kumimoji="1" lang="en-US" altLang="ja-JP"/>
+              <a:t>RBM</a:t>
+            </a:r>
+            <a:r>
+              <a:rPr kumimoji="1" lang="ja-JP" altLang="en-US" dirty="0"/>
+              <a:t>の様子</a:t>
+            </a:r>
+          </a:p>
+        </p:txBody>
+      </p:sp>
+    </p:spTree>
+    <p:extLst>
+      <p:ext uri="{BB962C8B-B14F-4D97-AF65-F5344CB8AC3E}">
+        <p14:creationId xmlns:p14="http://schemas.microsoft.com/office/powerpoint/2010/main" val="2870896467"/>
+      </p:ext>
+    </p:extLst>
+  </p:cSld>
+  <p:clrMapOvr>
+    <a:masterClrMapping/>
+  </p:clrMapOvr>
+</p:sld>
+</file>
+
+<file path=ppt/slides/slide5.xml><?xml version="1.0" encoding="utf-8"?>
+<p:sld xmlns:a="http://schemas.openxmlformats.org/drawingml/2006/main" xmlns:r="http://schemas.openxmlformats.org/officeDocument/2006/relationships" xmlns:p="http://schemas.openxmlformats.org/presentationml/2006/main">
+  <p:cSld>
+    <p:spTree>
+      <p:nvGrpSpPr>
+        <p:cNvPr id="1" name=""/>
+        <p:cNvGrpSpPr/>
+        <p:nvPr/>
+      </p:nvGrpSpPr>
+      <p:grpSpPr>
+        <a:xfrm>
+          <a:off x="0" y="0"/>
+          <a:ext cx="0" cy="0"/>
+          <a:chOff x="0" y="0"/>
+          <a:chExt cx="0" cy="0"/>
+        </a:xfrm>
+      </p:grpSpPr>
+      <p:sp>
+        <p:nvSpPr>
+          <p:cNvPr id="6" name="テキスト ボックス 5">
+            <a:extLst>
+              <a:ext uri="{FF2B5EF4-FFF2-40B4-BE49-F238E27FC236}">
+                <a16:creationId xmlns:a16="http://schemas.microsoft.com/office/drawing/2014/main" id="{6B551181-2C66-4A19-BFC6-2ADD5F37BB92}"/>
+              </a:ext>
+            </a:extLst>
+          </p:cNvPr>
+          <p:cNvSpPr txBox="1"/>
+          <p:nvPr/>
+        </p:nvSpPr>
+        <p:spPr>
+          <a:xfrm>
+            <a:off x="868543" y="924630"/>
+            <a:ext cx="5574201" cy="461665"/>
+          </a:xfrm>
+          <a:prstGeom prst="rect">
+            <a:avLst/>
+          </a:prstGeom>
+          <a:noFill/>
+        </p:spPr>
+        <p:txBody>
+          <a:bodyPr wrap="square" rtlCol="0">
+            <a:spAutoFit/>
+          </a:bodyPr>
+          <a:lstStyle/>
+          <a:p>
+            <a:r>
+              <a:rPr kumimoji="1" lang="en-US" altLang="ja-JP" sz="2400" dirty="0"/>
+              <a:t>DBN</a:t>
+            </a:r>
+            <a:endParaRPr kumimoji="1" lang="ja-JP" altLang="en-US" sz="2400" dirty="0"/>
+          </a:p>
+        </p:txBody>
+      </p:sp>
+      <p:sp>
+        <p:nvSpPr>
+          <p:cNvPr id="2" name="テキスト ボックス 1">
+            <a:extLst>
+              <a:ext uri="{FF2B5EF4-FFF2-40B4-BE49-F238E27FC236}">
+                <a16:creationId xmlns:a16="http://schemas.microsoft.com/office/drawing/2014/main" id="{A0F39BA3-32F4-460B-A00F-65C4BCEF5823}"/>
+              </a:ext>
+            </a:extLst>
+          </p:cNvPr>
+          <p:cNvSpPr txBox="1"/>
+          <p:nvPr/>
+        </p:nvSpPr>
+        <p:spPr>
+          <a:xfrm>
+            <a:off x="1774580" y="1590584"/>
+            <a:ext cx="7287572" cy="2308324"/>
+          </a:xfrm>
+          <a:prstGeom prst="rect">
+            <a:avLst/>
+          </a:prstGeom>
+          <a:noFill/>
+        </p:spPr>
+        <p:txBody>
+          <a:bodyPr wrap="none" rtlCol="0">
+            <a:spAutoFit/>
+          </a:bodyPr>
+          <a:lstStyle/>
+          <a:p>
+            <a:pPr marL="285750" indent="-285750">
+              <a:buFont typeface="Arial" panose="020B0604020202020204" pitchFamily="34" charset="0"/>
+              <a:buChar char="•"/>
+            </a:pPr>
+            <a:r>
+              <a:rPr lang="en-US" altLang="ja-JP" dirty="0"/>
+              <a:t>DBN </a:t>
+            </a:r>
+            <a:r>
+              <a:rPr lang="ja-JP" altLang="en-US" dirty="0"/>
+              <a:t>・・・ </a:t>
+            </a:r>
+            <a:r>
+              <a:rPr lang="en-US" altLang="ja-JP" dirty="0"/>
+              <a:t>RBM</a:t>
+            </a:r>
+            <a:r>
+              <a:rPr lang="ja-JP" altLang="en-US" dirty="0"/>
+              <a:t>を重ねたもの</a:t>
+            </a:r>
+            <a:r>
+              <a:rPr lang="en-US" altLang="ja-JP" dirty="0"/>
+              <a:t>.</a:t>
+            </a:r>
+          </a:p>
+          <a:p>
+            <a:pPr marL="285750" indent="-285750">
+              <a:buFont typeface="Arial" panose="020B0604020202020204" pitchFamily="34" charset="0"/>
+              <a:buChar char="•"/>
+            </a:pPr>
+            <a:endParaRPr lang="en-US" altLang="ja-JP" dirty="0"/>
+          </a:p>
+          <a:p>
+            <a:pPr marL="285750" indent="-285750">
+              <a:buFont typeface="Arial" panose="020B0604020202020204" pitchFamily="34" charset="0"/>
+              <a:buChar char="•"/>
+            </a:pPr>
+            <a:r>
+              <a:rPr lang="ja-JP" altLang="en-US" dirty="0"/>
+              <a:t>今回は</a:t>
+            </a:r>
+            <a:r>
+              <a:rPr lang="en-US" altLang="ja-JP" dirty="0"/>
+              <a:t>1-3</a:t>
+            </a:r>
+            <a:r>
+              <a:rPr lang="ja-JP" altLang="en-US" dirty="0"/>
+              <a:t>層で両方向的な学習をする</a:t>
+            </a:r>
+            <a:endParaRPr lang="en-US" altLang="ja-JP" dirty="0"/>
+          </a:p>
+          <a:p>
+            <a:r>
+              <a:rPr lang="ja-JP" altLang="en-US" dirty="0"/>
+              <a:t>　　</a:t>
+            </a:r>
+            <a:endParaRPr lang="en-US" altLang="ja-JP" dirty="0"/>
+          </a:p>
+          <a:p>
+            <a:pPr marL="285750" indent="-285750">
+              <a:buFont typeface="Arial" panose="020B0604020202020204" pitchFamily="34" charset="0"/>
+              <a:buChar char="•"/>
+            </a:pPr>
+            <a:r>
+              <a:rPr lang="en-US" altLang="ja-JP" dirty="0"/>
+              <a:t>4</a:t>
+            </a:r>
+            <a:r>
+              <a:rPr lang="ja-JP" altLang="en-US" dirty="0"/>
+              <a:t>層目は構成した</a:t>
+            </a:r>
+            <a:r>
+              <a:rPr lang="en-US" altLang="ja-JP" dirty="0"/>
+              <a:t>RBM</a:t>
+            </a:r>
+            <a:r>
+              <a:rPr lang="ja-JP" altLang="en-US" dirty="0"/>
+              <a:t>の重みとバイアスを</a:t>
+            </a:r>
+            <a:r>
+              <a:rPr lang="en-US" altLang="ja-JP" dirty="0"/>
+              <a:t>,</a:t>
+            </a:r>
+          </a:p>
+          <a:p>
+            <a:r>
+              <a:rPr lang="ja-JP" altLang="en-US" dirty="0"/>
+              <a:t>　　元の画像と生成した画像の再構成誤差が最小になるように更新する</a:t>
+            </a:r>
+            <a:r>
+              <a:rPr lang="en-US" altLang="ja-JP" dirty="0"/>
+              <a:t>.</a:t>
+            </a:r>
+          </a:p>
+          <a:p>
+            <a:pPr marL="285750" indent="-285750">
+              <a:buFont typeface="Arial" panose="020B0604020202020204" pitchFamily="34" charset="0"/>
+              <a:buChar char="•"/>
+            </a:pPr>
+            <a:endParaRPr lang="en-US" altLang="ja-JP" dirty="0"/>
+          </a:p>
+          <a:p>
+            <a:pPr marL="285750" indent="-285750">
+              <a:buFont typeface="Arial" panose="020B0604020202020204" pitchFamily="34" charset="0"/>
+              <a:buChar char="•"/>
+            </a:pPr>
+            <a:r>
+              <a:rPr lang="en-US" altLang="ja-JP" dirty="0"/>
+              <a:t>4</a:t>
+            </a:r>
+            <a:r>
+              <a:rPr lang="ja-JP" altLang="en-US" dirty="0"/>
+              <a:t>層目は全結合層的な役割を果たす</a:t>
+            </a:r>
+            <a:r>
+              <a:rPr lang="en-US" altLang="ja-JP" dirty="0"/>
+              <a:t>.</a:t>
+            </a:r>
+          </a:p>
+        </p:txBody>
+      </p:sp>
+      <p:sp>
+        <p:nvSpPr>
+          <p:cNvPr id="4" name="テキスト ボックス 3">
+            <a:extLst>
+              <a:ext uri="{FF2B5EF4-FFF2-40B4-BE49-F238E27FC236}">
+                <a16:creationId xmlns:a16="http://schemas.microsoft.com/office/drawing/2014/main" id="{7FB830B7-D9FF-4452-B832-B84255D7FEAE}"/>
+              </a:ext>
+            </a:extLst>
+          </p:cNvPr>
+          <p:cNvSpPr txBox="1"/>
+          <p:nvPr/>
+        </p:nvSpPr>
+        <p:spPr>
+          <a:xfrm>
+            <a:off x="5067917" y="6278294"/>
+            <a:ext cx="1364476" cy="369332"/>
+          </a:xfrm>
+          <a:prstGeom prst="rect">
+            <a:avLst/>
+          </a:prstGeom>
+          <a:noFill/>
+        </p:spPr>
+        <p:txBody>
+          <a:bodyPr wrap="none" rtlCol="0">
+            <a:spAutoFit/>
+          </a:bodyPr>
+          <a:lstStyle/>
+          <a:p>
+            <a:r>
+              <a:rPr kumimoji="1" lang="en-US" altLang="ja-JP" dirty="0"/>
+              <a:t>DBN</a:t>
+            </a:r>
+            <a:r>
+              <a:rPr kumimoji="1" lang="ja-JP" altLang="en-US" dirty="0"/>
+              <a:t>の様子</a:t>
+            </a:r>
+          </a:p>
+        </p:txBody>
+      </p:sp>
+      <p:grpSp>
+        <p:nvGrpSpPr>
+          <p:cNvPr id="27" name="グループ化 26">
+            <a:extLst>
+              <a:ext uri="{FF2B5EF4-FFF2-40B4-BE49-F238E27FC236}">
+                <a16:creationId xmlns:a16="http://schemas.microsoft.com/office/drawing/2014/main" id="{90AB480D-DC8A-4910-B621-6B0104EE6750}"/>
+              </a:ext>
+            </a:extLst>
+          </p:cNvPr>
+          <p:cNvGrpSpPr/>
+          <p:nvPr/>
+        </p:nvGrpSpPr>
+        <p:grpSpPr>
+          <a:xfrm>
+            <a:off x="3898223" y="3980906"/>
+            <a:ext cx="4053218" cy="2208243"/>
+            <a:chOff x="1962655" y="3232722"/>
+            <a:chExt cx="5370461" cy="3024752"/>
+          </a:xfrm>
+        </p:grpSpPr>
+        <p:cxnSp>
+          <p:nvCxnSpPr>
+            <p:cNvPr id="28" name="直線コネクタ 27">
+              <a:extLst>
+                <a:ext uri="{FF2B5EF4-FFF2-40B4-BE49-F238E27FC236}">
+                  <a16:creationId xmlns:a16="http://schemas.microsoft.com/office/drawing/2014/main" id="{A9249EE0-31CA-407A-B291-957F8B5A8BDE}"/>
+                </a:ext>
+              </a:extLst>
+            </p:cNvPr>
+            <p:cNvCxnSpPr>
+              <a:cxnSpLocks/>
+              <a:stCxn id="94" idx="6"/>
+              <a:endCxn id="36" idx="2"/>
+            </p:cNvCxnSpPr>
+            <p:nvPr/>
+          </p:nvCxnSpPr>
+          <p:spPr>
+            <a:xfrm flipV="1">
+              <a:off x="5515341" y="5287970"/>
+              <a:ext cx="1381314" cy="784450"/>
+            </a:xfrm>
+            <a:prstGeom prst="line">
+              <a:avLst/>
+            </a:prstGeom>
+            <a:ln w="12700">
+              <a:solidFill>
+                <a:schemeClr val="tx1"/>
+              </a:solidFill>
+              <a:headEnd type="none"/>
+              <a:tailEnd type="triangle"/>
+            </a:ln>
+          </p:spPr>
+          <p:style>
+            <a:lnRef idx="1">
+              <a:schemeClr val="accent1"/>
+            </a:lnRef>
+            <a:fillRef idx="0">
+              <a:schemeClr val="accent1"/>
+            </a:fillRef>
+            <a:effectRef idx="0">
+              <a:schemeClr val="accent1"/>
+            </a:effectRef>
+            <a:fontRef idx="minor">
+              <a:schemeClr val="tx1"/>
+            </a:fontRef>
+          </p:style>
+        </p:cxnSp>
+        <p:grpSp>
+          <p:nvGrpSpPr>
+            <p:cNvPr id="29" name="グループ化 28">
+              <a:extLst>
+                <a:ext uri="{FF2B5EF4-FFF2-40B4-BE49-F238E27FC236}">
+                  <a16:creationId xmlns:a16="http://schemas.microsoft.com/office/drawing/2014/main" id="{A4828C9C-0420-4323-86FA-D0F8CACB5C24}"/>
+                </a:ext>
+              </a:extLst>
+            </p:cNvPr>
+            <p:cNvGrpSpPr/>
+            <p:nvPr/>
+          </p:nvGrpSpPr>
+          <p:grpSpPr>
+            <a:xfrm>
+              <a:off x="1962655" y="3232722"/>
+              <a:ext cx="5370461" cy="3024752"/>
+              <a:chOff x="1962655" y="3232722"/>
+              <a:chExt cx="5370461" cy="3024752"/>
+            </a:xfrm>
+          </p:grpSpPr>
+          <p:cxnSp>
+            <p:nvCxnSpPr>
+              <p:cNvPr id="30" name="直線コネクタ 29">
+                <a:extLst>
+                  <a:ext uri="{FF2B5EF4-FFF2-40B4-BE49-F238E27FC236}">
+                    <a16:creationId xmlns:a16="http://schemas.microsoft.com/office/drawing/2014/main" id="{4653B7C1-D736-414F-8FE1-D65F685509EC}"/>
+                  </a:ext>
+                </a:extLst>
+              </p:cNvPr>
+              <p:cNvCxnSpPr>
+                <a:cxnSpLocks/>
+                <a:stCxn id="92" idx="6"/>
+                <a:endCxn id="36" idx="2"/>
+              </p:cNvCxnSpPr>
+              <p:nvPr/>
+            </p:nvCxnSpPr>
+            <p:spPr>
+              <a:xfrm>
+                <a:off x="5467981" y="3417388"/>
+                <a:ext cx="1428674" cy="1870581"/>
+              </a:xfrm>
+              <a:prstGeom prst="line">
+                <a:avLst/>
+              </a:prstGeom>
+              <a:ln w="12700">
+                <a:solidFill>
+                  <a:schemeClr val="tx1"/>
+                </a:solidFill>
+                <a:headEnd type="none"/>
+                <a:tailEnd type="triangle"/>
+              </a:ln>
+            </p:spPr>
+            <p:style>
+              <a:lnRef idx="1">
+                <a:schemeClr val="accent1"/>
+              </a:lnRef>
+              <a:fillRef idx="0">
+                <a:schemeClr val="accent1"/>
+              </a:fillRef>
+              <a:effectRef idx="0">
+                <a:schemeClr val="accent1"/>
+              </a:effectRef>
+              <a:fontRef idx="minor">
+                <a:schemeClr val="tx1"/>
+              </a:fontRef>
+            </p:style>
+          </p:cxnSp>
+          <p:cxnSp>
+            <p:nvCxnSpPr>
+              <p:cNvPr id="31" name="直線コネクタ 30">
+                <a:extLst>
+                  <a:ext uri="{FF2B5EF4-FFF2-40B4-BE49-F238E27FC236}">
+                    <a16:creationId xmlns:a16="http://schemas.microsoft.com/office/drawing/2014/main" id="{43719E51-A495-47B8-AC41-4BF6BA6FE427}"/>
+                  </a:ext>
+                </a:extLst>
+              </p:cNvPr>
+              <p:cNvCxnSpPr>
+                <a:cxnSpLocks/>
+                <a:stCxn id="93" idx="6"/>
+                <a:endCxn id="36" idx="2"/>
+              </p:cNvCxnSpPr>
+              <p:nvPr/>
+            </p:nvCxnSpPr>
+            <p:spPr>
+              <a:xfrm>
+                <a:off x="5500761" y="3986035"/>
+                <a:ext cx="1395894" cy="1301934"/>
+              </a:xfrm>
+              <a:prstGeom prst="line">
+                <a:avLst/>
+              </a:prstGeom>
+              <a:ln w="12700">
+                <a:solidFill>
+                  <a:schemeClr val="tx1"/>
+                </a:solidFill>
+                <a:headEnd type="none"/>
+                <a:tailEnd type="triangle"/>
+              </a:ln>
+            </p:spPr>
+            <p:style>
+              <a:lnRef idx="1">
+                <a:schemeClr val="accent1"/>
+              </a:lnRef>
+              <a:fillRef idx="0">
+                <a:schemeClr val="accent1"/>
+              </a:fillRef>
+              <a:effectRef idx="0">
+                <a:schemeClr val="accent1"/>
+              </a:effectRef>
+              <a:fontRef idx="minor">
+                <a:schemeClr val="tx1"/>
+              </a:fontRef>
+            </p:style>
+          </p:cxnSp>
+          <p:grpSp>
+            <p:nvGrpSpPr>
+              <p:cNvPr id="32" name="グループ化 31">
+                <a:extLst>
+                  <a:ext uri="{FF2B5EF4-FFF2-40B4-BE49-F238E27FC236}">
+                    <a16:creationId xmlns:a16="http://schemas.microsoft.com/office/drawing/2014/main" id="{3D830427-41F6-4B17-829C-EFC0670C8125}"/>
+                  </a:ext>
+                </a:extLst>
+              </p:cNvPr>
+              <p:cNvGrpSpPr/>
+              <p:nvPr/>
+            </p:nvGrpSpPr>
+            <p:grpSpPr>
+              <a:xfrm>
+                <a:off x="1962655" y="3232722"/>
+                <a:ext cx="5370461" cy="3024752"/>
+                <a:chOff x="1962655" y="3232722"/>
+                <a:chExt cx="5370461" cy="3024752"/>
+              </a:xfrm>
+            </p:grpSpPr>
+            <p:grpSp>
+              <p:nvGrpSpPr>
+                <p:cNvPr id="33" name="グループ化 32">
+                  <a:extLst>
+                    <a:ext uri="{FF2B5EF4-FFF2-40B4-BE49-F238E27FC236}">
+                      <a16:creationId xmlns:a16="http://schemas.microsoft.com/office/drawing/2014/main" id="{9B7B81B2-F1AE-43A4-A76C-37EDBD08A616}"/>
+                    </a:ext>
+                  </a:extLst>
+                </p:cNvPr>
+                <p:cNvGrpSpPr/>
+                <p:nvPr/>
+              </p:nvGrpSpPr>
+              <p:grpSpPr>
+                <a:xfrm>
+                  <a:off x="1962655" y="3232722"/>
+                  <a:ext cx="3638794" cy="3024752"/>
+                  <a:chOff x="4177349" y="2290074"/>
+                  <a:chExt cx="3638794" cy="3024752"/>
+                </a:xfrm>
+              </p:grpSpPr>
+              <p:grpSp>
+                <p:nvGrpSpPr>
+                  <p:cNvPr id="44" name="グループ化 43">
+                    <a:extLst>
+                      <a:ext uri="{FF2B5EF4-FFF2-40B4-BE49-F238E27FC236}">
+                        <a16:creationId xmlns:a16="http://schemas.microsoft.com/office/drawing/2014/main" id="{26B62E32-A78E-42C3-9CA2-536230A59FEE}"/>
+                      </a:ext>
+                    </a:extLst>
+                  </p:cNvPr>
+                  <p:cNvGrpSpPr/>
+                  <p:nvPr/>
+                </p:nvGrpSpPr>
+                <p:grpSpPr>
+                  <a:xfrm>
+                    <a:off x="4177349" y="2290074"/>
+                    <a:ext cx="3638794" cy="3024752"/>
+                    <a:chOff x="3253054" y="2063571"/>
+                    <a:chExt cx="3638794" cy="3024752"/>
+                  </a:xfrm>
+                </p:grpSpPr>
+                <p:cxnSp>
+                  <p:nvCxnSpPr>
+                    <p:cNvPr id="46" name="直線コネクタ 45">
+                      <a:extLst>
+                        <a:ext uri="{FF2B5EF4-FFF2-40B4-BE49-F238E27FC236}">
+                          <a16:creationId xmlns:a16="http://schemas.microsoft.com/office/drawing/2014/main" id="{90EE6BB7-C663-4FC7-AC26-2398B2A5C3C2}"/>
+                        </a:ext>
+                      </a:extLst>
+                    </p:cNvPr>
+                    <p:cNvCxnSpPr>
+                      <a:cxnSpLocks/>
+                      <a:stCxn id="87" idx="6"/>
+                      <a:endCxn id="85" idx="2"/>
+                    </p:cNvCxnSpPr>
+                    <p:nvPr/>
+                  </p:nvCxnSpPr>
+                  <p:spPr>
+                    <a:xfrm>
+                      <a:off x="3657600" y="2655319"/>
+                      <a:ext cx="1491179" cy="2248338"/>
+                    </a:xfrm>
+                    <a:prstGeom prst="line">
+                      <a:avLst/>
+                    </a:prstGeom>
+                    <a:ln w="12700">
+                      <a:solidFill>
+                        <a:schemeClr val="tx1"/>
+                      </a:solidFill>
+                      <a:headEnd type="triangle"/>
+                      <a:tailEnd type="triangle"/>
+                    </a:ln>
+                  </p:spPr>
+                  <p:style>
+                    <a:lnRef idx="1">
+                      <a:schemeClr val="accent1"/>
+                    </a:lnRef>
+                    <a:fillRef idx="0">
+                      <a:schemeClr val="accent1"/>
+                    </a:fillRef>
+                    <a:effectRef idx="0">
+                      <a:schemeClr val="accent1"/>
+                    </a:effectRef>
+                    <a:fontRef idx="minor">
+                      <a:schemeClr val="tx1"/>
+                    </a:fontRef>
+                  </p:style>
+                </p:cxnSp>
+                <p:cxnSp>
+                  <p:nvCxnSpPr>
+                    <p:cNvPr id="48" name="直線コネクタ 47">
+                      <a:extLst>
+                        <a:ext uri="{FF2B5EF4-FFF2-40B4-BE49-F238E27FC236}">
+                          <a16:creationId xmlns:a16="http://schemas.microsoft.com/office/drawing/2014/main" id="{256749A6-23A6-45A4-991F-BFA10B95EC1E}"/>
+                        </a:ext>
+                      </a:extLst>
+                    </p:cNvPr>
+                    <p:cNvCxnSpPr>
+                      <a:cxnSpLocks/>
+                      <a:stCxn id="83" idx="6"/>
+                      <a:endCxn id="94" idx="2"/>
+                    </p:cNvCxnSpPr>
+                    <p:nvPr/>
+                  </p:nvCxnSpPr>
+                  <p:spPr>
+                    <a:xfrm>
+                      <a:off x="5494925" y="2253941"/>
+                      <a:ext cx="950088" cy="2649328"/>
+                    </a:xfrm>
+                    <a:prstGeom prst="line">
+                      <a:avLst/>
+                    </a:prstGeom>
+                    <a:ln w="12700">
+                      <a:solidFill>
+                        <a:schemeClr val="tx1"/>
+                      </a:solidFill>
+                      <a:headEnd type="triangle"/>
+                      <a:tailEnd type="triangle"/>
+                    </a:ln>
+                  </p:spPr>
+                  <p:style>
+                    <a:lnRef idx="1">
+                      <a:schemeClr val="accent1"/>
+                    </a:lnRef>
+                    <a:fillRef idx="0">
+                      <a:schemeClr val="accent1"/>
+                    </a:fillRef>
+                    <a:effectRef idx="0">
+                      <a:schemeClr val="accent1"/>
+                    </a:effectRef>
+                    <a:fontRef idx="minor">
+                      <a:schemeClr val="tx1"/>
+                    </a:fontRef>
+                  </p:style>
+                </p:cxnSp>
+                <p:grpSp>
+                  <p:nvGrpSpPr>
+                    <p:cNvPr id="49" name="グループ化 48">
+                      <a:extLst>
+                        <a:ext uri="{FF2B5EF4-FFF2-40B4-BE49-F238E27FC236}">
+                          <a16:creationId xmlns:a16="http://schemas.microsoft.com/office/drawing/2014/main" id="{6E91FEEB-4B77-41D5-9AC0-207522F52009}"/>
+                        </a:ext>
+                      </a:extLst>
+                    </p:cNvPr>
+                    <p:cNvGrpSpPr/>
+                    <p:nvPr/>
+                  </p:nvGrpSpPr>
+                  <p:grpSpPr>
+                    <a:xfrm>
+                      <a:off x="3253054" y="2063571"/>
+                      <a:ext cx="3638794" cy="3024752"/>
+                      <a:chOff x="3253054" y="2226843"/>
+                      <a:chExt cx="3638794" cy="3024752"/>
+                    </a:xfrm>
+                  </p:grpSpPr>
+                  <p:grpSp>
+                    <p:nvGrpSpPr>
+                      <p:cNvPr id="54" name="グループ化 53">
+                        <a:extLst>
+                          <a:ext uri="{FF2B5EF4-FFF2-40B4-BE49-F238E27FC236}">
+                            <a16:creationId xmlns:a16="http://schemas.microsoft.com/office/drawing/2014/main" id="{1BAC25AF-DA3C-4F51-B531-F848699526C8}"/>
+                          </a:ext>
+                        </a:extLst>
+                      </p:cNvPr>
+                      <p:cNvGrpSpPr/>
+                      <p:nvPr/>
+                    </p:nvGrpSpPr>
+                    <p:grpSpPr>
+                      <a:xfrm>
+                        <a:off x="6397653" y="2226843"/>
+                        <a:ext cx="494195" cy="3024364"/>
+                        <a:chOff x="2586255" y="2226953"/>
+                        <a:chExt cx="494195" cy="3024364"/>
+                      </a:xfrm>
+                    </p:grpSpPr>
+                    <p:sp>
+                      <p:nvSpPr>
+                        <p:cNvPr id="92" name="楕円 91">
+                          <a:extLst>
+                            <a:ext uri="{FF2B5EF4-FFF2-40B4-BE49-F238E27FC236}">
+                              <a16:creationId xmlns:a16="http://schemas.microsoft.com/office/drawing/2014/main" id="{0D8C67CA-ABA1-4DDF-A291-1023B9F360B8}"/>
+                            </a:ext>
+                          </a:extLst>
+                        </p:cNvPr>
+                        <p:cNvSpPr/>
+                        <p:nvPr/>
+                      </p:nvSpPr>
+                      <p:spPr>
+                        <a:xfrm>
+                          <a:off x="2586255" y="2226953"/>
+                          <a:ext cx="360726" cy="369333"/>
+                        </a:xfrm>
+                        <a:prstGeom prst="ellipse">
+                          <a:avLst/>
+                        </a:prstGeom>
+                        <a:noFill/>
+                        <a:ln>
+                          <a:solidFill>
+                            <a:schemeClr val="tx1"/>
+                          </a:solidFill>
+                        </a:ln>
+                      </p:spPr>
+                      <p:style>
+                        <a:lnRef idx="2">
+                          <a:schemeClr val="accent1">
+                            <a:shade val="50000"/>
+                          </a:schemeClr>
+                        </a:lnRef>
+                        <a:fillRef idx="1">
+                          <a:schemeClr val="accent1"/>
+                        </a:fillRef>
+                        <a:effectRef idx="0">
+                          <a:schemeClr val="accent1"/>
+                        </a:effectRef>
+                        <a:fontRef idx="minor">
+                          <a:schemeClr val="lt1"/>
+                        </a:fontRef>
+                      </p:style>
+                      <p:txBody>
+                        <a:bodyPr rtlCol="0" anchor="ctr"/>
+                        <a:lstStyle/>
+                        <a:p>
+                          <a:pPr algn="ctr"/>
+                          <a:endParaRPr kumimoji="1" lang="ja-JP" altLang="en-US"/>
+                        </a:p>
+                      </p:txBody>
+                    </p:sp>
+                    <p:sp>
+                      <p:nvSpPr>
+                        <p:cNvPr id="93" name="楕円 92">
+                          <a:extLst>
+                            <a:ext uri="{FF2B5EF4-FFF2-40B4-BE49-F238E27FC236}">
+                              <a16:creationId xmlns:a16="http://schemas.microsoft.com/office/drawing/2014/main" id="{050A8055-9F39-46DD-8605-CC08AEAE9AFF}"/>
+                            </a:ext>
+                          </a:extLst>
+                        </p:cNvPr>
+                        <p:cNvSpPr/>
+                        <p:nvPr/>
+                      </p:nvSpPr>
+                      <p:spPr>
+                        <a:xfrm>
+                          <a:off x="2619035" y="2795600"/>
+                          <a:ext cx="360726" cy="369333"/>
+                        </a:xfrm>
+                        <a:prstGeom prst="ellipse">
+                          <a:avLst/>
+                        </a:prstGeom>
+                        <a:noFill/>
+                        <a:ln>
+                          <a:solidFill>
+                            <a:schemeClr val="tx1"/>
+                          </a:solidFill>
+                        </a:ln>
+                      </p:spPr>
+                      <p:style>
+                        <a:lnRef idx="2">
+                          <a:schemeClr val="accent1">
+                            <a:shade val="50000"/>
+                          </a:schemeClr>
+                        </a:lnRef>
+                        <a:fillRef idx="1">
+                          <a:schemeClr val="accent1"/>
+                        </a:fillRef>
+                        <a:effectRef idx="0">
+                          <a:schemeClr val="accent1"/>
+                        </a:effectRef>
+                        <a:fontRef idx="minor">
+                          <a:schemeClr val="lt1"/>
+                        </a:fontRef>
+                      </p:style>
+                      <p:txBody>
+                        <a:bodyPr rtlCol="0" anchor="ctr"/>
+                        <a:lstStyle/>
+                        <a:p>
+                          <a:pPr algn="ctr"/>
+                          <a:endParaRPr kumimoji="1" lang="ja-JP" altLang="en-US"/>
+                        </a:p>
+                      </p:txBody>
+                    </p:sp>
+                    <p:sp>
+                      <p:nvSpPr>
+                        <p:cNvPr id="94" name="楕円 93">
+                          <a:extLst>
+                            <a:ext uri="{FF2B5EF4-FFF2-40B4-BE49-F238E27FC236}">
+                              <a16:creationId xmlns:a16="http://schemas.microsoft.com/office/drawing/2014/main" id="{D66D5D91-81DF-4456-B9C2-8CAA0CBE6759}"/>
+                            </a:ext>
+                          </a:extLst>
+                        </p:cNvPr>
+                        <p:cNvSpPr/>
+                        <p:nvPr/>
+                      </p:nvSpPr>
+                      <p:spPr>
+                        <a:xfrm>
+                          <a:off x="2633615" y="4881984"/>
+                          <a:ext cx="360726" cy="369333"/>
+                        </a:xfrm>
+                        <a:prstGeom prst="ellipse">
+                          <a:avLst/>
+                        </a:prstGeom>
+                        <a:noFill/>
+                        <a:ln>
+                          <a:solidFill>
+                            <a:schemeClr val="tx1"/>
+                          </a:solidFill>
+                        </a:ln>
+                      </p:spPr>
+                      <p:style>
+                        <a:lnRef idx="2">
+                          <a:schemeClr val="accent1">
+                            <a:shade val="50000"/>
+                          </a:schemeClr>
+                        </a:lnRef>
+                        <a:fillRef idx="1">
+                          <a:schemeClr val="accent1"/>
+                        </a:fillRef>
+                        <a:effectRef idx="0">
+                          <a:schemeClr val="accent1"/>
+                        </a:effectRef>
+                        <a:fontRef idx="minor">
+                          <a:schemeClr val="lt1"/>
+                        </a:fontRef>
+                      </p:style>
+                      <p:txBody>
+                        <a:bodyPr rtlCol="0" anchor="ctr"/>
+                        <a:lstStyle/>
+                        <a:p>
+                          <a:pPr algn="ctr"/>
+                          <a:endParaRPr kumimoji="1" lang="ja-JP" altLang="en-US"/>
+                        </a:p>
+                      </p:txBody>
+                    </p:sp>
+                    <p:sp>
+                      <p:nvSpPr>
+                        <p:cNvPr id="95" name="テキスト ボックス 94">
+                          <a:extLst>
+                            <a:ext uri="{FF2B5EF4-FFF2-40B4-BE49-F238E27FC236}">
+                              <a16:creationId xmlns:a16="http://schemas.microsoft.com/office/drawing/2014/main" id="{67B9E463-F138-454B-80FA-35A9AD2C9B2F}"/>
+                            </a:ext>
+                          </a:extLst>
+                        </p:cNvPr>
+                        <p:cNvSpPr txBox="1"/>
+                        <p:nvPr/>
+                      </p:nvSpPr>
+                      <p:spPr>
+                        <a:xfrm>
+                          <a:off x="2591090" y="3725040"/>
+                          <a:ext cx="489360" cy="561227"/>
+                        </a:xfrm>
+                        <a:prstGeom prst="rect">
+                          <a:avLst/>
+                        </a:prstGeom>
+                        <a:noFill/>
+                      </p:spPr>
+                      <p:txBody>
+                        <a:bodyPr vert="eaVert" wrap="square" rtlCol="0">
+                          <a:spAutoFit/>
+                        </a:bodyPr>
+                        <a:lstStyle/>
+                        <a:p>
+                          <a:r>
+                            <a:rPr lang="ja-JP" altLang="en-US" sz="1200" dirty="0"/>
+                            <a:t>・ ・ ・</a:t>
+                          </a:r>
+                          <a:endParaRPr kumimoji="1" lang="ja-JP" altLang="en-US" sz="1200" dirty="0"/>
+                        </a:p>
+                      </p:txBody>
+                    </p:sp>
+                  </p:grpSp>
+                  <p:grpSp>
+                    <p:nvGrpSpPr>
+                      <p:cNvPr id="55" name="グループ化 54">
+                        <a:extLst>
+                          <a:ext uri="{FF2B5EF4-FFF2-40B4-BE49-F238E27FC236}">
+                            <a16:creationId xmlns:a16="http://schemas.microsoft.com/office/drawing/2014/main" id="{E46D7911-8557-47D6-BE8C-EBB8E863BAF8}"/>
+                          </a:ext>
+                        </a:extLst>
+                      </p:cNvPr>
+                      <p:cNvGrpSpPr/>
+                      <p:nvPr/>
+                    </p:nvGrpSpPr>
+                    <p:grpSpPr>
+                      <a:xfrm>
+                        <a:off x="3253054" y="2232547"/>
+                        <a:ext cx="3191959" cy="3019048"/>
+                        <a:chOff x="3253054" y="2232547"/>
+                        <a:chExt cx="3191959" cy="3019048"/>
+                      </a:xfrm>
+                    </p:grpSpPr>
+                    <p:grpSp>
+                      <p:nvGrpSpPr>
+                        <p:cNvPr id="56" name="グループ化 55">
+                          <a:extLst>
+                            <a:ext uri="{FF2B5EF4-FFF2-40B4-BE49-F238E27FC236}">
+                              <a16:creationId xmlns:a16="http://schemas.microsoft.com/office/drawing/2014/main" id="{264FCC9C-0D03-4954-A722-EA92D594060C}"/>
+                            </a:ext>
+                          </a:extLst>
+                        </p:cNvPr>
+                        <p:cNvGrpSpPr/>
+                        <p:nvPr/>
+                      </p:nvGrpSpPr>
+                      <p:grpSpPr>
+                        <a:xfrm>
+                          <a:off x="3253054" y="2633925"/>
+                          <a:ext cx="489361" cy="2112074"/>
+                          <a:chOff x="3253054" y="2633925"/>
+                          <a:chExt cx="489361" cy="2112074"/>
+                        </a:xfrm>
+                      </p:grpSpPr>
+                      <p:sp>
+                        <p:nvSpPr>
+                          <p:cNvPr id="87" name="楕円 86">
+                            <a:extLst>
+                              <a:ext uri="{FF2B5EF4-FFF2-40B4-BE49-F238E27FC236}">
+                                <a16:creationId xmlns:a16="http://schemas.microsoft.com/office/drawing/2014/main" id="{A61E36C3-669A-4609-846C-32CC3510998E}"/>
+                              </a:ext>
+                            </a:extLst>
+                          </p:cNvPr>
+                          <p:cNvSpPr/>
+                          <p:nvPr/>
+                        </p:nvSpPr>
+                        <p:spPr>
+                          <a:xfrm>
+                            <a:off x="3296874" y="2633925"/>
+                            <a:ext cx="360726" cy="369333"/>
+                          </a:xfrm>
+                          <a:prstGeom prst="ellipse">
+                            <a:avLst/>
+                          </a:prstGeom>
+                          <a:noFill/>
+                          <a:ln>
+                            <a:solidFill>
+                              <a:schemeClr val="tx1"/>
+                            </a:solidFill>
+                          </a:ln>
+                        </p:spPr>
+                        <p:style>
+                          <a:lnRef idx="2">
+                            <a:schemeClr val="accent1">
+                              <a:shade val="50000"/>
+                            </a:schemeClr>
+                          </a:lnRef>
+                          <a:fillRef idx="1">
+                            <a:schemeClr val="accent1"/>
+                          </a:fillRef>
+                          <a:effectRef idx="0">
+                            <a:schemeClr val="accent1"/>
+                          </a:effectRef>
+                          <a:fontRef idx="minor">
+                            <a:schemeClr val="lt1"/>
+                          </a:fontRef>
+                        </p:style>
+                        <p:txBody>
+                          <a:bodyPr rtlCol="0" anchor="ctr"/>
+                          <a:lstStyle/>
+                          <a:p>
+                            <a:pPr algn="ctr"/>
+                            <a:endParaRPr kumimoji="1" lang="ja-JP" altLang="en-US"/>
+                          </a:p>
+                        </p:txBody>
+                      </p:sp>
+                      <p:sp>
+                        <p:nvSpPr>
+                          <p:cNvPr id="88" name="楕円 87">
+                            <a:extLst>
+                              <a:ext uri="{FF2B5EF4-FFF2-40B4-BE49-F238E27FC236}">
+                                <a16:creationId xmlns:a16="http://schemas.microsoft.com/office/drawing/2014/main" id="{FDBC29A7-1691-4133-B45F-1F54C62F2604}"/>
+                              </a:ext>
+                            </a:extLst>
+                          </p:cNvPr>
+                          <p:cNvSpPr/>
+                          <p:nvPr/>
+                        </p:nvSpPr>
+                        <p:spPr>
+                          <a:xfrm>
+                            <a:off x="3296874" y="3141721"/>
+                            <a:ext cx="360726" cy="369333"/>
+                          </a:xfrm>
+                          <a:prstGeom prst="ellipse">
+                            <a:avLst/>
+                          </a:prstGeom>
+                          <a:noFill/>
+                          <a:ln>
+                            <a:solidFill>
+                              <a:schemeClr val="tx1"/>
+                            </a:solidFill>
+                          </a:ln>
+                        </p:spPr>
+                        <p:style>
+                          <a:lnRef idx="2">
+                            <a:schemeClr val="accent1">
+                              <a:shade val="50000"/>
+                            </a:schemeClr>
+                          </a:lnRef>
+                          <a:fillRef idx="1">
+                            <a:schemeClr val="accent1"/>
+                          </a:fillRef>
+                          <a:effectRef idx="0">
+                            <a:schemeClr val="accent1"/>
+                          </a:effectRef>
+                          <a:fontRef idx="minor">
+                            <a:schemeClr val="lt1"/>
+                          </a:fontRef>
+                        </p:style>
+                        <p:txBody>
+                          <a:bodyPr rtlCol="0" anchor="ctr"/>
+                          <a:lstStyle/>
+                          <a:p>
+                            <a:pPr algn="ctr"/>
+                            <a:endParaRPr kumimoji="1" lang="ja-JP" altLang="en-US"/>
+                          </a:p>
+                        </p:txBody>
+                      </p:sp>
+                      <p:sp>
+                        <p:nvSpPr>
+                          <p:cNvPr id="89" name="楕円 88">
+                            <a:extLst>
+                              <a:ext uri="{FF2B5EF4-FFF2-40B4-BE49-F238E27FC236}">
+                                <a16:creationId xmlns:a16="http://schemas.microsoft.com/office/drawing/2014/main" id="{9932904F-E26C-41AA-959B-501C98E1872A}"/>
+                              </a:ext>
+                            </a:extLst>
+                          </p:cNvPr>
+                          <p:cNvSpPr/>
+                          <p:nvPr/>
+                        </p:nvSpPr>
+                        <p:spPr>
+                          <a:xfrm>
+                            <a:off x="3296873" y="4376666"/>
+                            <a:ext cx="360726" cy="369333"/>
+                          </a:xfrm>
+                          <a:prstGeom prst="ellipse">
+                            <a:avLst/>
+                          </a:prstGeom>
+                          <a:noFill/>
+                          <a:ln>
+                            <a:solidFill>
+                              <a:schemeClr val="tx1"/>
+                            </a:solidFill>
+                          </a:ln>
+                        </p:spPr>
+                        <p:style>
+                          <a:lnRef idx="2">
+                            <a:schemeClr val="accent1">
+                              <a:shade val="50000"/>
+                            </a:schemeClr>
+                          </a:lnRef>
+                          <a:fillRef idx="1">
+                            <a:schemeClr val="accent1"/>
+                          </a:fillRef>
+                          <a:effectRef idx="0">
+                            <a:schemeClr val="accent1"/>
+                          </a:effectRef>
+                          <a:fontRef idx="minor">
+                            <a:schemeClr val="lt1"/>
+                          </a:fontRef>
+                        </p:style>
+                        <p:txBody>
+                          <a:bodyPr rtlCol="0" anchor="ctr"/>
+                          <a:lstStyle/>
+                          <a:p>
+                            <a:pPr algn="ctr"/>
+                            <a:endParaRPr kumimoji="1" lang="ja-JP" altLang="en-US"/>
+                          </a:p>
+                        </p:txBody>
+                      </p:sp>
+                      <p:sp>
+                        <p:nvSpPr>
+                          <p:cNvPr id="91" name="テキスト ボックス 90">
+                            <a:extLst>
+                              <a:ext uri="{FF2B5EF4-FFF2-40B4-BE49-F238E27FC236}">
+                                <a16:creationId xmlns:a16="http://schemas.microsoft.com/office/drawing/2014/main" id="{11CF84C9-B3D5-4308-A639-CD08870ED269}"/>
+                              </a:ext>
+                            </a:extLst>
+                          </p:cNvPr>
+                          <p:cNvSpPr txBox="1"/>
+                          <p:nvPr/>
+                        </p:nvSpPr>
+                        <p:spPr>
+                          <a:xfrm>
+                            <a:off x="3253054" y="3689758"/>
+                            <a:ext cx="489361" cy="561227"/>
+                          </a:xfrm>
+                          <a:prstGeom prst="rect">
+                            <a:avLst/>
+                          </a:prstGeom>
+                          <a:noFill/>
+                        </p:spPr>
+                        <p:txBody>
+                          <a:bodyPr vert="eaVert" wrap="none" rtlCol="0">
+                            <a:spAutoFit/>
+                          </a:bodyPr>
+                          <a:lstStyle/>
+                          <a:p>
+                            <a:r>
+                              <a:rPr lang="ja-JP" altLang="en-US" sz="1200" dirty="0"/>
+                              <a:t>・ ・ ・</a:t>
+                            </a:r>
+                            <a:endParaRPr kumimoji="1" lang="ja-JP" altLang="en-US" sz="1200" dirty="0"/>
+                          </a:p>
+                        </p:txBody>
+                      </p:sp>
+                    </p:grpSp>
+                    <p:grpSp>
+                      <p:nvGrpSpPr>
+                        <p:cNvPr id="57" name="グループ化 56">
+                          <a:extLst>
+                            <a:ext uri="{FF2B5EF4-FFF2-40B4-BE49-F238E27FC236}">
+                              <a16:creationId xmlns:a16="http://schemas.microsoft.com/office/drawing/2014/main" id="{BDBF6BD3-D463-4C98-A4F9-1EDB048CAB83}"/>
+                            </a:ext>
+                          </a:extLst>
+                        </p:cNvPr>
+                        <p:cNvGrpSpPr/>
+                        <p:nvPr/>
+                      </p:nvGrpSpPr>
+                      <p:grpSpPr>
+                        <a:xfrm>
+                          <a:off x="5046203" y="2232547"/>
+                          <a:ext cx="489360" cy="3019048"/>
+                          <a:chOff x="3208878" y="2232657"/>
+                          <a:chExt cx="489360" cy="3019048"/>
+                        </a:xfrm>
+                      </p:grpSpPr>
+                      <p:sp>
+                        <p:nvSpPr>
+                          <p:cNvPr id="83" name="楕円 82">
+                            <a:extLst>
+                              <a:ext uri="{FF2B5EF4-FFF2-40B4-BE49-F238E27FC236}">
+                                <a16:creationId xmlns:a16="http://schemas.microsoft.com/office/drawing/2014/main" id="{BCAB49F5-D1DF-43A6-9814-FFAD67A41B36}"/>
+                              </a:ext>
+                            </a:extLst>
+                          </p:cNvPr>
+                          <p:cNvSpPr/>
+                          <p:nvPr/>
+                        </p:nvSpPr>
+                        <p:spPr>
+                          <a:xfrm>
+                            <a:off x="3296874" y="2232657"/>
+                            <a:ext cx="360726" cy="369333"/>
+                          </a:xfrm>
+                          <a:prstGeom prst="ellipse">
+                            <a:avLst/>
+                          </a:prstGeom>
+                          <a:noFill/>
+                          <a:ln>
+                            <a:solidFill>
+                              <a:schemeClr val="tx1"/>
+                            </a:solidFill>
+                          </a:ln>
+                        </p:spPr>
+                        <p:style>
+                          <a:lnRef idx="2">
+                            <a:schemeClr val="accent1">
+                              <a:shade val="50000"/>
+                            </a:schemeClr>
+                          </a:lnRef>
+                          <a:fillRef idx="1">
+                            <a:schemeClr val="accent1"/>
+                          </a:fillRef>
+                          <a:effectRef idx="0">
+                            <a:schemeClr val="accent1"/>
+                          </a:effectRef>
+                          <a:fontRef idx="minor">
+                            <a:schemeClr val="lt1"/>
+                          </a:fontRef>
+                        </p:style>
+                        <p:txBody>
+                          <a:bodyPr rtlCol="0" anchor="ctr"/>
+                          <a:lstStyle/>
+                          <a:p>
+                            <a:pPr algn="ctr"/>
+                            <a:endParaRPr kumimoji="1" lang="ja-JP" altLang="en-US"/>
+                          </a:p>
+                        </p:txBody>
+                      </p:sp>
+                      <p:sp>
+                        <p:nvSpPr>
+                          <p:cNvPr id="84" name="楕円 83">
+                            <a:extLst>
+                              <a:ext uri="{FF2B5EF4-FFF2-40B4-BE49-F238E27FC236}">
+                                <a16:creationId xmlns:a16="http://schemas.microsoft.com/office/drawing/2014/main" id="{D4A696EC-C637-4788-931F-4B1F6A3398D0}"/>
+                              </a:ext>
+                            </a:extLst>
+                          </p:cNvPr>
+                          <p:cNvSpPr/>
+                          <p:nvPr/>
+                        </p:nvSpPr>
+                        <p:spPr>
+                          <a:xfrm>
+                            <a:off x="3296874" y="2818701"/>
+                            <a:ext cx="360726" cy="369333"/>
+                          </a:xfrm>
+                          <a:prstGeom prst="ellipse">
+                            <a:avLst/>
+                          </a:prstGeom>
+                          <a:noFill/>
+                          <a:ln>
+                            <a:solidFill>
+                              <a:schemeClr val="tx1"/>
+                            </a:solidFill>
+                          </a:ln>
+                        </p:spPr>
+                        <p:style>
+                          <a:lnRef idx="2">
+                            <a:schemeClr val="accent1">
+                              <a:shade val="50000"/>
+                            </a:schemeClr>
+                          </a:lnRef>
+                          <a:fillRef idx="1">
+                            <a:schemeClr val="accent1"/>
+                          </a:fillRef>
+                          <a:effectRef idx="0">
+                            <a:schemeClr val="accent1"/>
+                          </a:effectRef>
+                          <a:fontRef idx="minor">
+                            <a:schemeClr val="lt1"/>
+                          </a:fontRef>
+                        </p:style>
+                        <p:txBody>
+                          <a:bodyPr rtlCol="0" anchor="ctr"/>
+                          <a:lstStyle/>
+                          <a:p>
+                            <a:pPr algn="ctr"/>
+                            <a:endParaRPr kumimoji="1" lang="ja-JP" altLang="en-US"/>
+                          </a:p>
+                        </p:txBody>
+                      </p:sp>
+                      <p:sp>
+                        <p:nvSpPr>
+                          <p:cNvPr id="85" name="楕円 84">
+                            <a:extLst>
+                              <a:ext uri="{FF2B5EF4-FFF2-40B4-BE49-F238E27FC236}">
+                                <a16:creationId xmlns:a16="http://schemas.microsoft.com/office/drawing/2014/main" id="{A7635B47-AAE4-4196-BCF4-B10E804E3675}"/>
+                              </a:ext>
+                            </a:extLst>
+                          </p:cNvPr>
+                          <p:cNvSpPr/>
+                          <p:nvPr/>
+                        </p:nvSpPr>
+                        <p:spPr>
+                          <a:xfrm>
+                            <a:off x="3311454" y="4882372"/>
+                            <a:ext cx="360726" cy="369333"/>
+                          </a:xfrm>
+                          <a:prstGeom prst="ellipse">
+                            <a:avLst/>
+                          </a:prstGeom>
+                          <a:noFill/>
+                          <a:ln>
+                            <a:solidFill>
+                              <a:schemeClr val="tx1"/>
+                            </a:solidFill>
+                          </a:ln>
+                        </p:spPr>
+                        <p:style>
+                          <a:lnRef idx="2">
+                            <a:schemeClr val="accent1">
+                              <a:shade val="50000"/>
+                            </a:schemeClr>
+                          </a:lnRef>
+                          <a:fillRef idx="1">
+                            <a:schemeClr val="accent1"/>
+                          </a:fillRef>
+                          <a:effectRef idx="0">
+                            <a:schemeClr val="accent1"/>
+                          </a:effectRef>
+                          <a:fontRef idx="minor">
+                            <a:schemeClr val="lt1"/>
+                          </a:fontRef>
+                        </p:style>
+                        <p:txBody>
+                          <a:bodyPr rtlCol="0" anchor="ctr"/>
+                          <a:lstStyle/>
+                          <a:p>
+                            <a:pPr algn="ctr"/>
+                            <a:endParaRPr kumimoji="1" lang="ja-JP" altLang="en-US"/>
+                          </a:p>
+                        </p:txBody>
+                      </p:sp>
+                      <p:sp>
+                        <p:nvSpPr>
+                          <p:cNvPr id="86" name="テキスト ボックス 85">
+                            <a:extLst>
+                              <a:ext uri="{FF2B5EF4-FFF2-40B4-BE49-F238E27FC236}">
+                                <a16:creationId xmlns:a16="http://schemas.microsoft.com/office/drawing/2014/main" id="{0390B5DF-A321-457E-8FDB-3FA3D2099A25}"/>
+                              </a:ext>
+                            </a:extLst>
+                          </p:cNvPr>
+                          <p:cNvSpPr txBox="1"/>
+                          <p:nvPr/>
+                        </p:nvSpPr>
+                        <p:spPr>
+                          <a:xfrm>
+                            <a:off x="3208878" y="3727875"/>
+                            <a:ext cx="489360" cy="561227"/>
+                          </a:xfrm>
+                          <a:prstGeom prst="rect">
+                            <a:avLst/>
+                          </a:prstGeom>
+                          <a:noFill/>
+                        </p:spPr>
+                        <p:txBody>
+                          <a:bodyPr vert="eaVert" wrap="none" rtlCol="0">
+                            <a:spAutoFit/>
+                          </a:bodyPr>
+                          <a:lstStyle/>
+                          <a:p>
+                            <a:r>
+                              <a:rPr lang="ja-JP" altLang="en-US" sz="1200" dirty="0"/>
+                              <a:t>・ ・ ・</a:t>
+                            </a:r>
+                            <a:endParaRPr kumimoji="1" lang="ja-JP" altLang="en-US" sz="1200" dirty="0"/>
+                          </a:p>
+                        </p:txBody>
+                      </p:sp>
+                    </p:grpSp>
+                    <p:cxnSp>
+                      <p:nvCxnSpPr>
+                        <p:cNvPr id="58" name="直線コネクタ 57">
+                          <a:extLst>
+                            <a:ext uri="{FF2B5EF4-FFF2-40B4-BE49-F238E27FC236}">
+                              <a16:creationId xmlns:a16="http://schemas.microsoft.com/office/drawing/2014/main" id="{DAF5B557-A019-4CB4-A395-4C0F8F5F830A}"/>
+                            </a:ext>
+                          </a:extLst>
+                        </p:cNvPr>
+                        <p:cNvCxnSpPr>
+                          <a:cxnSpLocks/>
+                          <a:stCxn id="87" idx="6"/>
+                          <a:endCxn id="83" idx="2"/>
+                        </p:cNvCxnSpPr>
+                        <p:nvPr/>
+                      </p:nvCxnSpPr>
+                      <p:spPr>
+                        <a:xfrm flipV="1">
+                          <a:off x="3657600" y="2417213"/>
+                          <a:ext cx="1476598" cy="401378"/>
+                        </a:xfrm>
+                        <a:prstGeom prst="line">
+                          <a:avLst/>
+                        </a:prstGeom>
+                        <a:ln w="12700">
+                          <a:solidFill>
+                            <a:schemeClr val="tx1"/>
+                          </a:solidFill>
+                          <a:headEnd type="triangle"/>
+                          <a:tailEnd type="triangle"/>
+                        </a:ln>
+                      </p:spPr>
+                      <p:style>
+                        <a:lnRef idx="1">
+                          <a:schemeClr val="accent1"/>
+                        </a:lnRef>
+                        <a:fillRef idx="0">
+                          <a:schemeClr val="accent1"/>
+                        </a:fillRef>
+                        <a:effectRef idx="0">
+                          <a:schemeClr val="accent1"/>
+                        </a:effectRef>
+                        <a:fontRef idx="minor">
+                          <a:schemeClr val="tx1"/>
+                        </a:fontRef>
+                      </p:style>
+                    </p:cxnSp>
+                    <p:cxnSp>
+                      <p:nvCxnSpPr>
+                        <p:cNvPr id="59" name="直線コネクタ 58">
+                          <a:extLst>
+                            <a:ext uri="{FF2B5EF4-FFF2-40B4-BE49-F238E27FC236}">
+                              <a16:creationId xmlns:a16="http://schemas.microsoft.com/office/drawing/2014/main" id="{25EB8994-5707-4017-A6D3-210FC3493678}"/>
+                            </a:ext>
+                          </a:extLst>
+                        </p:cNvPr>
+                        <p:cNvCxnSpPr>
+                          <a:cxnSpLocks/>
+                          <a:stCxn id="87" idx="6"/>
+                          <a:endCxn id="84" idx="2"/>
+                        </p:cNvCxnSpPr>
+                        <p:nvPr/>
+                      </p:nvCxnSpPr>
+                      <p:spPr>
+                        <a:xfrm>
+                          <a:off x="3657600" y="2818591"/>
+                          <a:ext cx="1476598" cy="184666"/>
+                        </a:xfrm>
+                        <a:prstGeom prst="line">
+                          <a:avLst/>
+                        </a:prstGeom>
+                        <a:ln w="12700">
+                          <a:solidFill>
+                            <a:schemeClr val="tx1"/>
+                          </a:solidFill>
+                          <a:headEnd type="triangle"/>
+                          <a:tailEnd type="triangle"/>
+                        </a:ln>
+                      </p:spPr>
+                      <p:style>
+                        <a:lnRef idx="1">
+                          <a:schemeClr val="accent1"/>
+                        </a:lnRef>
+                        <a:fillRef idx="0">
+                          <a:schemeClr val="accent1"/>
+                        </a:fillRef>
+                        <a:effectRef idx="0">
+                          <a:schemeClr val="accent1"/>
+                        </a:effectRef>
+                        <a:fontRef idx="minor">
+                          <a:schemeClr val="tx1"/>
+                        </a:fontRef>
+                      </p:style>
+                    </p:cxnSp>
+                    <p:cxnSp>
+                      <p:nvCxnSpPr>
+                        <p:cNvPr id="60" name="直線コネクタ 59">
+                          <a:extLst>
+                            <a:ext uri="{FF2B5EF4-FFF2-40B4-BE49-F238E27FC236}">
+                              <a16:creationId xmlns:a16="http://schemas.microsoft.com/office/drawing/2014/main" id="{289F062B-5FAB-4447-9B78-CE8E0BE0B220}"/>
+                            </a:ext>
+                          </a:extLst>
+                        </p:cNvPr>
+                        <p:cNvCxnSpPr>
+                          <a:cxnSpLocks/>
+                          <a:stCxn id="88" idx="6"/>
+                          <a:endCxn id="83" idx="2"/>
+                        </p:cNvCxnSpPr>
+                        <p:nvPr/>
+                      </p:nvCxnSpPr>
+                      <p:spPr>
+                        <a:xfrm flipV="1">
+                          <a:off x="3657600" y="2417213"/>
+                          <a:ext cx="1476598" cy="909174"/>
+                        </a:xfrm>
+                        <a:prstGeom prst="line">
+                          <a:avLst/>
+                        </a:prstGeom>
+                        <a:ln w="12700">
+                          <a:solidFill>
+                            <a:schemeClr val="tx1"/>
+                          </a:solidFill>
+                          <a:headEnd type="triangle"/>
+                          <a:tailEnd type="triangle"/>
+                        </a:ln>
+                      </p:spPr>
+                      <p:style>
+                        <a:lnRef idx="1">
+                          <a:schemeClr val="accent1"/>
+                        </a:lnRef>
+                        <a:fillRef idx="0">
+                          <a:schemeClr val="accent1"/>
+                        </a:fillRef>
+                        <a:effectRef idx="0">
+                          <a:schemeClr val="accent1"/>
+                        </a:effectRef>
+                        <a:fontRef idx="minor">
+                          <a:schemeClr val="tx1"/>
+                        </a:fontRef>
+                      </p:style>
+                    </p:cxnSp>
+                    <p:cxnSp>
+                      <p:nvCxnSpPr>
+                        <p:cNvPr id="62" name="直線コネクタ 61">
+                          <a:extLst>
+                            <a:ext uri="{FF2B5EF4-FFF2-40B4-BE49-F238E27FC236}">
+                              <a16:creationId xmlns:a16="http://schemas.microsoft.com/office/drawing/2014/main" id="{E343597A-9063-46C9-A44C-5337F0721B37}"/>
+                            </a:ext>
+                          </a:extLst>
+                        </p:cNvPr>
+                        <p:cNvCxnSpPr>
+                          <a:cxnSpLocks/>
+                          <a:stCxn id="88" idx="6"/>
+                          <a:endCxn id="85" idx="2"/>
+                        </p:cNvCxnSpPr>
+                        <p:nvPr/>
+                      </p:nvCxnSpPr>
+                      <p:spPr>
+                        <a:xfrm>
+                          <a:off x="3657600" y="3326387"/>
+                          <a:ext cx="1491178" cy="1740542"/>
+                        </a:xfrm>
+                        <a:prstGeom prst="line">
+                          <a:avLst/>
+                        </a:prstGeom>
+                        <a:ln w="12700">
+                          <a:solidFill>
+                            <a:schemeClr val="tx1"/>
+                          </a:solidFill>
+                          <a:headEnd type="triangle"/>
+                          <a:tailEnd type="triangle"/>
+                        </a:ln>
+                      </p:spPr>
+                      <p:style>
+                        <a:lnRef idx="1">
+                          <a:schemeClr val="accent1"/>
+                        </a:lnRef>
+                        <a:fillRef idx="0">
+                          <a:schemeClr val="accent1"/>
+                        </a:fillRef>
+                        <a:effectRef idx="0">
+                          <a:schemeClr val="accent1"/>
+                        </a:effectRef>
+                        <a:fontRef idx="minor">
+                          <a:schemeClr val="tx1"/>
+                        </a:fontRef>
+                      </p:style>
+                    </p:cxnSp>
+                    <p:cxnSp>
+                      <p:nvCxnSpPr>
+                        <p:cNvPr id="63" name="直線コネクタ 62">
+                          <a:extLst>
+                            <a:ext uri="{FF2B5EF4-FFF2-40B4-BE49-F238E27FC236}">
+                              <a16:creationId xmlns:a16="http://schemas.microsoft.com/office/drawing/2014/main" id="{490513E0-B162-4734-AD09-88EF73032DC8}"/>
+                            </a:ext>
+                          </a:extLst>
+                        </p:cNvPr>
+                        <p:cNvCxnSpPr>
+                          <a:cxnSpLocks/>
+                          <a:stCxn id="89" idx="6"/>
+                          <a:endCxn id="83" idx="2"/>
+                        </p:cNvCxnSpPr>
+                        <p:nvPr/>
+                      </p:nvCxnSpPr>
+                      <p:spPr>
+                        <a:xfrm flipV="1">
+                          <a:off x="3657599" y="2417213"/>
+                          <a:ext cx="1476600" cy="2144119"/>
+                        </a:xfrm>
+                        <a:prstGeom prst="line">
+                          <a:avLst/>
+                        </a:prstGeom>
+                        <a:ln w="12700">
+                          <a:solidFill>
+                            <a:schemeClr val="tx1"/>
+                          </a:solidFill>
+                          <a:headEnd type="triangle"/>
+                          <a:tailEnd type="triangle"/>
+                        </a:ln>
+                      </p:spPr>
+                      <p:style>
+                        <a:lnRef idx="1">
+                          <a:schemeClr val="accent1"/>
+                        </a:lnRef>
+                        <a:fillRef idx="0">
+                          <a:schemeClr val="accent1"/>
+                        </a:fillRef>
+                        <a:effectRef idx="0">
+                          <a:schemeClr val="accent1"/>
+                        </a:effectRef>
+                        <a:fontRef idx="minor">
+                          <a:schemeClr val="tx1"/>
+                        </a:fontRef>
+                      </p:style>
+                    </p:cxnSp>
+                    <p:cxnSp>
+                      <p:nvCxnSpPr>
+                        <p:cNvPr id="64" name="直線コネクタ 63">
+                          <a:extLst>
+                            <a:ext uri="{FF2B5EF4-FFF2-40B4-BE49-F238E27FC236}">
+                              <a16:creationId xmlns:a16="http://schemas.microsoft.com/office/drawing/2014/main" id="{F5493AFF-0954-4B5B-9036-B6083AC6E106}"/>
+                            </a:ext>
+                          </a:extLst>
+                        </p:cNvPr>
+                        <p:cNvCxnSpPr>
+                          <a:cxnSpLocks/>
+                          <a:stCxn id="89" idx="6"/>
+                          <a:endCxn id="85" idx="2"/>
+                        </p:cNvCxnSpPr>
+                        <p:nvPr/>
+                      </p:nvCxnSpPr>
+                      <p:spPr>
+                        <a:xfrm>
+                          <a:off x="3657599" y="4561333"/>
+                          <a:ext cx="1491180" cy="505596"/>
+                        </a:xfrm>
+                        <a:prstGeom prst="line">
+                          <a:avLst/>
+                        </a:prstGeom>
+                        <a:ln w="12700">
+                          <a:solidFill>
+                            <a:schemeClr val="tx1"/>
+                          </a:solidFill>
+                          <a:headEnd type="triangle"/>
+                          <a:tailEnd type="triangle"/>
+                        </a:ln>
+                      </p:spPr>
+                      <p:style>
+                        <a:lnRef idx="1">
+                          <a:schemeClr val="accent1"/>
+                        </a:lnRef>
+                        <a:fillRef idx="0">
+                          <a:schemeClr val="accent1"/>
+                        </a:fillRef>
+                        <a:effectRef idx="0">
+                          <a:schemeClr val="accent1"/>
+                        </a:effectRef>
+                        <a:fontRef idx="minor">
+                          <a:schemeClr val="tx1"/>
+                        </a:fontRef>
+                      </p:style>
+                    </p:cxnSp>
+                    <p:cxnSp>
+                      <p:nvCxnSpPr>
+                        <p:cNvPr id="65" name="直線コネクタ 64">
+                          <a:extLst>
+                            <a:ext uri="{FF2B5EF4-FFF2-40B4-BE49-F238E27FC236}">
+                              <a16:creationId xmlns:a16="http://schemas.microsoft.com/office/drawing/2014/main" id="{3851A01C-831B-4688-8892-17377DD80CD5}"/>
+                            </a:ext>
+                          </a:extLst>
+                        </p:cNvPr>
+                        <p:cNvCxnSpPr>
+                          <a:cxnSpLocks/>
+                          <a:stCxn id="83" idx="6"/>
+                          <a:endCxn id="92" idx="2"/>
+                        </p:cNvCxnSpPr>
+                        <p:nvPr/>
+                      </p:nvCxnSpPr>
+                      <p:spPr>
+                        <a:xfrm flipV="1">
+                          <a:off x="5494925" y="2411510"/>
+                          <a:ext cx="902728" cy="5704"/>
+                        </a:xfrm>
+                        <a:prstGeom prst="line">
+                          <a:avLst/>
+                        </a:prstGeom>
+                        <a:ln w="12700">
+                          <a:solidFill>
+                            <a:schemeClr val="tx1"/>
+                          </a:solidFill>
+                          <a:headEnd type="triangle"/>
+                          <a:tailEnd type="triangle"/>
+                        </a:ln>
+                      </p:spPr>
+                      <p:style>
+                        <a:lnRef idx="1">
+                          <a:schemeClr val="accent1"/>
+                        </a:lnRef>
+                        <a:fillRef idx="0">
+                          <a:schemeClr val="accent1"/>
+                        </a:fillRef>
+                        <a:effectRef idx="0">
+                          <a:schemeClr val="accent1"/>
+                        </a:effectRef>
+                        <a:fontRef idx="minor">
+                          <a:schemeClr val="tx1"/>
+                        </a:fontRef>
+                      </p:style>
+                    </p:cxnSp>
+                    <p:cxnSp>
+                      <p:nvCxnSpPr>
+                        <p:cNvPr id="66" name="直線コネクタ 65">
+                          <a:extLst>
+                            <a:ext uri="{FF2B5EF4-FFF2-40B4-BE49-F238E27FC236}">
+                              <a16:creationId xmlns:a16="http://schemas.microsoft.com/office/drawing/2014/main" id="{8D979423-00F0-49D0-8856-A093E510B982}"/>
+                            </a:ext>
+                          </a:extLst>
+                        </p:cNvPr>
+                        <p:cNvCxnSpPr>
+                          <a:cxnSpLocks/>
+                          <a:stCxn id="83" idx="6"/>
+                          <a:endCxn id="93" idx="2"/>
+                        </p:cNvCxnSpPr>
+                        <p:nvPr/>
+                      </p:nvCxnSpPr>
+                      <p:spPr>
+                        <a:xfrm>
+                          <a:off x="5494925" y="2417213"/>
+                          <a:ext cx="935508" cy="562943"/>
+                        </a:xfrm>
+                        <a:prstGeom prst="line">
+                          <a:avLst/>
+                        </a:prstGeom>
+                        <a:ln w="12700">
+                          <a:solidFill>
+                            <a:schemeClr val="tx1"/>
+                          </a:solidFill>
+                          <a:headEnd type="triangle"/>
+                          <a:tailEnd type="triangle"/>
+                        </a:ln>
+                      </p:spPr>
+                      <p:style>
+                        <a:lnRef idx="1">
+                          <a:schemeClr val="accent1"/>
+                        </a:lnRef>
+                        <a:fillRef idx="0">
+                          <a:schemeClr val="accent1"/>
+                        </a:fillRef>
+                        <a:effectRef idx="0">
+                          <a:schemeClr val="accent1"/>
+                        </a:effectRef>
+                        <a:fontRef idx="minor">
+                          <a:schemeClr val="tx1"/>
+                        </a:fontRef>
+                      </p:style>
+                    </p:cxnSp>
+                    <p:cxnSp>
+                      <p:nvCxnSpPr>
+                        <p:cNvPr id="67" name="直線コネクタ 66">
+                          <a:extLst>
+                            <a:ext uri="{FF2B5EF4-FFF2-40B4-BE49-F238E27FC236}">
+                              <a16:creationId xmlns:a16="http://schemas.microsoft.com/office/drawing/2014/main" id="{C026BE51-5DDA-4ADF-A804-E691922473E3}"/>
+                            </a:ext>
+                          </a:extLst>
+                        </p:cNvPr>
+                        <p:cNvCxnSpPr>
+                          <a:cxnSpLocks/>
+                          <a:stCxn id="93" idx="2"/>
+                          <a:endCxn id="84" idx="6"/>
+                        </p:cNvCxnSpPr>
+                        <p:nvPr/>
+                      </p:nvCxnSpPr>
+                      <p:spPr>
+                        <a:xfrm flipH="1">
+                          <a:off x="5494925" y="2980156"/>
+                          <a:ext cx="935508" cy="23101"/>
+                        </a:xfrm>
+                        <a:prstGeom prst="line">
+                          <a:avLst/>
+                        </a:prstGeom>
+                        <a:ln w="12700">
+                          <a:solidFill>
+                            <a:schemeClr val="tx1"/>
+                          </a:solidFill>
+                          <a:headEnd type="triangle"/>
+                          <a:tailEnd type="triangle"/>
+                        </a:ln>
+                      </p:spPr>
+                      <p:style>
+                        <a:lnRef idx="1">
+                          <a:schemeClr val="accent1"/>
+                        </a:lnRef>
+                        <a:fillRef idx="0">
+                          <a:schemeClr val="accent1"/>
+                        </a:fillRef>
+                        <a:effectRef idx="0">
+                          <a:schemeClr val="accent1"/>
+                        </a:effectRef>
+                        <a:fontRef idx="minor">
+                          <a:schemeClr val="tx1"/>
+                        </a:fontRef>
+                      </p:style>
+                    </p:cxnSp>
+                    <p:cxnSp>
+                      <p:nvCxnSpPr>
+                        <p:cNvPr id="78" name="直線コネクタ 77">
+                          <a:extLst>
+                            <a:ext uri="{FF2B5EF4-FFF2-40B4-BE49-F238E27FC236}">
+                              <a16:creationId xmlns:a16="http://schemas.microsoft.com/office/drawing/2014/main" id="{8F028528-7FEE-4618-8B33-ED8249A9A6D1}"/>
+                            </a:ext>
+                          </a:extLst>
+                        </p:cNvPr>
+                        <p:cNvCxnSpPr>
+                          <a:cxnSpLocks/>
+                          <a:stCxn id="84" idx="6"/>
+                          <a:endCxn id="94" idx="2"/>
+                        </p:cNvCxnSpPr>
+                        <p:nvPr/>
+                      </p:nvCxnSpPr>
+                      <p:spPr>
+                        <a:xfrm>
+                          <a:off x="5494925" y="3003257"/>
+                          <a:ext cx="950088" cy="2063284"/>
+                        </a:xfrm>
+                        <a:prstGeom prst="line">
+                          <a:avLst/>
+                        </a:prstGeom>
+                        <a:ln w="12700">
+                          <a:solidFill>
+                            <a:schemeClr val="tx1"/>
+                          </a:solidFill>
+                          <a:headEnd type="triangle"/>
+                          <a:tailEnd type="triangle"/>
+                        </a:ln>
+                      </p:spPr>
+                      <p:style>
+                        <a:lnRef idx="1">
+                          <a:schemeClr val="accent1"/>
+                        </a:lnRef>
+                        <a:fillRef idx="0">
+                          <a:schemeClr val="accent1"/>
+                        </a:fillRef>
+                        <a:effectRef idx="0">
+                          <a:schemeClr val="accent1"/>
+                        </a:effectRef>
+                        <a:fontRef idx="minor">
+                          <a:schemeClr val="tx1"/>
+                        </a:fontRef>
+                      </p:style>
+                    </p:cxnSp>
+                    <p:cxnSp>
+                      <p:nvCxnSpPr>
+                        <p:cNvPr id="79" name="直線コネクタ 78">
+                          <a:extLst>
+                            <a:ext uri="{FF2B5EF4-FFF2-40B4-BE49-F238E27FC236}">
+                              <a16:creationId xmlns:a16="http://schemas.microsoft.com/office/drawing/2014/main" id="{7D07CFBE-EBA1-4C4B-8405-DACD72600F9E}"/>
+                            </a:ext>
+                          </a:extLst>
+                        </p:cNvPr>
+                        <p:cNvCxnSpPr>
+                          <a:cxnSpLocks/>
+                          <a:stCxn id="85" idx="6"/>
+                          <a:endCxn id="92" idx="2"/>
+                        </p:cNvCxnSpPr>
+                        <p:nvPr/>
+                      </p:nvCxnSpPr>
+                      <p:spPr>
+                        <a:xfrm flipV="1">
+                          <a:off x="5509505" y="2411510"/>
+                          <a:ext cx="888148" cy="2655419"/>
+                        </a:xfrm>
+                        <a:prstGeom prst="line">
+                          <a:avLst/>
+                        </a:prstGeom>
+                        <a:ln w="12700">
+                          <a:solidFill>
+                            <a:schemeClr val="tx1"/>
+                          </a:solidFill>
+                          <a:headEnd type="triangle"/>
+                          <a:tailEnd type="triangle"/>
+                        </a:ln>
+                      </p:spPr>
+                      <p:style>
+                        <a:lnRef idx="1">
+                          <a:schemeClr val="accent1"/>
+                        </a:lnRef>
+                        <a:fillRef idx="0">
+                          <a:schemeClr val="accent1"/>
+                        </a:fillRef>
+                        <a:effectRef idx="0">
+                          <a:schemeClr val="accent1"/>
+                        </a:effectRef>
+                        <a:fontRef idx="minor">
+                          <a:schemeClr val="tx1"/>
+                        </a:fontRef>
+                      </p:style>
+                    </p:cxnSp>
+                    <p:cxnSp>
+                      <p:nvCxnSpPr>
+                        <p:cNvPr id="80" name="直線コネクタ 79">
+                          <a:extLst>
+                            <a:ext uri="{FF2B5EF4-FFF2-40B4-BE49-F238E27FC236}">
+                              <a16:creationId xmlns:a16="http://schemas.microsoft.com/office/drawing/2014/main" id="{E451B0EC-557F-42A4-B5F1-B09E225E55F1}"/>
+                            </a:ext>
+                          </a:extLst>
+                        </p:cNvPr>
+                        <p:cNvCxnSpPr>
+                          <a:cxnSpLocks/>
+                          <a:stCxn id="84" idx="6"/>
+                          <a:endCxn id="92" idx="2"/>
+                        </p:cNvCxnSpPr>
+                        <p:nvPr/>
+                      </p:nvCxnSpPr>
+                      <p:spPr>
+                        <a:xfrm flipV="1">
+                          <a:off x="5494925" y="2411510"/>
+                          <a:ext cx="902728" cy="591748"/>
+                        </a:xfrm>
+                        <a:prstGeom prst="line">
+                          <a:avLst/>
+                        </a:prstGeom>
+                        <a:ln w="12700">
+                          <a:solidFill>
+                            <a:schemeClr val="tx1"/>
+                          </a:solidFill>
+                          <a:headEnd type="triangle"/>
+                          <a:tailEnd type="triangle"/>
+                        </a:ln>
+                      </p:spPr>
+                      <p:style>
+                        <a:lnRef idx="1">
+                          <a:schemeClr val="accent1"/>
+                        </a:lnRef>
+                        <a:fillRef idx="0">
+                          <a:schemeClr val="accent1"/>
+                        </a:fillRef>
+                        <a:effectRef idx="0">
+                          <a:schemeClr val="accent1"/>
+                        </a:effectRef>
+                        <a:fontRef idx="minor">
+                          <a:schemeClr val="tx1"/>
+                        </a:fontRef>
+                      </p:style>
+                    </p:cxnSp>
+                    <p:cxnSp>
+                      <p:nvCxnSpPr>
+                        <p:cNvPr id="81" name="直線コネクタ 80">
+                          <a:extLst>
+                            <a:ext uri="{FF2B5EF4-FFF2-40B4-BE49-F238E27FC236}">
+                              <a16:creationId xmlns:a16="http://schemas.microsoft.com/office/drawing/2014/main" id="{9145DD07-1830-4C8D-886D-6265953D9C51}"/>
+                            </a:ext>
+                          </a:extLst>
+                        </p:cNvPr>
+                        <p:cNvCxnSpPr>
+                          <a:cxnSpLocks/>
+                          <a:stCxn id="85" idx="6"/>
+                          <a:endCxn id="94" idx="2"/>
+                        </p:cNvCxnSpPr>
+                        <p:nvPr/>
+                      </p:nvCxnSpPr>
+                      <p:spPr>
+                        <a:xfrm flipV="1">
+                          <a:off x="5509505" y="5066541"/>
+                          <a:ext cx="935508" cy="388"/>
+                        </a:xfrm>
+                        <a:prstGeom prst="line">
+                          <a:avLst/>
+                        </a:prstGeom>
+                        <a:ln w="12700">
+                          <a:solidFill>
+                            <a:schemeClr val="tx1"/>
+                          </a:solidFill>
+                          <a:headEnd type="triangle"/>
+                          <a:tailEnd type="triangle"/>
+                        </a:ln>
+                      </p:spPr>
+                      <p:style>
+                        <a:lnRef idx="1">
+                          <a:schemeClr val="accent1"/>
+                        </a:lnRef>
+                        <a:fillRef idx="0">
+                          <a:schemeClr val="accent1"/>
+                        </a:fillRef>
+                        <a:effectRef idx="0">
+                          <a:schemeClr val="accent1"/>
+                        </a:effectRef>
+                        <a:fontRef idx="minor">
+                          <a:schemeClr val="tx1"/>
+                        </a:fontRef>
+                      </p:style>
+                    </p:cxnSp>
+                    <p:cxnSp>
+                      <p:nvCxnSpPr>
+                        <p:cNvPr id="82" name="直線コネクタ 81">
+                          <a:extLst>
+                            <a:ext uri="{FF2B5EF4-FFF2-40B4-BE49-F238E27FC236}">
+                              <a16:creationId xmlns:a16="http://schemas.microsoft.com/office/drawing/2014/main" id="{B508AA76-5B73-4740-8988-0CEEA1960B73}"/>
+                            </a:ext>
+                          </a:extLst>
+                        </p:cNvPr>
+                        <p:cNvCxnSpPr>
+                          <a:cxnSpLocks/>
+                          <a:stCxn id="85" idx="6"/>
+                          <a:endCxn id="93" idx="2"/>
+                        </p:cNvCxnSpPr>
+                        <p:nvPr/>
+                      </p:nvCxnSpPr>
+                      <p:spPr>
+                        <a:xfrm flipV="1">
+                          <a:off x="5509505" y="2980156"/>
+                          <a:ext cx="920928" cy="2086772"/>
+                        </a:xfrm>
+                        <a:prstGeom prst="line">
+                          <a:avLst/>
+                        </a:prstGeom>
+                        <a:ln w="12700">
+                          <a:solidFill>
+                            <a:schemeClr val="tx1"/>
+                          </a:solidFill>
+                          <a:headEnd type="triangle"/>
+                          <a:tailEnd type="triangle"/>
+                        </a:ln>
+                      </p:spPr>
+                      <p:style>
+                        <a:lnRef idx="1">
+                          <a:schemeClr val="accent1"/>
+                        </a:lnRef>
+                        <a:fillRef idx="0">
+                          <a:schemeClr val="accent1"/>
+                        </a:fillRef>
+                        <a:effectRef idx="0">
+                          <a:schemeClr val="accent1"/>
+                        </a:effectRef>
+                        <a:fontRef idx="minor">
+                          <a:schemeClr val="tx1"/>
+                        </a:fontRef>
+                      </p:style>
+                    </p:cxnSp>
+                  </p:grpSp>
+                </p:grpSp>
+              </p:grpSp>
+              <p:cxnSp>
+                <p:nvCxnSpPr>
+                  <p:cNvPr id="45" name="直線コネクタ 44">
+                    <a:extLst>
+                      <a:ext uri="{FF2B5EF4-FFF2-40B4-BE49-F238E27FC236}">
+                        <a16:creationId xmlns:a16="http://schemas.microsoft.com/office/drawing/2014/main" id="{2D6AEF3B-537A-4E64-A946-DDAC18A3F30F}"/>
+                      </a:ext>
+                    </a:extLst>
+                  </p:cNvPr>
+                  <p:cNvCxnSpPr>
+                    <a:cxnSpLocks/>
+                    <a:stCxn id="88" idx="6"/>
+                    <a:endCxn id="84" idx="2"/>
+                  </p:cNvCxnSpPr>
+                  <p:nvPr/>
+                </p:nvCxnSpPr>
+                <p:spPr>
+                  <a:xfrm flipV="1">
+                    <a:off x="4581895" y="3066489"/>
+                    <a:ext cx="1476598" cy="323129"/>
+                  </a:xfrm>
+                  <a:prstGeom prst="line">
+                    <a:avLst/>
+                  </a:prstGeom>
+                  <a:ln w="12700">
+                    <a:solidFill>
+                      <a:schemeClr val="tx1"/>
+                    </a:solidFill>
+                    <a:headEnd type="triangle"/>
+                    <a:tailEnd type="triangle"/>
+                  </a:ln>
+                </p:spPr>
+                <p:style>
+                  <a:lnRef idx="1">
+                    <a:schemeClr val="accent1"/>
+                  </a:lnRef>
+                  <a:fillRef idx="0">
+                    <a:schemeClr val="accent1"/>
+                  </a:fillRef>
+                  <a:effectRef idx="0">
+                    <a:schemeClr val="accent1"/>
+                  </a:effectRef>
+                  <a:fontRef idx="minor">
+                    <a:schemeClr val="tx1"/>
+                  </a:fontRef>
+                </p:style>
+              </p:cxnSp>
+            </p:grpSp>
+            <p:sp>
+              <p:nvSpPr>
+                <p:cNvPr id="34" name="楕円 33">
+                  <a:extLst>
+                    <a:ext uri="{FF2B5EF4-FFF2-40B4-BE49-F238E27FC236}">
+                      <a16:creationId xmlns:a16="http://schemas.microsoft.com/office/drawing/2014/main" id="{CAD348C0-68E0-4AB5-B804-F7EAEAF735EE}"/>
+                    </a:ext>
+                  </a:extLst>
+                </p:cNvPr>
+                <p:cNvSpPr/>
+                <p:nvPr/>
+              </p:nvSpPr>
+              <p:spPr>
+                <a:xfrm>
+                  <a:off x="6882075" y="3639804"/>
+                  <a:ext cx="360726" cy="369333"/>
+                </a:xfrm>
+                <a:prstGeom prst="ellipse">
+                  <a:avLst/>
+                </a:prstGeom>
+                <a:noFill/>
+                <a:ln>
+                  <a:solidFill>
+                    <a:schemeClr val="tx1"/>
+                  </a:solidFill>
+                </a:ln>
+              </p:spPr>
+              <p:style>
+                <a:lnRef idx="2">
+                  <a:schemeClr val="accent1">
+                    <a:shade val="50000"/>
+                  </a:schemeClr>
+                </a:lnRef>
+                <a:fillRef idx="1">
+                  <a:schemeClr val="accent1"/>
+                </a:fillRef>
+                <a:effectRef idx="0">
+                  <a:schemeClr val="accent1"/>
+                </a:effectRef>
+                <a:fontRef idx="minor">
+                  <a:schemeClr val="lt1"/>
+                </a:fontRef>
+              </p:style>
+              <p:txBody>
+                <a:bodyPr rtlCol="0" anchor="ctr"/>
+                <a:lstStyle/>
+                <a:p>
+                  <a:pPr algn="ctr"/>
+                  <a:endParaRPr kumimoji="1" lang="ja-JP" altLang="en-US"/>
+                </a:p>
+              </p:txBody>
+            </p:sp>
+            <p:sp>
+              <p:nvSpPr>
+                <p:cNvPr id="35" name="楕円 34">
+                  <a:extLst>
+                    <a:ext uri="{FF2B5EF4-FFF2-40B4-BE49-F238E27FC236}">
+                      <a16:creationId xmlns:a16="http://schemas.microsoft.com/office/drawing/2014/main" id="{ABC3D470-4065-43D2-A594-26ECC68E5C91}"/>
+                    </a:ext>
+                  </a:extLst>
+                </p:cNvPr>
+                <p:cNvSpPr/>
+                <p:nvPr/>
+              </p:nvSpPr>
+              <p:spPr>
+                <a:xfrm>
+                  <a:off x="6882075" y="4147599"/>
+                  <a:ext cx="360726" cy="369333"/>
+                </a:xfrm>
+                <a:prstGeom prst="ellipse">
+                  <a:avLst/>
+                </a:prstGeom>
+                <a:noFill/>
+                <a:ln>
+                  <a:solidFill>
+                    <a:schemeClr val="tx1"/>
+                  </a:solidFill>
+                </a:ln>
+              </p:spPr>
+              <p:style>
+                <a:lnRef idx="2">
+                  <a:schemeClr val="accent1">
+                    <a:shade val="50000"/>
+                  </a:schemeClr>
+                </a:lnRef>
+                <a:fillRef idx="1">
+                  <a:schemeClr val="accent1"/>
+                </a:fillRef>
+                <a:effectRef idx="0">
+                  <a:schemeClr val="accent1"/>
+                </a:effectRef>
+                <a:fontRef idx="minor">
+                  <a:schemeClr val="lt1"/>
+                </a:fontRef>
+              </p:style>
+              <p:txBody>
+                <a:bodyPr rtlCol="0" anchor="ctr"/>
+                <a:lstStyle/>
+                <a:p>
+                  <a:pPr algn="ctr"/>
+                  <a:endParaRPr kumimoji="1" lang="ja-JP" altLang="en-US"/>
+                </a:p>
+              </p:txBody>
+            </p:sp>
+            <p:sp>
+              <p:nvSpPr>
+                <p:cNvPr id="36" name="楕円 35">
+                  <a:extLst>
+                    <a:ext uri="{FF2B5EF4-FFF2-40B4-BE49-F238E27FC236}">
+                      <a16:creationId xmlns:a16="http://schemas.microsoft.com/office/drawing/2014/main" id="{07DACF52-E372-4DB6-8E41-A9F7D12C94F0}"/>
+                    </a:ext>
+                  </a:extLst>
+                </p:cNvPr>
+                <p:cNvSpPr/>
+                <p:nvPr/>
+              </p:nvSpPr>
+              <p:spPr>
+                <a:xfrm>
+                  <a:off x="6896655" y="5103303"/>
+                  <a:ext cx="360726" cy="369333"/>
+                </a:xfrm>
+                <a:prstGeom prst="ellipse">
+                  <a:avLst/>
+                </a:prstGeom>
+                <a:noFill/>
+                <a:ln>
+                  <a:solidFill>
+                    <a:schemeClr val="tx1"/>
+                  </a:solidFill>
+                </a:ln>
+              </p:spPr>
+              <p:style>
+                <a:lnRef idx="2">
+                  <a:schemeClr val="accent1">
+                    <a:shade val="50000"/>
+                  </a:schemeClr>
+                </a:lnRef>
+                <a:fillRef idx="1">
+                  <a:schemeClr val="accent1"/>
+                </a:fillRef>
+                <a:effectRef idx="0">
+                  <a:schemeClr val="accent1"/>
+                </a:effectRef>
+                <a:fontRef idx="minor">
+                  <a:schemeClr val="lt1"/>
+                </a:fontRef>
+              </p:style>
+              <p:txBody>
+                <a:bodyPr rtlCol="0" anchor="ctr"/>
+                <a:lstStyle/>
+                <a:p>
+                  <a:pPr algn="ctr"/>
+                  <a:endParaRPr kumimoji="1" lang="ja-JP" altLang="en-US"/>
+                </a:p>
+              </p:txBody>
+            </p:sp>
+            <p:sp>
+              <p:nvSpPr>
+                <p:cNvPr id="37" name="テキスト ボックス 36">
+                  <a:extLst>
+                    <a:ext uri="{FF2B5EF4-FFF2-40B4-BE49-F238E27FC236}">
+                      <a16:creationId xmlns:a16="http://schemas.microsoft.com/office/drawing/2014/main" id="{783B8BCF-18D3-4772-BDE6-31CEC394F8BF}"/>
+                    </a:ext>
+                  </a:extLst>
+                </p:cNvPr>
+                <p:cNvSpPr txBox="1"/>
+                <p:nvPr/>
+              </p:nvSpPr>
+              <p:spPr>
+                <a:xfrm>
+                  <a:off x="6843756" y="4503519"/>
+                  <a:ext cx="489360" cy="561227"/>
+                </a:xfrm>
+                <a:prstGeom prst="rect">
+                  <a:avLst/>
+                </a:prstGeom>
+                <a:noFill/>
+              </p:spPr>
+              <p:txBody>
+                <a:bodyPr vert="eaVert" wrap="square" rtlCol="0">
+                  <a:spAutoFit/>
+                </a:bodyPr>
+                <a:lstStyle/>
+                <a:p>
+                  <a:r>
+                    <a:rPr lang="ja-JP" altLang="en-US" sz="1200" dirty="0"/>
+                    <a:t>・ ・ ・</a:t>
+                  </a:r>
+                  <a:endParaRPr kumimoji="1" lang="ja-JP" altLang="en-US" sz="1200" dirty="0"/>
+                </a:p>
+              </p:txBody>
+            </p:sp>
+            <p:cxnSp>
+              <p:nvCxnSpPr>
+                <p:cNvPr id="38" name="直線コネクタ 37">
+                  <a:extLst>
+                    <a:ext uri="{FF2B5EF4-FFF2-40B4-BE49-F238E27FC236}">
+                      <a16:creationId xmlns:a16="http://schemas.microsoft.com/office/drawing/2014/main" id="{EC925D7B-45B8-4F50-B52B-24009F8605A5}"/>
+                    </a:ext>
+                  </a:extLst>
+                </p:cNvPr>
+                <p:cNvCxnSpPr>
+                  <a:cxnSpLocks/>
+                  <a:stCxn id="92" idx="6"/>
+                  <a:endCxn id="34" idx="2"/>
+                </p:cNvCxnSpPr>
+                <p:nvPr/>
+              </p:nvCxnSpPr>
+              <p:spPr>
+                <a:xfrm>
+                  <a:off x="5467981" y="3417388"/>
+                  <a:ext cx="1414094" cy="407082"/>
+                </a:xfrm>
+                <a:prstGeom prst="line">
+                  <a:avLst/>
+                </a:prstGeom>
+                <a:ln w="12700">
+                  <a:solidFill>
+                    <a:schemeClr val="tx1"/>
+                  </a:solidFill>
+                  <a:tailEnd type="triangle"/>
+                </a:ln>
+              </p:spPr>
+              <p:style>
+                <a:lnRef idx="1">
+                  <a:schemeClr val="accent1"/>
+                </a:lnRef>
+                <a:fillRef idx="0">
+                  <a:schemeClr val="accent1"/>
+                </a:fillRef>
+                <a:effectRef idx="0">
+                  <a:schemeClr val="accent1"/>
+                </a:effectRef>
+                <a:fontRef idx="minor">
+                  <a:schemeClr val="tx1"/>
+                </a:fontRef>
+              </p:style>
+            </p:cxnSp>
+            <p:cxnSp>
+              <p:nvCxnSpPr>
+                <p:cNvPr id="39" name="直線コネクタ 38">
+                  <a:extLst>
+                    <a:ext uri="{FF2B5EF4-FFF2-40B4-BE49-F238E27FC236}">
+                      <a16:creationId xmlns:a16="http://schemas.microsoft.com/office/drawing/2014/main" id="{626DEBE8-81CA-4417-B409-F39CDDEC7076}"/>
+                    </a:ext>
+                  </a:extLst>
+                </p:cNvPr>
+                <p:cNvCxnSpPr>
+                  <a:cxnSpLocks/>
+                  <a:stCxn id="92" idx="6"/>
+                  <a:endCxn id="35" idx="2"/>
+                </p:cNvCxnSpPr>
+                <p:nvPr/>
+              </p:nvCxnSpPr>
+              <p:spPr>
+                <a:xfrm>
+                  <a:off x="5467981" y="3417388"/>
+                  <a:ext cx="1414094" cy="914877"/>
+                </a:xfrm>
+                <a:prstGeom prst="line">
+                  <a:avLst/>
+                </a:prstGeom>
+                <a:ln w="12700">
+                  <a:solidFill>
+                    <a:schemeClr val="tx1"/>
+                  </a:solidFill>
+                  <a:headEnd type="none"/>
+                  <a:tailEnd type="triangle"/>
+                </a:ln>
+              </p:spPr>
+              <p:style>
+                <a:lnRef idx="1">
+                  <a:schemeClr val="accent1"/>
+                </a:lnRef>
+                <a:fillRef idx="0">
+                  <a:schemeClr val="accent1"/>
+                </a:fillRef>
+                <a:effectRef idx="0">
+                  <a:schemeClr val="accent1"/>
+                </a:effectRef>
+                <a:fontRef idx="minor">
+                  <a:schemeClr val="tx1"/>
+                </a:fontRef>
+              </p:style>
+            </p:cxnSp>
+            <p:cxnSp>
+              <p:nvCxnSpPr>
+                <p:cNvPr id="40" name="直線コネクタ 39">
+                  <a:extLst>
+                    <a:ext uri="{FF2B5EF4-FFF2-40B4-BE49-F238E27FC236}">
+                      <a16:creationId xmlns:a16="http://schemas.microsoft.com/office/drawing/2014/main" id="{DC506BBC-130F-4A51-88B3-E4DA3F7F51CB}"/>
+                    </a:ext>
+                  </a:extLst>
+                </p:cNvPr>
+                <p:cNvCxnSpPr>
+                  <a:cxnSpLocks/>
+                  <a:stCxn id="93" idx="6"/>
+                  <a:endCxn id="34" idx="2"/>
+                </p:cNvCxnSpPr>
+                <p:nvPr/>
+              </p:nvCxnSpPr>
+              <p:spPr>
+                <a:xfrm flipV="1">
+                  <a:off x="5500761" y="3824470"/>
+                  <a:ext cx="1381313" cy="161565"/>
+                </a:xfrm>
+                <a:prstGeom prst="line">
+                  <a:avLst/>
+                </a:prstGeom>
+                <a:ln w="12700">
+                  <a:solidFill>
+                    <a:schemeClr val="tx1"/>
+                  </a:solidFill>
+                  <a:headEnd type="none"/>
+                  <a:tailEnd type="triangle"/>
+                </a:ln>
+              </p:spPr>
+              <p:style>
+                <a:lnRef idx="1">
+                  <a:schemeClr val="accent1"/>
+                </a:lnRef>
+                <a:fillRef idx="0">
+                  <a:schemeClr val="accent1"/>
+                </a:fillRef>
+                <a:effectRef idx="0">
+                  <a:schemeClr val="accent1"/>
+                </a:effectRef>
+                <a:fontRef idx="minor">
+                  <a:schemeClr val="tx1"/>
+                </a:fontRef>
+              </p:style>
+            </p:cxnSp>
+            <p:cxnSp>
+              <p:nvCxnSpPr>
+                <p:cNvPr id="41" name="直線コネクタ 40">
+                  <a:extLst>
+                    <a:ext uri="{FF2B5EF4-FFF2-40B4-BE49-F238E27FC236}">
+                      <a16:creationId xmlns:a16="http://schemas.microsoft.com/office/drawing/2014/main" id="{2199D0E4-0203-497C-9208-B3012E46C863}"/>
+                    </a:ext>
+                  </a:extLst>
+                </p:cNvPr>
+                <p:cNvCxnSpPr>
+                  <a:cxnSpLocks/>
+                  <a:stCxn id="93" idx="6"/>
+                  <a:endCxn id="35" idx="2"/>
+                </p:cNvCxnSpPr>
+                <p:nvPr/>
+              </p:nvCxnSpPr>
+              <p:spPr>
+                <a:xfrm>
+                  <a:off x="5500761" y="3986035"/>
+                  <a:ext cx="1381313" cy="346230"/>
+                </a:xfrm>
+                <a:prstGeom prst="line">
+                  <a:avLst/>
+                </a:prstGeom>
+                <a:ln w="12700">
+                  <a:solidFill>
+                    <a:schemeClr val="tx1"/>
+                  </a:solidFill>
+                  <a:headEnd type="none"/>
+                  <a:tailEnd type="triangle"/>
+                </a:ln>
+              </p:spPr>
+              <p:style>
+                <a:lnRef idx="1">
+                  <a:schemeClr val="accent1"/>
+                </a:lnRef>
+                <a:fillRef idx="0">
+                  <a:schemeClr val="accent1"/>
+                </a:fillRef>
+                <a:effectRef idx="0">
+                  <a:schemeClr val="accent1"/>
+                </a:effectRef>
+                <a:fontRef idx="minor">
+                  <a:schemeClr val="tx1"/>
+                </a:fontRef>
+              </p:style>
+            </p:cxnSp>
+            <p:cxnSp>
+              <p:nvCxnSpPr>
+                <p:cNvPr id="42" name="直線コネクタ 41">
+                  <a:extLst>
+                    <a:ext uri="{FF2B5EF4-FFF2-40B4-BE49-F238E27FC236}">
+                      <a16:creationId xmlns:a16="http://schemas.microsoft.com/office/drawing/2014/main" id="{F769E75A-25F3-4F2F-9B0D-F0C802596347}"/>
+                    </a:ext>
+                  </a:extLst>
+                </p:cNvPr>
+                <p:cNvCxnSpPr>
+                  <a:cxnSpLocks/>
+                  <a:stCxn id="94" idx="6"/>
+                  <a:endCxn id="34" idx="2"/>
+                </p:cNvCxnSpPr>
+                <p:nvPr/>
+              </p:nvCxnSpPr>
+              <p:spPr>
+                <a:xfrm flipV="1">
+                  <a:off x="5515341" y="3824470"/>
+                  <a:ext cx="1366733" cy="2247950"/>
+                </a:xfrm>
+                <a:prstGeom prst="line">
+                  <a:avLst/>
+                </a:prstGeom>
+                <a:ln w="12700">
+                  <a:solidFill>
+                    <a:schemeClr val="tx1"/>
+                  </a:solidFill>
+                  <a:headEnd type="none"/>
+                  <a:tailEnd type="triangle"/>
+                </a:ln>
+              </p:spPr>
+              <p:style>
+                <a:lnRef idx="1">
+                  <a:schemeClr val="accent1"/>
+                </a:lnRef>
+                <a:fillRef idx="0">
+                  <a:schemeClr val="accent1"/>
+                </a:fillRef>
+                <a:effectRef idx="0">
+                  <a:schemeClr val="accent1"/>
+                </a:effectRef>
+                <a:fontRef idx="minor">
+                  <a:schemeClr val="tx1"/>
+                </a:fontRef>
+              </p:style>
+            </p:cxnSp>
+            <p:cxnSp>
+              <p:nvCxnSpPr>
+                <p:cNvPr id="43" name="直線コネクタ 42">
+                  <a:extLst>
+                    <a:ext uri="{FF2B5EF4-FFF2-40B4-BE49-F238E27FC236}">
+                      <a16:creationId xmlns:a16="http://schemas.microsoft.com/office/drawing/2014/main" id="{4BDA870B-2E72-44A6-8F99-E85F4DA3670E}"/>
+                    </a:ext>
+                  </a:extLst>
+                </p:cNvPr>
+                <p:cNvCxnSpPr>
+                  <a:cxnSpLocks/>
+                  <a:stCxn id="94" idx="6"/>
+                  <a:endCxn id="35" idx="2"/>
+                </p:cNvCxnSpPr>
+                <p:nvPr/>
+              </p:nvCxnSpPr>
+              <p:spPr>
+                <a:xfrm flipV="1">
+                  <a:off x="5515341" y="4332265"/>
+                  <a:ext cx="1366733" cy="1740155"/>
+                </a:xfrm>
+                <a:prstGeom prst="line">
+                  <a:avLst/>
+                </a:prstGeom>
+                <a:ln w="12700">
+                  <a:solidFill>
+                    <a:schemeClr val="tx1"/>
+                  </a:solidFill>
+                  <a:headEnd type="none"/>
+                  <a:tailEnd type="triangle"/>
+                </a:ln>
+              </p:spPr>
+              <p:style>
+                <a:lnRef idx="1">
+                  <a:schemeClr val="accent1"/>
+                </a:lnRef>
+                <a:fillRef idx="0">
+                  <a:schemeClr val="accent1"/>
+                </a:fillRef>
+                <a:effectRef idx="0">
+                  <a:schemeClr val="accent1"/>
+                </a:effectRef>
+                <a:fontRef idx="minor">
+                  <a:schemeClr val="tx1"/>
+                </a:fontRef>
+              </p:style>
+            </p:cxnSp>
+          </p:grpSp>
+        </p:grpSp>
+      </p:grpSp>
+    </p:spTree>
+    <p:extLst>
+      <p:ext uri="{BB962C8B-B14F-4D97-AF65-F5344CB8AC3E}">
+        <p14:creationId xmlns:p14="http://schemas.microsoft.com/office/powerpoint/2010/main" val="1565202815"/>
+      </p:ext>
+    </p:extLst>
+  </p:cSld>
+  <p:clrMapOvr>
+    <a:masterClrMapping/>
+  </p:clrMapOvr>
+</p:sld>
+</file>
+
+<file path=ppt/slides/slide6.xml><?xml version="1.0" encoding="utf-8"?>
 <p:sld xmlns:a="http://schemas.openxmlformats.org/drawingml/2006/main" xmlns:r="http://schemas.openxmlformats.org/officeDocument/2006/relationships" xmlns:p="http://schemas.openxmlformats.org/presentationml/2006/main">
   <p:cSld>
     <p:spTree>
@@ -8660,7 +14832,7 @@
 </p:sld>
 </file>
 
-<file path=ppt/slides/slide5.xml><?xml version="1.0" encoding="utf-8"?>
+<file path=ppt/slides/slide7.xml><?xml version="1.0" encoding="utf-8"?>
 <p:sld xmlns:a="http://schemas.openxmlformats.org/drawingml/2006/main" xmlns:r="http://schemas.openxmlformats.org/officeDocument/2006/relationships" xmlns:p="http://schemas.openxmlformats.org/presentationml/2006/main">
   <p:cSld>
     <p:spTree>
@@ -9113,7 +15285,7 @@
         <p:spPr>
           <a:xfrm>
             <a:off x="1774579" y="4456042"/>
-            <a:ext cx="5439310" cy="923330"/>
+            <a:ext cx="5439310" cy="1477328"/>
           </a:xfrm>
           <a:prstGeom prst="rect">
             <a:avLst/>
@@ -9125,6 +15297,43 @@
             <a:spAutoFit/>
           </a:bodyPr>
           <a:lstStyle/>
+          <a:p>
+            <a:pPr marL="285750" indent="-285750">
+              <a:buFont typeface="Arial" panose="020B0604020202020204" pitchFamily="34" charset="0"/>
+              <a:buChar char="•"/>
+            </a:pPr>
+            <a:r>
+              <a:rPr lang="ja-JP" altLang="en-US" dirty="0"/>
+              <a:t>対数損失は</a:t>
+            </a:r>
+            <a:r>
+              <a:rPr lang="en-US" altLang="ja-JP" dirty="0"/>
+              <a:t>train 0.0018</a:t>
+            </a:r>
+            <a:r>
+              <a:rPr lang="ja-JP" altLang="en-US" dirty="0"/>
+              <a:t>で </a:t>
+            </a:r>
+            <a:r>
+              <a:rPr lang="en-US" altLang="ja-JP" dirty="0"/>
+              <a:t>valid 0.19</a:t>
+            </a:r>
+            <a:r>
+              <a:rPr lang="ja-JP" altLang="en-US" dirty="0"/>
+              <a:t>であった</a:t>
+            </a:r>
+            <a:r>
+              <a:rPr lang="en-US" altLang="ja-JP" dirty="0"/>
+              <a:t>. </a:t>
+            </a:r>
+          </a:p>
+          <a:p>
+            <a:pPr marL="285750" indent="-285750">
+              <a:buFont typeface="Arial" panose="020B0604020202020204" pitchFamily="34" charset="0"/>
+              <a:buChar char="•"/>
+            </a:pPr>
+            <a:endParaRPr lang="en-US" altLang="ja-JP" dirty="0"/>
+          </a:p>
           <a:p>
             <a:pPr marL="285750" indent="-285750">
               <a:buFont typeface="Arial" panose="020B0604020202020204" pitchFamily="34" charset="0"/>
@@ -9203,7 +15412,7 @@
 </p:sld>
 </file>
 
-<file path=ppt/slides/slide6.xml><?xml version="1.0" encoding="utf-8"?>
+<file path=ppt/slides/slide8.xml><?xml version="1.0" encoding="utf-8"?>
 <p:sld xmlns:a="http://schemas.openxmlformats.org/drawingml/2006/main" xmlns:r="http://schemas.openxmlformats.org/officeDocument/2006/relationships" xmlns:p="http://schemas.openxmlformats.org/presentationml/2006/main">
   <p:cSld>
     <p:spTree>
@@ -9275,7 +15484,7 @@
         <p:spPr>
           <a:xfrm>
             <a:off x="1774580" y="1590584"/>
-            <a:ext cx="8577989" cy="2308324"/>
+            <a:ext cx="7172156" cy="2308324"/>
           </a:xfrm>
           <a:prstGeom prst="rect">
             <a:avLst/>
@@ -9288,25 +15497,40 @@
           </a:bodyPr>
           <a:lstStyle/>
           <a:p>
+            <a:endParaRPr lang="en-US" altLang="ja-JP" dirty="0"/>
+          </a:p>
+          <a:p>
             <a:pPr marL="285750" indent="-285750">
               <a:buFont typeface="Arial" panose="020B0604020202020204" pitchFamily="34" charset="0"/>
               <a:buChar char="•"/>
             </a:pPr>
             <a:r>
+              <a:rPr lang="ja-JP" altLang="en-US" dirty="0"/>
+              <a:t>この学習を</a:t>
+            </a:r>
+            <a:r>
               <a:rPr lang="en-US" altLang="ja-JP" dirty="0"/>
-              <a:t>DBN </a:t>
+              <a:t>20</a:t>
             </a:r>
             <a:r>
               <a:rPr lang="ja-JP" altLang="en-US" dirty="0"/>
-              <a:t>・・・ </a:t>
+              <a:t>回して</a:t>
             </a:r>
             <a:r>
               <a:rPr lang="en-US" altLang="ja-JP" dirty="0"/>
-              <a:t>RBM</a:t>
+              <a:t>, </a:t>
             </a:r>
             <a:r>
               <a:rPr lang="ja-JP" altLang="en-US" dirty="0"/>
-              <a:t>を重ねたもの</a:t>
+              <a:t>学習して生成した画像たちを</a:t>
+            </a:r>
+            <a:r>
+              <a:rPr lang="en-US" altLang="ja-JP" dirty="0"/>
+              <a:t>train2</a:t>
+            </a:r>
+            <a:r>
+              <a:rPr lang="ja-JP" altLang="en-US" dirty="0"/>
+              <a:t>データとする</a:t>
             </a:r>
             <a:r>
               <a:rPr lang="en-US" altLang="ja-JP" dirty="0"/>
@@ -9326,42 +15550,20 @@
               <a:buChar char="•"/>
             </a:pPr>
             <a:r>
+              <a:rPr lang="en-US" altLang="ja-JP" dirty="0" err="1"/>
+              <a:t>LightGBM</a:t>
+            </a:r>
+            <a:r>
               <a:rPr lang="ja-JP" altLang="en-US" dirty="0"/>
-              <a:t>今回は</a:t>
+              <a:t>を使って</a:t>
             </a:r>
             <a:r>
               <a:rPr lang="en-US" altLang="ja-JP" dirty="0"/>
-              <a:t>1-3</a:t>
+              <a:t>, train2</a:t>
             </a:r>
             <a:r>
               <a:rPr lang="ja-JP" altLang="en-US" dirty="0"/>
-              <a:t>層で両方向的な学習をして</a:t>
-            </a:r>
-            <a:r>
-              <a:rPr lang="en-US" altLang="ja-JP" dirty="0"/>
-              <a:t>, </a:t>
-            </a:r>
-          </a:p>
-          <a:p>
-            <a:r>
-              <a:rPr lang="ja-JP" altLang="en-US" dirty="0"/>
-              <a:t>　　</a:t>
-            </a:r>
-            <a:r>
-              <a:rPr lang="en-US" altLang="ja-JP" dirty="0"/>
-              <a:t>4</a:t>
-            </a:r>
-            <a:r>
-              <a:rPr lang="ja-JP" altLang="en-US" dirty="0"/>
-              <a:t>層目は構成した</a:t>
-            </a:r>
-            <a:r>
-              <a:rPr lang="en-US" altLang="ja-JP" dirty="0"/>
-              <a:t>RBM</a:t>
-            </a:r>
-            <a:r>
-              <a:rPr lang="ja-JP" altLang="en-US" dirty="0"/>
-              <a:t>の重みとバイアスを再構成誤差が最小になるように更新する</a:t>
+              <a:t>データを学習する</a:t>
             </a:r>
             <a:r>
               <a:rPr lang="en-US" altLang="ja-JP" dirty="0"/>
@@ -9381,32 +15583,20 @@
               <a:buChar char="•"/>
             </a:pPr>
             <a:r>
+              <a:rPr lang="en-US" altLang="ja-JP" dirty="0"/>
+              <a:t>DBN</a:t>
+            </a:r>
+            <a:r>
               <a:rPr lang="ja-JP" altLang="en-US" dirty="0"/>
-              <a:t>この学習を</a:t>
+              <a:t>の各層の次元は前から順番に</a:t>
             </a:r>
             <a:r>
               <a:rPr lang="en-US" altLang="ja-JP" dirty="0"/>
-              <a:t>20</a:t>
+              <a:t>784 -&gt; 500 -&gt; 500 -&gt; 784</a:t>
             </a:r>
             <a:r>
               <a:rPr lang="ja-JP" altLang="en-US" dirty="0"/>
-              <a:t>回して</a:t>
-            </a:r>
-            <a:r>
-              <a:rPr lang="en-US" altLang="ja-JP" dirty="0"/>
-              <a:t>, </a:t>
-            </a:r>
-            <a:r>
-              <a:rPr lang="ja-JP" altLang="en-US" dirty="0"/>
-              <a:t>学習してできた画像たちを</a:t>
-            </a:r>
-            <a:r>
-              <a:rPr lang="en-US" altLang="ja-JP" dirty="0"/>
-              <a:t>train2</a:t>
-            </a:r>
-            <a:r>
-              <a:rPr lang="ja-JP" altLang="en-US" dirty="0"/>
-              <a:t>データとする</a:t>
+              <a:t>である</a:t>
             </a:r>
             <a:r>
               <a:rPr lang="en-US" altLang="ja-JP" dirty="0"/>
@@ -9426,20 +15616,24 @@
               <a:buChar char="•"/>
             </a:pPr>
             <a:r>
-              <a:rPr lang="en-US" altLang="ja-JP" dirty="0" err="1"/>
-              <a:t>LightGBM</a:t>
-            </a:r>
-            <a:r>
               <a:rPr lang="ja-JP" altLang="en-US" dirty="0"/>
-              <a:t>を使って</a:t>
+              <a:t>エポック数は</a:t>
             </a:r>
             <a:r>
               <a:rPr lang="en-US" altLang="ja-JP" dirty="0"/>
-              <a:t>, train2</a:t>
+              <a:t>50</a:t>
             </a:r>
             <a:r>
               <a:rPr lang="ja-JP" altLang="en-US" dirty="0"/>
-              <a:t>データを学習する</a:t>
+              <a:t>でバッチサイズは</a:t>
+            </a:r>
+            <a:r>
+              <a:rPr lang="en-US" altLang="ja-JP" dirty="0"/>
+              <a:t>200</a:t>
+            </a:r>
+            <a:r>
+              <a:rPr lang="ja-JP" altLang="en-US" dirty="0"/>
+              <a:t>である</a:t>
             </a:r>
             <a:r>
               <a:rPr lang="en-US" altLang="ja-JP" dirty="0"/>
@@ -9496,6 +15690,8 @@
               <a:solidFill>
                 <a:schemeClr val="tx1"/>
               </a:solidFill>
+              <a:headEnd type="none"/>
+              <a:tailEnd type="triangle"/>
             </a:ln>
           </p:spPr>
           <p:style>
@@ -9561,6 +15757,8 @@
                 <a:solidFill>
                   <a:schemeClr val="tx1"/>
                 </a:solidFill>
+                <a:headEnd type="none"/>
+                <a:tailEnd type="triangle"/>
               </a:ln>
             </p:spPr>
             <p:style>
@@ -9606,6 +15804,8 @@
                 <a:solidFill>
                   <a:schemeClr val="tx1"/>
                 </a:solidFill>
+                <a:headEnd type="none"/>
+                <a:tailEnd type="triangle"/>
               </a:ln>
             </p:spPr>
             <p:style>
@@ -9711,6 +15911,8 @@
                       <a:solidFill>
                         <a:schemeClr val="tx1"/>
                       </a:solidFill>
+                      <a:headEnd type="triangle"/>
+                      <a:tailEnd type="triangle"/>
                     </a:ln>
                   </p:spPr>
                   <p:style>
@@ -9756,6 +15958,8 @@
                       <a:solidFill>
                         <a:schemeClr val="tx1"/>
                       </a:solidFill>
+                      <a:headEnd type="triangle"/>
+                      <a:tailEnd type="triangle"/>
                     </a:ln>
                   </p:spPr>
                   <p:style>
@@ -10480,6 +16684,8 @@
                           <a:solidFill>
                             <a:schemeClr val="tx1"/>
                           </a:solidFill>
+                          <a:headEnd type="triangle"/>
+                          <a:tailEnd type="triangle"/>
                         </a:ln>
                       </p:spPr>
                       <p:style>
@@ -10525,6 +16731,8 @@
                           <a:solidFill>
                             <a:schemeClr val="tx1"/>
                           </a:solidFill>
+                          <a:headEnd type="triangle"/>
+                          <a:tailEnd type="triangle"/>
                         </a:ln>
                       </p:spPr>
                       <p:style>
@@ -10570,6 +16778,8 @@
                           <a:solidFill>
                             <a:schemeClr val="tx1"/>
                           </a:solidFill>
+                          <a:headEnd type="triangle"/>
+                          <a:tailEnd type="triangle"/>
                         </a:ln>
                       </p:spPr>
                       <p:style>
@@ -10615,6 +16825,8 @@
                           <a:solidFill>
                             <a:schemeClr val="tx1"/>
                           </a:solidFill>
+                          <a:headEnd type="triangle"/>
+                          <a:tailEnd type="triangle"/>
                         </a:ln>
                       </p:spPr>
                       <p:style>
@@ -10660,6 +16872,8 @@
                           <a:solidFill>
                             <a:schemeClr val="tx1"/>
                           </a:solidFill>
+                          <a:headEnd type="triangle"/>
+                          <a:tailEnd type="triangle"/>
                         </a:ln>
                       </p:spPr>
                       <p:style>
@@ -10705,6 +16919,8 @@
                           <a:solidFill>
                             <a:schemeClr val="tx1"/>
                           </a:solidFill>
+                          <a:headEnd type="triangle"/>
+                          <a:tailEnd type="triangle"/>
                         </a:ln>
                       </p:spPr>
                       <p:style>
@@ -10750,6 +16966,8 @@
                           <a:solidFill>
                             <a:schemeClr val="tx1"/>
                           </a:solidFill>
+                          <a:headEnd type="triangle"/>
+                          <a:tailEnd type="triangle"/>
                         </a:ln>
                       </p:spPr>
                       <p:style>
@@ -10795,6 +17013,8 @@
                           <a:solidFill>
                             <a:schemeClr val="tx1"/>
                           </a:solidFill>
+                          <a:headEnd type="triangle"/>
+                          <a:tailEnd type="triangle"/>
                         </a:ln>
                       </p:spPr>
                       <p:style>
@@ -10840,6 +17060,8 @@
                           <a:solidFill>
                             <a:schemeClr val="tx1"/>
                           </a:solidFill>
+                          <a:headEnd type="triangle"/>
+                          <a:tailEnd type="triangle"/>
                         </a:ln>
                       </p:spPr>
                       <p:style>
@@ -10885,6 +17107,8 @@
                           <a:solidFill>
                             <a:schemeClr val="tx1"/>
                           </a:solidFill>
+                          <a:headEnd type="triangle"/>
+                          <a:tailEnd type="triangle"/>
                         </a:ln>
                       </p:spPr>
                       <p:style>
@@ -10930,6 +17154,8 @@
                           <a:solidFill>
                             <a:schemeClr val="tx1"/>
                           </a:solidFill>
+                          <a:headEnd type="triangle"/>
+                          <a:tailEnd type="triangle"/>
                         </a:ln>
                       </p:spPr>
                       <p:style>
@@ -10975,6 +17201,8 @@
                           <a:solidFill>
                             <a:schemeClr val="tx1"/>
                           </a:solidFill>
+                          <a:headEnd type="triangle"/>
+                          <a:tailEnd type="triangle"/>
                         </a:ln>
                       </p:spPr>
                       <p:style>
@@ -11020,6 +17248,8 @@
                           <a:solidFill>
                             <a:schemeClr val="tx1"/>
                           </a:solidFill>
+                          <a:headEnd type="triangle"/>
+                          <a:tailEnd type="triangle"/>
                         </a:ln>
                       </p:spPr>
                       <p:style>
@@ -11065,6 +17295,8 @@
                           <a:solidFill>
                             <a:schemeClr val="tx1"/>
                           </a:solidFill>
+                          <a:headEnd type="triangle"/>
+                          <a:tailEnd type="triangle"/>
                         </a:ln>
                       </p:spPr>
                       <p:style>
@@ -11113,6 +17345,8 @@
                     <a:solidFill>
                       <a:schemeClr val="tx1"/>
                     </a:solidFill>
+                    <a:headEnd type="triangle"/>
+                    <a:tailEnd type="triangle"/>
                   </a:ln>
                 </p:spPr>
                 <p:style>
@@ -11351,6 +17585,7 @@
                   <a:solidFill>
                     <a:schemeClr val="tx1"/>
                   </a:solidFill>
+                  <a:tailEnd type="triangle"/>
                 </a:ln>
               </p:spPr>
               <p:style>
@@ -11396,6 +17631,8 @@
                   <a:solidFill>
                     <a:schemeClr val="tx1"/>
                   </a:solidFill>
+                  <a:headEnd type="none"/>
+                  <a:tailEnd type="triangle"/>
                 </a:ln>
               </p:spPr>
               <p:style>
@@ -11441,6 +17678,8 @@
                   <a:solidFill>
                     <a:schemeClr val="tx1"/>
                   </a:solidFill>
+                  <a:headEnd type="none"/>
+                  <a:tailEnd type="triangle"/>
                 </a:ln>
               </p:spPr>
               <p:style>
@@ -11486,6 +17725,8 @@
                   <a:solidFill>
                     <a:schemeClr val="tx1"/>
                   </a:solidFill>
+                  <a:headEnd type="none"/>
+                  <a:tailEnd type="triangle"/>
                 </a:ln>
               </p:spPr>
               <p:style>
@@ -11531,6 +17772,8 @@
                   <a:solidFill>
                     <a:schemeClr val="tx1"/>
                   </a:solidFill>
+                  <a:headEnd type="none"/>
+                  <a:tailEnd type="triangle"/>
                 </a:ln>
               </p:spPr>
               <p:style>
@@ -11576,6 +17819,8 @@
                   <a:solidFill>
                     <a:schemeClr val="tx1"/>
                   </a:solidFill>
+                  <a:headEnd type="none"/>
+                  <a:tailEnd type="triangle"/>
                 </a:ln>
               </p:spPr>
               <p:style>
@@ -11609,7 +17854,7 @@
 </p:sld>
 </file>
 
-<file path=ppt/slides/slide7.xml><?xml version="1.0" encoding="utf-8"?>
+<file path=ppt/slides/slide9.xml><?xml version="1.0" encoding="utf-8"?>
 <p:sld xmlns:a="http://schemas.openxmlformats.org/drawingml/2006/main" xmlns:r="http://schemas.openxmlformats.org/officeDocument/2006/relationships" xmlns:p="http://schemas.openxmlformats.org/presentationml/2006/main">
   <p:cSld>
     <p:spTree>
@@ -11897,7 +18142,7 @@
           <a:p>
             <a:r>
               <a:rPr kumimoji="1" lang="en-US" altLang="ja-JP" dirty="0"/>
-              <a:t>0</a:t>
+              <a:t>1</a:t>
             </a:r>
             <a:r>
               <a:rPr kumimoji="1" lang="ja-JP" altLang="en-US" dirty="0"/>
@@ -11935,8 +18180,8 @@
           <a:lstStyle/>
           <a:p>
             <a:r>
-              <a:rPr lang="en-US" altLang="ja-JP" dirty="0"/>
-              <a:t>1</a:t>
+              <a:rPr kumimoji="1" lang="en-US" altLang="ja-JP" dirty="0"/>
+              <a:t>2</a:t>
             </a:r>
             <a:r>
               <a:rPr kumimoji="1" lang="ja-JP" altLang="en-US" dirty="0"/>
@@ -11974,8 +18219,8 @@
           <a:lstStyle/>
           <a:p>
             <a:r>
-              <a:rPr lang="en-US" altLang="ja-JP" dirty="0"/>
-              <a:t>2</a:t>
+              <a:rPr kumimoji="1" lang="en-US" altLang="ja-JP" dirty="0"/>
+              <a:t>3</a:t>
             </a:r>
             <a:r>
               <a:rPr kumimoji="1" lang="ja-JP" altLang="en-US" dirty="0"/>
@@ -12013,8 +18258,8 @@
           <a:lstStyle/>
           <a:p>
             <a:r>
-              <a:rPr kumimoji="1" lang="en-US" altLang="ja-JP" dirty="0"/>
-              <a:t>3</a:t>
+              <a:rPr lang="en-US" altLang="ja-JP" dirty="0"/>
+              <a:t>4</a:t>
             </a:r>
             <a:r>
               <a:rPr kumimoji="1" lang="ja-JP" altLang="en-US" dirty="0"/>
@@ -12027,812 +18272,6 @@
     <p:extLst>
       <p:ext uri="{BB962C8B-B14F-4D97-AF65-F5344CB8AC3E}">
         <p14:creationId xmlns:p14="http://schemas.microsoft.com/office/powerpoint/2010/main" val="2334521627"/>
-      </p:ext>
-    </p:extLst>
-  </p:cSld>
-  <p:clrMapOvr>
-    <a:masterClrMapping/>
-  </p:clrMapOvr>
-</p:sld>
-</file>
-
-<file path=ppt/slides/slide8.xml><?xml version="1.0" encoding="utf-8"?>
-<p:sld xmlns:a="http://schemas.openxmlformats.org/drawingml/2006/main" xmlns:r="http://schemas.openxmlformats.org/officeDocument/2006/relationships" xmlns:p="http://schemas.openxmlformats.org/presentationml/2006/main">
-  <p:cSld>
-    <p:spTree>
-      <p:nvGrpSpPr>
-        <p:cNvPr id="1" name=""/>
-        <p:cNvGrpSpPr/>
-        <p:nvPr/>
-      </p:nvGrpSpPr>
-      <p:grpSpPr>
-        <a:xfrm>
-          <a:off x="0" y="0"/>
-          <a:ext cx="0" cy="0"/>
-          <a:chOff x="0" y="0"/>
-          <a:chExt cx="0" cy="0"/>
-        </a:xfrm>
-      </p:grpSpPr>
-      <p:sp>
-        <p:nvSpPr>
-          <p:cNvPr id="6" name="テキスト ボックス 5">
-            <a:extLst>
-              <a:ext uri="{FF2B5EF4-FFF2-40B4-BE49-F238E27FC236}">
-                <a16:creationId xmlns:a16="http://schemas.microsoft.com/office/drawing/2014/main" id="{6B551181-2C66-4A19-BFC6-2ADD5F37BB92}"/>
-              </a:ext>
-            </a:extLst>
-          </p:cNvPr>
-          <p:cNvSpPr txBox="1"/>
-          <p:nvPr/>
-        </p:nvSpPr>
-        <p:spPr>
-          <a:xfrm>
-            <a:off x="868544" y="924630"/>
-            <a:ext cx="4055794" cy="461665"/>
-          </a:xfrm>
-          <a:prstGeom prst="rect">
-            <a:avLst/>
-          </a:prstGeom>
-          <a:noFill/>
-        </p:spPr>
-        <p:txBody>
-          <a:bodyPr wrap="square" rtlCol="0">
-            <a:spAutoFit/>
-          </a:bodyPr>
-          <a:lstStyle/>
-          <a:p>
-            <a:r>
-              <a:rPr kumimoji="1" lang="en-US" altLang="ja-JP" sz="2400" dirty="0"/>
-              <a:t>Case 2 (</a:t>
-            </a:r>
-            <a:r>
-              <a:rPr kumimoji="1" lang="ja-JP" altLang="en-US" sz="2400" dirty="0"/>
-              <a:t>生成された画像</a:t>
-            </a:r>
-            <a:r>
-              <a:rPr kumimoji="1" lang="en-US" altLang="ja-JP" sz="2400" dirty="0"/>
-              <a:t>)</a:t>
-            </a:r>
-            <a:endParaRPr kumimoji="1" lang="ja-JP" altLang="en-US" sz="2400" dirty="0"/>
-          </a:p>
-        </p:txBody>
-      </p:sp>
-      <p:sp>
-        <p:nvSpPr>
-          <p:cNvPr id="2" name="テキスト ボックス 1">
-            <a:extLst>
-              <a:ext uri="{FF2B5EF4-FFF2-40B4-BE49-F238E27FC236}">
-                <a16:creationId xmlns:a16="http://schemas.microsoft.com/office/drawing/2014/main" id="{A0F39BA3-32F4-460B-A00F-65C4BCEF5823}"/>
-              </a:ext>
-            </a:extLst>
-          </p:cNvPr>
-          <p:cNvSpPr txBox="1"/>
-          <p:nvPr/>
-        </p:nvSpPr>
-        <p:spPr>
-          <a:xfrm>
-            <a:off x="1774580" y="1590584"/>
-            <a:ext cx="7816563" cy="923330"/>
-          </a:xfrm>
-          <a:prstGeom prst="rect">
-            <a:avLst/>
-          </a:prstGeom>
-          <a:noFill/>
-        </p:spPr>
-        <p:txBody>
-          <a:bodyPr wrap="none" rtlCol="0">
-            <a:spAutoFit/>
-          </a:bodyPr>
-          <a:lstStyle/>
-          <a:p>
-            <a:pPr marL="285750" indent="-285750">
-              <a:buFont typeface="Arial" panose="020B0604020202020204" pitchFamily="34" charset="0"/>
-              <a:buChar char="•"/>
-            </a:pPr>
-            <a:r>
-              <a:rPr lang="ja-JP" altLang="en-US" dirty="0"/>
-              <a:t>うまく画像を生成できていることがわかる</a:t>
-            </a:r>
-            <a:r>
-              <a:rPr lang="en-US" altLang="ja-JP" dirty="0"/>
-              <a:t>.</a:t>
-            </a:r>
-          </a:p>
-          <a:p>
-            <a:pPr marL="285750" indent="-285750">
-              <a:buFont typeface="Arial" panose="020B0604020202020204" pitchFamily="34" charset="0"/>
-              <a:buChar char="•"/>
-            </a:pPr>
-            <a:endParaRPr lang="en-US" altLang="ja-JP" dirty="0"/>
-          </a:p>
-          <a:p>
-            <a:pPr marL="285750" indent="-285750">
-              <a:buFont typeface="Arial" panose="020B0604020202020204" pitchFamily="34" charset="0"/>
-              <a:buChar char="•"/>
-            </a:pPr>
-            <a:r>
-              <a:rPr lang="ja-JP" altLang="en-US" dirty="0"/>
-              <a:t>一番下の画像は同じ画像から生成した画像だが異なる画像になっている</a:t>
-            </a:r>
-            <a:r>
-              <a:rPr lang="en-US" altLang="ja-JP" dirty="0"/>
-              <a:t>.</a:t>
-            </a:r>
-          </a:p>
-        </p:txBody>
-      </p:sp>
-      <p:pic>
-        <p:nvPicPr>
-          <p:cNvPr id="26" name="図 25" descr="文字と写真のスクリーンショット&#10;&#10;自動的に生成された説明">
-            <a:extLst>
-              <a:ext uri="{FF2B5EF4-FFF2-40B4-BE49-F238E27FC236}">
-                <a16:creationId xmlns:a16="http://schemas.microsoft.com/office/drawing/2014/main" id="{16664D55-3100-4222-82A1-FAA2F95DFCF2}"/>
-              </a:ext>
-            </a:extLst>
-          </p:cNvPr>
-          <p:cNvPicPr>
-            <a:picLocks noChangeAspect="1"/>
-          </p:cNvPicPr>
-          <p:nvPr/>
-        </p:nvPicPr>
-        <p:blipFill>
-          <a:blip r:embed="rId2">
-            <a:extLst>
-              <a:ext uri="{28A0092B-C50C-407E-A947-70E740481C1C}">
-                <a14:useLocalDpi xmlns:a14="http://schemas.microsoft.com/office/drawing/2010/main" val="0"/>
-              </a:ext>
-            </a:extLst>
-          </a:blip>
-          <a:stretch>
-            <a:fillRect/>
-          </a:stretch>
-        </p:blipFill>
-        <p:spPr>
-          <a:xfrm>
-            <a:off x="0" y="2838090"/>
-            <a:ext cx="2952391" cy="2205067"/>
-          </a:xfrm>
-          <a:prstGeom prst="rect">
-            <a:avLst/>
-          </a:prstGeom>
-        </p:spPr>
-      </p:pic>
-      <p:pic>
-        <p:nvPicPr>
-          <p:cNvPr id="28" name="図 27" descr="抽象, 挿絵 が含まれている画像&#10;&#10;自動的に生成された説明">
-            <a:extLst>
-              <a:ext uri="{FF2B5EF4-FFF2-40B4-BE49-F238E27FC236}">
-                <a16:creationId xmlns:a16="http://schemas.microsoft.com/office/drawing/2014/main" id="{459A6845-41EC-4FF1-B429-7E6304417BA8}"/>
-              </a:ext>
-            </a:extLst>
-          </p:cNvPr>
-          <p:cNvPicPr>
-            <a:picLocks noChangeAspect="1"/>
-          </p:cNvPicPr>
-          <p:nvPr/>
-        </p:nvPicPr>
-        <p:blipFill>
-          <a:blip r:embed="rId3">
-            <a:extLst>
-              <a:ext uri="{28A0092B-C50C-407E-A947-70E740481C1C}">
-                <a14:useLocalDpi xmlns:a14="http://schemas.microsoft.com/office/drawing/2010/main" val="0"/>
-              </a:ext>
-            </a:extLst>
-          </a:blip>
-          <a:stretch>
-            <a:fillRect/>
-          </a:stretch>
-        </p:blipFill>
-        <p:spPr>
-          <a:xfrm>
-            <a:off x="2455238" y="2838087"/>
-            <a:ext cx="2952391" cy="2205067"/>
-          </a:xfrm>
-          <a:prstGeom prst="rect">
-            <a:avLst/>
-          </a:prstGeom>
-        </p:spPr>
-      </p:pic>
-      <p:pic>
-        <p:nvPicPr>
-          <p:cNvPr id="30" name="図 29" descr="文字と写真のスクリーンショット&#10;&#10;自動的に生成された説明">
-            <a:extLst>
-              <a:ext uri="{FF2B5EF4-FFF2-40B4-BE49-F238E27FC236}">
-                <a16:creationId xmlns:a16="http://schemas.microsoft.com/office/drawing/2014/main" id="{BDF6F871-8D47-4A81-9C76-66AA5F340B51}"/>
-              </a:ext>
-            </a:extLst>
-          </p:cNvPr>
-          <p:cNvPicPr>
-            <a:picLocks noChangeAspect="1"/>
-          </p:cNvPicPr>
-          <p:nvPr/>
-        </p:nvPicPr>
-        <p:blipFill>
-          <a:blip r:embed="rId4">
-            <a:extLst>
-              <a:ext uri="{28A0092B-C50C-407E-A947-70E740481C1C}">
-                <a14:useLocalDpi xmlns:a14="http://schemas.microsoft.com/office/drawing/2010/main" val="0"/>
-              </a:ext>
-            </a:extLst>
-          </a:blip>
-          <a:stretch>
-            <a:fillRect/>
-          </a:stretch>
-        </p:blipFill>
-        <p:spPr>
-          <a:xfrm>
-            <a:off x="4901858" y="2838084"/>
-            <a:ext cx="2952391" cy="2205067"/>
-          </a:xfrm>
-          <a:prstGeom prst="rect">
-            <a:avLst/>
-          </a:prstGeom>
-        </p:spPr>
-      </p:pic>
-      <p:pic>
-        <p:nvPicPr>
-          <p:cNvPr id="32" name="図 31" descr="文字と写真のスクリーンショット&#10;&#10;自動的に生成された説明">
-            <a:extLst>
-              <a:ext uri="{FF2B5EF4-FFF2-40B4-BE49-F238E27FC236}">
-                <a16:creationId xmlns:a16="http://schemas.microsoft.com/office/drawing/2014/main" id="{6E7C622E-8F7B-48E3-9DF2-B0DD91723CDB}"/>
-              </a:ext>
-            </a:extLst>
-          </p:cNvPr>
-          <p:cNvPicPr>
-            <a:picLocks noChangeAspect="1"/>
-          </p:cNvPicPr>
-          <p:nvPr/>
-        </p:nvPicPr>
-        <p:blipFill>
-          <a:blip r:embed="rId5">
-            <a:extLst>
-              <a:ext uri="{28A0092B-C50C-407E-A947-70E740481C1C}">
-                <a14:useLocalDpi xmlns:a14="http://schemas.microsoft.com/office/drawing/2010/main" val="0"/>
-              </a:ext>
-            </a:extLst>
-          </a:blip>
-          <a:stretch>
-            <a:fillRect/>
-          </a:stretch>
-        </p:blipFill>
-        <p:spPr>
-          <a:xfrm>
-            <a:off x="7357096" y="2838081"/>
-            <a:ext cx="2952391" cy="2205067"/>
-          </a:xfrm>
-          <a:prstGeom prst="rect">
-            <a:avLst/>
-          </a:prstGeom>
-        </p:spPr>
-      </p:pic>
-      <p:pic>
-        <p:nvPicPr>
-          <p:cNvPr id="34" name="図 33" descr="時計 が含まれている画像&#10;&#10;自動的に生成された説明">
-            <a:extLst>
-              <a:ext uri="{FF2B5EF4-FFF2-40B4-BE49-F238E27FC236}">
-                <a16:creationId xmlns:a16="http://schemas.microsoft.com/office/drawing/2014/main" id="{AE28CE2D-3724-4D68-ACF7-EC8F4C449514}"/>
-              </a:ext>
-            </a:extLst>
-          </p:cNvPr>
-          <p:cNvPicPr>
-            <a:picLocks noChangeAspect="1"/>
-          </p:cNvPicPr>
-          <p:nvPr/>
-        </p:nvPicPr>
-        <p:blipFill>
-          <a:blip r:embed="rId6">
-            <a:extLst>
-              <a:ext uri="{28A0092B-C50C-407E-A947-70E740481C1C}">
-                <a14:useLocalDpi xmlns:a14="http://schemas.microsoft.com/office/drawing/2010/main" val="0"/>
-              </a:ext>
-            </a:extLst>
-          </a:blip>
-          <a:stretch>
-            <a:fillRect/>
-          </a:stretch>
-        </p:blipFill>
-        <p:spPr>
-          <a:xfrm>
-            <a:off x="3510959" y="5531220"/>
-            <a:ext cx="1645821" cy="1229223"/>
-          </a:xfrm>
-          <a:prstGeom prst="rect">
-            <a:avLst/>
-          </a:prstGeom>
-        </p:spPr>
-      </p:pic>
-      <p:pic>
-        <p:nvPicPr>
-          <p:cNvPr id="36" name="図 35" descr="文字と写真のスクリーンショット&#10;&#10;自動的に生成された説明">
-            <a:extLst>
-              <a:ext uri="{FF2B5EF4-FFF2-40B4-BE49-F238E27FC236}">
-                <a16:creationId xmlns:a16="http://schemas.microsoft.com/office/drawing/2014/main" id="{BBF44AF6-4091-441F-B5BC-C393990CE6A8}"/>
-              </a:ext>
-            </a:extLst>
-          </p:cNvPr>
-          <p:cNvPicPr>
-            <a:picLocks noChangeAspect="1"/>
-          </p:cNvPicPr>
-          <p:nvPr/>
-        </p:nvPicPr>
-        <p:blipFill>
-          <a:blip r:embed="rId7">
-            <a:extLst>
-              <a:ext uri="{28A0092B-C50C-407E-A947-70E740481C1C}">
-                <a14:useLocalDpi xmlns:a14="http://schemas.microsoft.com/office/drawing/2010/main" val="0"/>
-              </a:ext>
-            </a:extLst>
-          </a:blip>
-          <a:stretch>
-            <a:fillRect/>
-          </a:stretch>
-        </p:blipFill>
-        <p:spPr>
-          <a:xfrm>
-            <a:off x="2073530" y="5531220"/>
-            <a:ext cx="1645821" cy="1229223"/>
-          </a:xfrm>
-          <a:prstGeom prst="rect">
-            <a:avLst/>
-          </a:prstGeom>
-        </p:spPr>
-      </p:pic>
-      <p:pic>
-        <p:nvPicPr>
-          <p:cNvPr id="38" name="図 37" descr="文字と写真のスクリーンショット&#10;&#10;自動的に生成された説明">
-            <a:extLst>
-              <a:ext uri="{FF2B5EF4-FFF2-40B4-BE49-F238E27FC236}">
-                <a16:creationId xmlns:a16="http://schemas.microsoft.com/office/drawing/2014/main" id="{F9249E9C-B5F1-4451-A19A-F3A2F8DD1B2D}"/>
-              </a:ext>
-            </a:extLst>
-          </p:cNvPr>
-          <p:cNvPicPr>
-            <a:picLocks noChangeAspect="1"/>
-          </p:cNvPicPr>
-          <p:nvPr/>
-        </p:nvPicPr>
-        <p:blipFill>
-          <a:blip r:embed="rId8">
-            <a:extLst>
-              <a:ext uri="{28A0092B-C50C-407E-A947-70E740481C1C}">
-                <a14:useLocalDpi xmlns:a14="http://schemas.microsoft.com/office/drawing/2010/main" val="0"/>
-              </a:ext>
-            </a:extLst>
-          </a:blip>
-          <a:stretch>
-            <a:fillRect/>
-          </a:stretch>
-        </p:blipFill>
-        <p:spPr>
-          <a:xfrm>
-            <a:off x="507042" y="5531220"/>
-            <a:ext cx="1645821" cy="1229223"/>
-          </a:xfrm>
-          <a:prstGeom prst="rect">
-            <a:avLst/>
-          </a:prstGeom>
-        </p:spPr>
-      </p:pic>
-      <p:sp>
-        <p:nvSpPr>
-          <p:cNvPr id="39" name="テキスト ボックス 38">
-            <a:extLst>
-              <a:ext uri="{FF2B5EF4-FFF2-40B4-BE49-F238E27FC236}">
-                <a16:creationId xmlns:a16="http://schemas.microsoft.com/office/drawing/2014/main" id="{0223E6FB-A639-4629-BA1D-F1617720B90B}"/>
-              </a:ext>
-            </a:extLst>
-          </p:cNvPr>
-          <p:cNvSpPr txBox="1"/>
-          <p:nvPr/>
-        </p:nvSpPr>
-        <p:spPr>
-          <a:xfrm>
-            <a:off x="965190" y="4929285"/>
-            <a:ext cx="864339" cy="369332"/>
-          </a:xfrm>
-          <a:prstGeom prst="rect">
-            <a:avLst/>
-          </a:prstGeom>
-          <a:noFill/>
-        </p:spPr>
-        <p:txBody>
-          <a:bodyPr wrap="none" rtlCol="0">
-            <a:spAutoFit/>
-          </a:bodyPr>
-          <a:lstStyle/>
-          <a:p>
-            <a:r>
-              <a:rPr kumimoji="1" lang="en-US" altLang="ja-JP" dirty="0"/>
-              <a:t>train</a:t>
-            </a:r>
-            <a:r>
-              <a:rPr kumimoji="1" lang="ja-JP" altLang="en-US" dirty="0"/>
-              <a:t>後</a:t>
-            </a:r>
-          </a:p>
-        </p:txBody>
-      </p:sp>
-      <p:sp>
-        <p:nvSpPr>
-          <p:cNvPr id="40" name="テキスト ボックス 39">
-            <a:extLst>
-              <a:ext uri="{FF2B5EF4-FFF2-40B4-BE49-F238E27FC236}">
-                <a16:creationId xmlns:a16="http://schemas.microsoft.com/office/drawing/2014/main" id="{D9DCB454-EA13-433F-A975-F6F14B20AAE6}"/>
-              </a:ext>
-            </a:extLst>
-          </p:cNvPr>
-          <p:cNvSpPr txBox="1"/>
-          <p:nvPr/>
-        </p:nvSpPr>
-        <p:spPr>
-          <a:xfrm>
-            <a:off x="6110791" y="4929285"/>
-            <a:ext cx="864339" cy="369332"/>
-          </a:xfrm>
-          <a:prstGeom prst="rect">
-            <a:avLst/>
-          </a:prstGeom>
-          <a:noFill/>
-        </p:spPr>
-        <p:txBody>
-          <a:bodyPr wrap="none" rtlCol="0">
-            <a:spAutoFit/>
-          </a:bodyPr>
-          <a:lstStyle/>
-          <a:p>
-            <a:r>
-              <a:rPr kumimoji="1" lang="en-US" altLang="ja-JP" dirty="0"/>
-              <a:t>train</a:t>
-            </a:r>
-            <a:r>
-              <a:rPr kumimoji="1" lang="ja-JP" altLang="en-US" dirty="0"/>
-              <a:t>後</a:t>
-            </a:r>
-          </a:p>
-        </p:txBody>
-      </p:sp>
-      <p:sp>
-        <p:nvSpPr>
-          <p:cNvPr id="41" name="テキスト ボックス 40">
-            <a:extLst>
-              <a:ext uri="{FF2B5EF4-FFF2-40B4-BE49-F238E27FC236}">
-                <a16:creationId xmlns:a16="http://schemas.microsoft.com/office/drawing/2014/main" id="{FF7625EB-B90B-41EC-8D67-16F8C0411629}"/>
-              </a:ext>
-            </a:extLst>
-          </p:cNvPr>
-          <p:cNvSpPr txBox="1"/>
-          <p:nvPr/>
-        </p:nvSpPr>
-        <p:spPr>
-          <a:xfrm>
-            <a:off x="3439504" y="4929285"/>
-            <a:ext cx="736099" cy="369332"/>
-          </a:xfrm>
-          <a:prstGeom prst="rect">
-            <a:avLst/>
-          </a:prstGeom>
-          <a:noFill/>
-        </p:spPr>
-        <p:txBody>
-          <a:bodyPr wrap="none" rtlCol="0">
-            <a:spAutoFit/>
-          </a:bodyPr>
-          <a:lstStyle/>
-          <a:p>
-            <a:r>
-              <a:rPr kumimoji="1" lang="en-US" altLang="ja-JP" dirty="0" err="1"/>
-              <a:t>mnist</a:t>
-            </a:r>
-            <a:endParaRPr kumimoji="1" lang="ja-JP" altLang="en-US" dirty="0"/>
-          </a:p>
-        </p:txBody>
-      </p:sp>
-      <p:sp>
-        <p:nvSpPr>
-          <p:cNvPr id="42" name="テキスト ボックス 41">
-            <a:extLst>
-              <a:ext uri="{FF2B5EF4-FFF2-40B4-BE49-F238E27FC236}">
-                <a16:creationId xmlns:a16="http://schemas.microsoft.com/office/drawing/2014/main" id="{7A1249E0-CC07-4674-8E42-FAB5AD4B51ED}"/>
-              </a:ext>
-            </a:extLst>
-          </p:cNvPr>
-          <p:cNvSpPr txBox="1"/>
-          <p:nvPr/>
-        </p:nvSpPr>
-        <p:spPr>
-          <a:xfrm>
-            <a:off x="8401121" y="4929285"/>
-            <a:ext cx="736099" cy="369332"/>
-          </a:xfrm>
-          <a:prstGeom prst="rect">
-            <a:avLst/>
-          </a:prstGeom>
-          <a:noFill/>
-        </p:spPr>
-        <p:txBody>
-          <a:bodyPr wrap="none" rtlCol="0">
-            <a:spAutoFit/>
-          </a:bodyPr>
-          <a:lstStyle/>
-          <a:p>
-            <a:r>
-              <a:rPr kumimoji="1" lang="en-US" altLang="ja-JP" dirty="0" err="1"/>
-              <a:t>mnist</a:t>
-            </a:r>
-            <a:endParaRPr kumimoji="1" lang="ja-JP" altLang="en-US" dirty="0"/>
-          </a:p>
-        </p:txBody>
-      </p:sp>
-      <p:pic>
-        <p:nvPicPr>
-          <p:cNvPr id="44" name="図 43" descr="時計 が含まれている画像&#10;&#10;自動的に生成された説明">
-            <a:extLst>
-              <a:ext uri="{FF2B5EF4-FFF2-40B4-BE49-F238E27FC236}">
-                <a16:creationId xmlns:a16="http://schemas.microsoft.com/office/drawing/2014/main" id="{2D64B41A-3521-4A2A-93DF-F4848878ED31}"/>
-              </a:ext>
-            </a:extLst>
-          </p:cNvPr>
-          <p:cNvPicPr>
-            <a:picLocks noChangeAspect="1"/>
-          </p:cNvPicPr>
-          <p:nvPr/>
-        </p:nvPicPr>
-        <p:blipFill>
-          <a:blip r:embed="rId9">
-            <a:extLst>
-              <a:ext uri="{28A0092B-C50C-407E-A947-70E740481C1C}">
-                <a14:useLocalDpi xmlns:a14="http://schemas.microsoft.com/office/drawing/2010/main" val="0"/>
-              </a:ext>
-            </a:extLst>
-          </a:blip>
-          <a:stretch>
-            <a:fillRect/>
-          </a:stretch>
-        </p:blipFill>
-        <p:spPr>
-          <a:xfrm>
-            <a:off x="5022713" y="5531211"/>
-            <a:ext cx="1645821" cy="1229222"/>
-          </a:xfrm>
-          <a:prstGeom prst="rect">
-            <a:avLst/>
-          </a:prstGeom>
-        </p:spPr>
-      </p:pic>
-      <p:pic>
-        <p:nvPicPr>
-          <p:cNvPr id="46" name="図 45" descr="時計 が含まれている画像&#10;&#10;自動的に生成された説明">
-            <a:extLst>
-              <a:ext uri="{FF2B5EF4-FFF2-40B4-BE49-F238E27FC236}">
-                <a16:creationId xmlns:a16="http://schemas.microsoft.com/office/drawing/2014/main" id="{09DA731A-53E8-4D5F-A06B-E7688CE19FB3}"/>
-              </a:ext>
-            </a:extLst>
-          </p:cNvPr>
-          <p:cNvPicPr>
-            <a:picLocks noChangeAspect="1"/>
-          </p:cNvPicPr>
-          <p:nvPr/>
-        </p:nvPicPr>
-        <p:blipFill>
-          <a:blip r:embed="rId10">
-            <a:extLst>
-              <a:ext uri="{28A0092B-C50C-407E-A947-70E740481C1C}">
-                <a14:useLocalDpi xmlns:a14="http://schemas.microsoft.com/office/drawing/2010/main" val="0"/>
-              </a:ext>
-            </a:extLst>
-          </a:blip>
-          <a:stretch>
-            <a:fillRect/>
-          </a:stretch>
-        </p:blipFill>
-        <p:spPr>
-          <a:xfrm>
-            <a:off x="8174531" y="5526901"/>
-            <a:ext cx="1651577" cy="1233522"/>
-          </a:xfrm>
-          <a:prstGeom prst="rect">
-            <a:avLst/>
-          </a:prstGeom>
-        </p:spPr>
-      </p:pic>
-      <p:pic>
-        <p:nvPicPr>
-          <p:cNvPr id="48" name="図 47" descr="時計 が含まれている画像&#10;&#10;自動的に生成された説明">
-            <a:extLst>
-              <a:ext uri="{FF2B5EF4-FFF2-40B4-BE49-F238E27FC236}">
-                <a16:creationId xmlns:a16="http://schemas.microsoft.com/office/drawing/2014/main" id="{9145363B-EE5D-4ACD-B1EC-4811F5B285E2}"/>
-              </a:ext>
-            </a:extLst>
-          </p:cNvPr>
-          <p:cNvPicPr>
-            <a:picLocks noChangeAspect="1"/>
-          </p:cNvPicPr>
-          <p:nvPr/>
-        </p:nvPicPr>
-        <p:blipFill>
-          <a:blip r:embed="rId11">
-            <a:extLst>
-              <a:ext uri="{28A0092B-C50C-407E-A947-70E740481C1C}">
-                <a14:useLocalDpi xmlns:a14="http://schemas.microsoft.com/office/drawing/2010/main" val="0"/>
-              </a:ext>
-            </a:extLst>
-          </a:blip>
-          <a:stretch>
-            <a:fillRect/>
-          </a:stretch>
-        </p:blipFill>
-        <p:spPr>
-          <a:xfrm>
-            <a:off x="6514876" y="5531201"/>
-            <a:ext cx="1645820" cy="1229222"/>
-          </a:xfrm>
-          <a:prstGeom prst="rect">
-            <a:avLst/>
-          </a:prstGeom>
-        </p:spPr>
-      </p:pic>
-    </p:spTree>
-    <p:extLst>
-      <p:ext uri="{BB962C8B-B14F-4D97-AF65-F5344CB8AC3E}">
-        <p14:creationId xmlns:p14="http://schemas.microsoft.com/office/powerpoint/2010/main" val="1711325682"/>
-      </p:ext>
-    </p:extLst>
-  </p:cSld>
-  <p:clrMapOvr>
-    <a:masterClrMapping/>
-  </p:clrMapOvr>
-</p:sld>
-</file>
-
-<file path=ppt/slides/slide9.xml><?xml version="1.0" encoding="utf-8"?>
-<p:sld xmlns:a="http://schemas.openxmlformats.org/drawingml/2006/main" xmlns:r="http://schemas.openxmlformats.org/officeDocument/2006/relationships" xmlns:p="http://schemas.openxmlformats.org/presentationml/2006/main">
-  <p:cSld>
-    <p:spTree>
-      <p:nvGrpSpPr>
-        <p:cNvPr id="1" name=""/>
-        <p:cNvGrpSpPr/>
-        <p:nvPr/>
-      </p:nvGrpSpPr>
-      <p:grpSpPr>
-        <a:xfrm>
-          <a:off x="0" y="0"/>
-          <a:ext cx="0" cy="0"/>
-          <a:chOff x="0" y="0"/>
-          <a:chExt cx="0" cy="0"/>
-        </a:xfrm>
-      </p:grpSpPr>
-      <p:sp>
-        <p:nvSpPr>
-          <p:cNvPr id="6" name="テキスト ボックス 5">
-            <a:extLst>
-              <a:ext uri="{FF2B5EF4-FFF2-40B4-BE49-F238E27FC236}">
-                <a16:creationId xmlns:a16="http://schemas.microsoft.com/office/drawing/2014/main" id="{6B551181-2C66-4A19-BFC6-2ADD5F37BB92}"/>
-              </a:ext>
-            </a:extLst>
-          </p:cNvPr>
-          <p:cNvSpPr txBox="1"/>
-          <p:nvPr/>
-        </p:nvSpPr>
-        <p:spPr>
-          <a:xfrm>
-            <a:off x="868544" y="924630"/>
-            <a:ext cx="4055794" cy="461665"/>
-          </a:xfrm>
-          <a:prstGeom prst="rect">
-            <a:avLst/>
-          </a:prstGeom>
-          <a:noFill/>
-        </p:spPr>
-        <p:txBody>
-          <a:bodyPr wrap="square" rtlCol="0">
-            <a:spAutoFit/>
-          </a:bodyPr>
-          <a:lstStyle/>
-          <a:p>
-            <a:r>
-              <a:rPr kumimoji="1" lang="en-US" altLang="ja-JP" sz="2400" dirty="0"/>
-              <a:t>Case 2 (</a:t>
-            </a:r>
-            <a:r>
-              <a:rPr kumimoji="1" lang="ja-JP" altLang="en-US" sz="2400" dirty="0"/>
-              <a:t>結果</a:t>
-            </a:r>
-            <a:r>
-              <a:rPr kumimoji="1" lang="en-US" altLang="ja-JP" sz="2400" dirty="0"/>
-              <a:t>)</a:t>
-            </a:r>
-            <a:endParaRPr kumimoji="1" lang="ja-JP" altLang="en-US" sz="2400" dirty="0"/>
-          </a:p>
-        </p:txBody>
-      </p:sp>
-      <p:sp>
-        <p:nvSpPr>
-          <p:cNvPr id="2" name="テキスト ボックス 1">
-            <a:extLst>
-              <a:ext uri="{FF2B5EF4-FFF2-40B4-BE49-F238E27FC236}">
-                <a16:creationId xmlns:a16="http://schemas.microsoft.com/office/drawing/2014/main" id="{A0F39BA3-32F4-460B-A00F-65C4BCEF5823}"/>
-              </a:ext>
-            </a:extLst>
-          </p:cNvPr>
-          <p:cNvSpPr txBox="1"/>
-          <p:nvPr/>
-        </p:nvSpPr>
-        <p:spPr>
-          <a:xfrm>
-            <a:off x="1774580" y="1590584"/>
-            <a:ext cx="5179623" cy="923330"/>
-          </a:xfrm>
-          <a:prstGeom prst="rect">
-            <a:avLst/>
-          </a:prstGeom>
-          <a:noFill/>
-        </p:spPr>
-        <p:txBody>
-          <a:bodyPr wrap="none" rtlCol="0">
-            <a:spAutoFit/>
-          </a:bodyPr>
-          <a:lstStyle/>
-          <a:p>
-            <a:pPr marL="285750" indent="-285750">
-              <a:buFont typeface="Arial" panose="020B0604020202020204" pitchFamily="34" charset="0"/>
-              <a:buChar char="•"/>
-            </a:pPr>
-            <a:r>
-              <a:rPr lang="ja-JP" altLang="en-US" dirty="0"/>
-              <a:t>正解率は</a:t>
-            </a:r>
-            <a:r>
-              <a:rPr lang="en-US" altLang="ja-JP" dirty="0"/>
-              <a:t>95.51%</a:t>
-            </a:r>
-            <a:r>
-              <a:rPr lang="ja-JP" altLang="en-US" dirty="0"/>
-              <a:t>になった</a:t>
-            </a:r>
-            <a:r>
-              <a:rPr lang="en-US" altLang="ja-JP" dirty="0"/>
-              <a:t>.</a:t>
-            </a:r>
-          </a:p>
-          <a:p>
-            <a:pPr marL="285750" indent="-285750">
-              <a:buFont typeface="Arial" panose="020B0604020202020204" pitchFamily="34" charset="0"/>
-              <a:buChar char="•"/>
-            </a:pPr>
-            <a:endParaRPr lang="en-US" altLang="ja-JP" dirty="0"/>
-          </a:p>
-          <a:p>
-            <a:pPr marL="285750" indent="-285750">
-              <a:buFont typeface="Arial" panose="020B0604020202020204" pitchFamily="34" charset="0"/>
-              <a:buChar char="•"/>
-            </a:pPr>
-            <a:r>
-              <a:rPr lang="en-US" altLang="ja-JP" dirty="0" err="1"/>
-              <a:t>LightGBM</a:t>
-            </a:r>
-            <a:r>
-              <a:rPr lang="ja-JP" altLang="en-US" dirty="0"/>
-              <a:t>のみの</a:t>
-            </a:r>
-            <a:r>
-              <a:rPr lang="en-US" altLang="ja-JP" dirty="0"/>
-              <a:t>94.37%</a:t>
-            </a:r>
-            <a:r>
-              <a:rPr lang="ja-JP" altLang="en-US" dirty="0"/>
-              <a:t>より良い結果となった</a:t>
-            </a:r>
-            <a:r>
-              <a:rPr lang="en-US" altLang="ja-JP" dirty="0"/>
-              <a:t>.</a:t>
-            </a:r>
-          </a:p>
-        </p:txBody>
-      </p:sp>
-    </p:spTree>
-    <p:extLst>
-      <p:ext uri="{BB962C8B-B14F-4D97-AF65-F5344CB8AC3E}">
-        <p14:creationId xmlns:p14="http://schemas.microsoft.com/office/powerpoint/2010/main" val="1697337082"/>
       </p:ext>
     </p:extLst>
   </p:cSld>

--- a/発表資料/Pythonではじめる教師なし学習/Pythonではじめる教師なし学習第11章.pptx
+++ b/発表資料/Pythonではじめる教師なし学習/Pythonではじめる教師なし学習第11章.pptx
@@ -137,14 +137,6 @@
 </p:cmAuthorLst>
 </file>
 
-<file path=ppt/revisionInfo.xml><?xml version="1.0" encoding="utf-8"?>
-<p1510:revInfo xmlns:a="http://schemas.openxmlformats.org/drawingml/2006/main" xmlns:r="http://schemas.openxmlformats.org/officeDocument/2006/relationships" xmlns:p1510="http://schemas.microsoft.com/office/powerpoint/2015/10/main">
-  <p1510:revLst>
-    <p1510:client id="{68EF9989-4EC9-4DCD-A70A-BC2B07C763F2}" v="103" dt="2020-08-21T08:28:56.489"/>
-  </p1510:revLst>
-</p1510:revInfo>
-</file>
-
 <file path=ppt/changesInfos/changesInfo1.xml><?xml version="1.0" encoding="utf-8"?>
 <pc:chgInfo xmlns:a="http://schemas.openxmlformats.org/drawingml/2006/main" xmlns:r="http://schemas.openxmlformats.org/officeDocument/2006/relationships" xmlns:ac="http://schemas.microsoft.com/office/drawing/2013/main/command" xmlns:pc="http://schemas.microsoft.com/office/powerpoint/2013/main/command">
   <pc:docChgLst>
@@ -3024,6 +3016,30 @@
             <ac:picMk id="11" creationId="{ED7CB026-A1D6-4428-B20C-95E267CEB6E3}"/>
           </ac:picMkLst>
         </pc:picChg>
+      </pc:sldChg>
+    </pc:docChg>
+  </pc:docChgLst>
+  <pc:docChgLst>
+    <pc:chgData name="Yamaguchi Masaya" userId="8869a66585b793a1" providerId="LiveId" clId="{0F8FB3D9-017E-4E17-81EF-94914E683D8D}"/>
+    <pc:docChg chg="modSld">
+      <pc:chgData name="Yamaguchi Masaya" userId="8869a66585b793a1" providerId="LiveId" clId="{0F8FB3D9-017E-4E17-81EF-94914E683D8D}" dt="2020-08-25T09:20:09.288" v="1" actId="20577"/>
+      <pc:docMkLst>
+        <pc:docMk/>
+      </pc:docMkLst>
+      <pc:sldChg chg="modSp mod">
+        <pc:chgData name="Yamaguchi Masaya" userId="8869a66585b793a1" providerId="LiveId" clId="{0F8FB3D9-017E-4E17-81EF-94914E683D8D}" dt="2020-08-25T09:20:09.288" v="1" actId="20577"/>
+        <pc:sldMkLst>
+          <pc:docMk/>
+          <pc:sldMk cId="4128052610" sldId="268"/>
+        </pc:sldMkLst>
+        <pc:spChg chg="mod">
+          <ac:chgData name="Yamaguchi Masaya" userId="8869a66585b793a1" providerId="LiveId" clId="{0F8FB3D9-017E-4E17-81EF-94914E683D8D}" dt="2020-08-25T09:20:09.288" v="1" actId="20577"/>
+          <ac:spMkLst>
+            <pc:docMk/>
+            <pc:sldMk cId="4128052610" sldId="268"/>
+            <ac:spMk id="2" creationId="{A0F39BA3-32F4-460B-A00F-65C4BCEF5823}"/>
+          </ac:spMkLst>
+        </pc:spChg>
       </pc:sldChg>
     </pc:docChg>
   </pc:docChgLst>
@@ -5170,7 +5186,7 @@
           <a:p>
             <a:fld id="{6F410624-7C5E-4564-8988-5D4DC79A743A}" type="datetimeFigureOut">
               <a:rPr kumimoji="1" lang="ja-JP" altLang="en-US" smtClean="0"/>
-              <a:t>2020/8/21</a:t>
+              <a:t>2020/8/25</a:t>
             </a:fld>
             <a:endParaRPr kumimoji="1" lang="ja-JP" altLang="en-US"/>
           </a:p>
@@ -5400,7 +5416,7 @@
           <a:p>
             <a:fld id="{6F410624-7C5E-4564-8988-5D4DC79A743A}" type="datetimeFigureOut">
               <a:rPr kumimoji="1" lang="ja-JP" altLang="en-US" smtClean="0"/>
-              <a:t>2020/8/21</a:t>
+              <a:t>2020/8/25</a:t>
             </a:fld>
             <a:endParaRPr kumimoji="1" lang="ja-JP" altLang="en-US"/>
           </a:p>
@@ -5640,7 +5656,7 @@
           <a:p>
             <a:fld id="{6F410624-7C5E-4564-8988-5D4DC79A743A}" type="datetimeFigureOut">
               <a:rPr kumimoji="1" lang="ja-JP" altLang="en-US" smtClean="0"/>
-              <a:t>2020/8/21</a:t>
+              <a:t>2020/8/25</a:t>
             </a:fld>
             <a:endParaRPr kumimoji="1" lang="ja-JP" altLang="en-US"/>
           </a:p>
@@ -5870,7 +5886,7 @@
           <a:p>
             <a:fld id="{6F410624-7C5E-4564-8988-5D4DC79A743A}" type="datetimeFigureOut">
               <a:rPr kumimoji="1" lang="ja-JP" altLang="en-US" smtClean="0"/>
-              <a:t>2020/8/21</a:t>
+              <a:t>2020/8/25</a:t>
             </a:fld>
             <a:endParaRPr kumimoji="1" lang="ja-JP" altLang="en-US"/>
           </a:p>
@@ -6145,7 +6161,7 @@
           <a:p>
             <a:fld id="{6F410624-7C5E-4564-8988-5D4DC79A743A}" type="datetimeFigureOut">
               <a:rPr kumimoji="1" lang="ja-JP" altLang="en-US" smtClean="0"/>
-              <a:t>2020/8/21</a:t>
+              <a:t>2020/8/25</a:t>
             </a:fld>
             <a:endParaRPr kumimoji="1" lang="ja-JP" altLang="en-US"/>
           </a:p>
@@ -6474,7 +6490,7 @@
           <a:p>
             <a:fld id="{6F410624-7C5E-4564-8988-5D4DC79A743A}" type="datetimeFigureOut">
               <a:rPr kumimoji="1" lang="ja-JP" altLang="en-US" smtClean="0"/>
-              <a:t>2020/8/21</a:t>
+              <a:t>2020/8/25</a:t>
             </a:fld>
             <a:endParaRPr kumimoji="1" lang="ja-JP" altLang="en-US"/>
           </a:p>
@@ -6950,7 +6966,7 @@
           <a:p>
             <a:fld id="{6F410624-7C5E-4564-8988-5D4DC79A743A}" type="datetimeFigureOut">
               <a:rPr kumimoji="1" lang="ja-JP" altLang="en-US" smtClean="0"/>
-              <a:t>2020/8/21</a:t>
+              <a:t>2020/8/25</a:t>
             </a:fld>
             <a:endParaRPr kumimoji="1" lang="ja-JP" altLang="en-US"/>
           </a:p>
@@ -7091,7 +7107,7 @@
           <a:p>
             <a:fld id="{6F410624-7C5E-4564-8988-5D4DC79A743A}" type="datetimeFigureOut">
               <a:rPr kumimoji="1" lang="ja-JP" altLang="en-US" smtClean="0"/>
-              <a:t>2020/8/21</a:t>
+              <a:t>2020/8/25</a:t>
             </a:fld>
             <a:endParaRPr kumimoji="1" lang="ja-JP" altLang="en-US"/>
           </a:p>
@@ -7204,7 +7220,7 @@
           <a:p>
             <a:fld id="{6F410624-7C5E-4564-8988-5D4DC79A743A}" type="datetimeFigureOut">
               <a:rPr kumimoji="1" lang="ja-JP" altLang="en-US" smtClean="0"/>
-              <a:t>2020/8/21</a:t>
+              <a:t>2020/8/25</a:t>
             </a:fld>
             <a:endParaRPr kumimoji="1" lang="ja-JP" altLang="en-US"/>
           </a:p>
@@ -7547,7 +7563,7 @@
           <a:p>
             <a:fld id="{6F410624-7C5E-4564-8988-5D4DC79A743A}" type="datetimeFigureOut">
               <a:rPr kumimoji="1" lang="ja-JP" altLang="en-US" smtClean="0"/>
-              <a:t>2020/8/21</a:t>
+              <a:t>2020/8/25</a:t>
             </a:fld>
             <a:endParaRPr kumimoji="1" lang="ja-JP" altLang="en-US"/>
           </a:p>
@@ -7835,7 +7851,7 @@
           <a:p>
             <a:fld id="{6F410624-7C5E-4564-8988-5D4DC79A743A}" type="datetimeFigureOut">
               <a:rPr kumimoji="1" lang="ja-JP" altLang="en-US" smtClean="0"/>
-              <a:t>2020/8/21</a:t>
+              <a:t>2020/8/25</a:t>
             </a:fld>
             <a:endParaRPr kumimoji="1" lang="ja-JP" altLang="en-US"/>
           </a:p>
@@ -8108,7 +8124,7 @@
           <a:p>
             <a:fld id="{6F410624-7C5E-4564-8988-5D4DC79A743A}" type="datetimeFigureOut">
               <a:rPr kumimoji="1" lang="ja-JP" altLang="en-US" smtClean="0"/>
-              <a:t>2020/8/21</a:t>
+              <a:t>2020/8/25</a:t>
             </a:fld>
             <a:endParaRPr kumimoji="1" lang="ja-JP" altLang="en-US"/>
           </a:p>
@@ -14728,15 +14744,15 @@
             </a:pPr>
             <a:r>
               <a:rPr lang="en-US" altLang="ja-JP" dirty="0"/>
-              <a:t>train size : 50000, </a:t>
-            </a:r>
-            <a:r>
-              <a:rPr lang="en-US" altLang="ja-JP" dirty="0" err="1"/>
-              <a:t>vaild</a:t>
+              <a:t>train size : 50000</a:t>
+            </a:r>
+            <a:r>
+              <a:rPr lang="en-US" altLang="ja-JP"/>
+              <a:t>, valid </a:t>
             </a:r>
             <a:r>
               <a:rPr lang="en-US" altLang="ja-JP" dirty="0"/>
-              <a:t> size : 10000, test size : 10000 </a:t>
+              <a:t>size : 10000, test size : 10000 </a:t>
             </a:r>
             <a:r>
               <a:rPr lang="ja-JP" altLang="en-US" dirty="0"/>
